--- a/Курсовая Графика во Free Pascal.pptx
+++ b/Курсовая Графика во Free Pascal.pptx
@@ -10,6 +10,9 @@
     <p:sldId id="258" r:id="rId4"/>
     <p:sldId id="259" r:id="rId5"/>
     <p:sldId id="260" r:id="rId6"/>
+    <p:sldId id="261" r:id="rId7"/>
+    <p:sldId id="262" r:id="rId8"/>
+    <p:sldId id="263" r:id="rId9"/>
   </p:sldIdLst>
   <p:sldSz cx="12192000" cy="6858000"/>
   <p:notesSz cx="6858000" cy="9144000"/>
@@ -111,6 +114,2861 @@
 </p:presentation>
 </file>
 
+<file path=ppt/diagrams/colors1.xml><?xml version="1.0" encoding="utf-8"?>
+<dgm:colorsDef xmlns:dgm="http://schemas.openxmlformats.org/drawingml/2006/diagram" xmlns:a="http://schemas.openxmlformats.org/drawingml/2006/main" uniqueId="urn:microsoft.com/office/officeart/2005/8/colors/colorful2">
+  <dgm:title val=""/>
+  <dgm:desc val=""/>
+  <dgm:catLst>
+    <dgm:cat type="colorful" pri="10200"/>
+  </dgm:catLst>
+  <dgm:styleLbl name="node0">
+    <dgm:fillClrLst meth="repeat">
+      <a:schemeClr val="accent1"/>
+    </dgm:fillClrLst>
+    <dgm:linClrLst meth="repeat">
+      <a:schemeClr val="lt1"/>
+    </dgm:linClrLst>
+    <dgm:effectClrLst/>
+    <dgm:txLinClrLst/>
+    <dgm:txFillClrLst/>
+    <dgm:txEffectClrLst/>
+  </dgm:styleLbl>
+  <dgm:styleLbl name="node1">
+    <dgm:fillClrLst>
+      <a:schemeClr val="accent2"/>
+      <a:schemeClr val="accent3"/>
+    </dgm:fillClrLst>
+    <dgm:linClrLst meth="repeat">
+      <a:schemeClr val="lt1"/>
+    </dgm:linClrLst>
+    <dgm:effectClrLst/>
+    <dgm:txLinClrLst/>
+    <dgm:txFillClrLst/>
+    <dgm:txEffectClrLst/>
+  </dgm:styleLbl>
+  <dgm:styleLbl name="alignNode1">
+    <dgm:fillClrLst>
+      <a:schemeClr val="accent2"/>
+      <a:schemeClr val="accent3"/>
+    </dgm:fillClrLst>
+    <dgm:linClrLst>
+      <a:schemeClr val="accent2"/>
+      <a:schemeClr val="accent3"/>
+    </dgm:linClrLst>
+    <dgm:effectClrLst/>
+    <dgm:txLinClrLst/>
+    <dgm:txFillClrLst/>
+    <dgm:txEffectClrLst/>
+  </dgm:styleLbl>
+  <dgm:styleLbl name="lnNode1">
+    <dgm:fillClrLst>
+      <a:schemeClr val="accent2"/>
+      <a:schemeClr val="accent3"/>
+    </dgm:fillClrLst>
+    <dgm:linClrLst meth="repeat">
+      <a:schemeClr val="lt1"/>
+    </dgm:linClrLst>
+    <dgm:effectClrLst/>
+    <dgm:txLinClrLst/>
+    <dgm:txFillClrLst/>
+    <dgm:txEffectClrLst/>
+  </dgm:styleLbl>
+  <dgm:styleLbl name="vennNode1">
+    <dgm:fillClrLst>
+      <a:schemeClr val="accent2">
+        <a:alpha val="50000"/>
+      </a:schemeClr>
+      <a:schemeClr val="accent3">
+        <a:alpha val="50000"/>
+      </a:schemeClr>
+    </dgm:fillClrLst>
+    <dgm:linClrLst meth="repeat">
+      <a:schemeClr val="lt1"/>
+    </dgm:linClrLst>
+    <dgm:effectClrLst/>
+    <dgm:txLinClrLst/>
+    <dgm:txFillClrLst/>
+    <dgm:txEffectClrLst/>
+  </dgm:styleLbl>
+  <dgm:styleLbl name="node2">
+    <dgm:fillClrLst>
+      <a:schemeClr val="accent3"/>
+    </dgm:fillClrLst>
+    <dgm:linClrLst meth="repeat">
+      <a:schemeClr val="lt1"/>
+    </dgm:linClrLst>
+    <dgm:effectClrLst/>
+    <dgm:txLinClrLst/>
+    <dgm:txFillClrLst/>
+    <dgm:txEffectClrLst/>
+  </dgm:styleLbl>
+  <dgm:styleLbl name="node3">
+    <dgm:fillClrLst>
+      <a:schemeClr val="accent4"/>
+    </dgm:fillClrLst>
+    <dgm:linClrLst meth="repeat">
+      <a:schemeClr val="lt1"/>
+    </dgm:linClrLst>
+    <dgm:effectClrLst/>
+    <dgm:txLinClrLst/>
+    <dgm:txFillClrLst/>
+    <dgm:txEffectClrLst/>
+  </dgm:styleLbl>
+  <dgm:styleLbl name="node4">
+    <dgm:fillClrLst>
+      <a:schemeClr val="accent5"/>
+    </dgm:fillClrLst>
+    <dgm:linClrLst meth="repeat">
+      <a:schemeClr val="lt1"/>
+    </dgm:linClrLst>
+    <dgm:effectClrLst/>
+    <dgm:txLinClrLst/>
+    <dgm:txFillClrLst/>
+    <dgm:txEffectClrLst/>
+  </dgm:styleLbl>
+  <dgm:styleLbl name="fgImgPlace1">
+    <dgm:fillClrLst>
+      <a:schemeClr val="accent2">
+        <a:tint val="50000"/>
+      </a:schemeClr>
+      <a:schemeClr val="accent3">
+        <a:tint val="50000"/>
+      </a:schemeClr>
+    </dgm:fillClrLst>
+    <dgm:linClrLst meth="repeat">
+      <a:schemeClr val="lt1"/>
+    </dgm:linClrLst>
+    <dgm:effectClrLst/>
+    <dgm:txLinClrLst/>
+    <dgm:txFillClrLst meth="repeat">
+      <a:schemeClr val="lt1"/>
+    </dgm:txFillClrLst>
+    <dgm:txEffectClrLst/>
+  </dgm:styleLbl>
+  <dgm:styleLbl name="alignImgPlace1">
+    <dgm:fillClrLst>
+      <a:schemeClr val="accent2">
+        <a:tint val="50000"/>
+      </a:schemeClr>
+      <a:schemeClr val="accent3">
+        <a:tint val="20000"/>
+      </a:schemeClr>
+    </dgm:fillClrLst>
+    <dgm:linClrLst meth="repeat">
+      <a:schemeClr val="lt1"/>
+    </dgm:linClrLst>
+    <dgm:effectClrLst/>
+    <dgm:txLinClrLst/>
+    <dgm:txFillClrLst meth="repeat">
+      <a:schemeClr val="lt1"/>
+    </dgm:txFillClrLst>
+    <dgm:txEffectClrLst/>
+  </dgm:styleLbl>
+  <dgm:styleLbl name="bgImgPlace1">
+    <dgm:fillClrLst>
+      <a:schemeClr val="accent2">
+        <a:tint val="50000"/>
+      </a:schemeClr>
+      <a:schemeClr val="accent3">
+        <a:tint val="20000"/>
+      </a:schemeClr>
+    </dgm:fillClrLst>
+    <dgm:linClrLst meth="repeat">
+      <a:schemeClr val="lt1"/>
+    </dgm:linClrLst>
+    <dgm:effectClrLst/>
+    <dgm:txLinClrLst/>
+    <dgm:txFillClrLst meth="repeat">
+      <a:schemeClr val="lt1"/>
+    </dgm:txFillClrLst>
+    <dgm:txEffectClrLst/>
+  </dgm:styleLbl>
+  <dgm:styleLbl name="sibTrans2D1">
+    <dgm:fillClrLst>
+      <a:schemeClr val="accent2"/>
+      <a:schemeClr val="accent3"/>
+    </dgm:fillClrLst>
+    <dgm:linClrLst meth="repeat">
+      <a:schemeClr val="lt1"/>
+    </dgm:linClrLst>
+    <dgm:effectClrLst/>
+    <dgm:txLinClrLst/>
+    <dgm:txFillClrLst/>
+    <dgm:txEffectClrLst/>
+  </dgm:styleLbl>
+  <dgm:styleLbl name="fgSibTrans2D1">
+    <dgm:fillClrLst>
+      <a:schemeClr val="accent2"/>
+      <a:schemeClr val="accent3"/>
+    </dgm:fillClrLst>
+    <dgm:linClrLst meth="repeat">
+      <a:schemeClr val="lt1"/>
+    </dgm:linClrLst>
+    <dgm:effectClrLst/>
+    <dgm:txLinClrLst/>
+    <dgm:txFillClrLst meth="repeat">
+      <a:schemeClr val="lt1"/>
+    </dgm:txFillClrLst>
+    <dgm:txEffectClrLst/>
+  </dgm:styleLbl>
+  <dgm:styleLbl name="bgSibTrans2D1">
+    <dgm:fillClrLst>
+      <a:schemeClr val="accent2"/>
+      <a:schemeClr val="accent3"/>
+    </dgm:fillClrLst>
+    <dgm:linClrLst meth="repeat">
+      <a:schemeClr val="lt1"/>
+    </dgm:linClrLst>
+    <dgm:effectClrLst/>
+    <dgm:txLinClrLst/>
+    <dgm:txFillClrLst meth="repeat">
+      <a:schemeClr val="lt1"/>
+    </dgm:txFillClrLst>
+    <dgm:txEffectClrLst/>
+  </dgm:styleLbl>
+  <dgm:styleLbl name="sibTrans1D1">
+    <dgm:fillClrLst/>
+    <dgm:linClrLst>
+      <a:schemeClr val="accent2"/>
+      <a:schemeClr val="accent3"/>
+    </dgm:linClrLst>
+    <dgm:effectClrLst/>
+    <dgm:txLinClrLst/>
+    <dgm:txFillClrLst meth="repeat">
+      <a:schemeClr val="tx1"/>
+    </dgm:txFillClrLst>
+    <dgm:txEffectClrLst/>
+  </dgm:styleLbl>
+  <dgm:styleLbl name="callout">
+    <dgm:fillClrLst meth="repeat">
+      <a:schemeClr val="accent2"/>
+    </dgm:fillClrLst>
+    <dgm:linClrLst meth="repeat">
+      <a:schemeClr val="accent2">
+        <a:tint val="50000"/>
+      </a:schemeClr>
+    </dgm:linClrLst>
+    <dgm:effectClrLst/>
+    <dgm:txLinClrLst/>
+    <dgm:txFillClrLst meth="repeat">
+      <a:schemeClr val="tx1"/>
+    </dgm:txFillClrLst>
+    <dgm:txEffectClrLst/>
+  </dgm:styleLbl>
+  <dgm:styleLbl name="asst0">
+    <dgm:fillClrLst meth="repeat">
+      <a:schemeClr val="accent2"/>
+    </dgm:fillClrLst>
+    <dgm:linClrLst meth="repeat">
+      <a:schemeClr val="lt1">
+        <a:shade val="80000"/>
+      </a:schemeClr>
+    </dgm:linClrLst>
+    <dgm:effectClrLst/>
+    <dgm:txLinClrLst/>
+    <dgm:txFillClrLst/>
+    <dgm:txEffectClrLst/>
+  </dgm:styleLbl>
+  <dgm:styleLbl name="asst1">
+    <dgm:fillClrLst meth="repeat">
+      <a:schemeClr val="accent3"/>
+    </dgm:fillClrLst>
+    <dgm:linClrLst meth="repeat">
+      <a:schemeClr val="lt1">
+        <a:shade val="80000"/>
+      </a:schemeClr>
+    </dgm:linClrLst>
+    <dgm:effectClrLst/>
+    <dgm:txLinClrLst/>
+    <dgm:txFillClrLst/>
+    <dgm:txEffectClrLst/>
+  </dgm:styleLbl>
+  <dgm:styleLbl name="asst2">
+    <dgm:fillClrLst>
+      <a:schemeClr val="accent4"/>
+    </dgm:fillClrLst>
+    <dgm:linClrLst meth="repeat">
+      <a:schemeClr val="lt1"/>
+    </dgm:linClrLst>
+    <dgm:effectClrLst/>
+    <dgm:txLinClrLst/>
+    <dgm:txFillClrLst/>
+    <dgm:txEffectClrLst/>
+  </dgm:styleLbl>
+  <dgm:styleLbl name="asst3">
+    <dgm:fillClrLst>
+      <a:schemeClr val="accent5"/>
+    </dgm:fillClrLst>
+    <dgm:linClrLst meth="repeat">
+      <a:schemeClr val="lt1"/>
+    </dgm:linClrLst>
+    <dgm:effectClrLst/>
+    <dgm:txLinClrLst/>
+    <dgm:txFillClrLst/>
+    <dgm:txEffectClrLst/>
+  </dgm:styleLbl>
+  <dgm:styleLbl name="asst4">
+    <dgm:fillClrLst>
+      <a:schemeClr val="accent6"/>
+    </dgm:fillClrLst>
+    <dgm:linClrLst meth="repeat">
+      <a:schemeClr val="lt1"/>
+    </dgm:linClrLst>
+    <dgm:effectClrLst/>
+    <dgm:txLinClrLst/>
+    <dgm:txFillClrLst/>
+    <dgm:txEffectClrLst/>
+  </dgm:styleLbl>
+  <dgm:styleLbl name="parChTrans2D1">
+    <dgm:fillClrLst meth="repeat">
+      <a:schemeClr val="accent2"/>
+    </dgm:fillClrLst>
+    <dgm:linClrLst meth="repeat">
+      <a:schemeClr val="lt1"/>
+    </dgm:linClrLst>
+    <dgm:effectClrLst/>
+    <dgm:txLinClrLst/>
+    <dgm:txFillClrLst meth="repeat">
+      <a:schemeClr val="lt1"/>
+    </dgm:txFillClrLst>
+    <dgm:txEffectClrLst/>
+  </dgm:styleLbl>
+  <dgm:styleLbl name="parChTrans2D2">
+    <dgm:fillClrLst meth="repeat">
+      <a:schemeClr val="accent3"/>
+    </dgm:fillClrLst>
+    <dgm:linClrLst meth="repeat">
+      <a:schemeClr val="lt1"/>
+    </dgm:linClrLst>
+    <dgm:effectClrLst/>
+    <dgm:txLinClrLst/>
+    <dgm:txFillClrLst/>
+    <dgm:txEffectClrLst/>
+  </dgm:styleLbl>
+  <dgm:styleLbl name="parChTrans2D3">
+    <dgm:fillClrLst meth="repeat">
+      <a:schemeClr val="accent4"/>
+    </dgm:fillClrLst>
+    <dgm:linClrLst meth="repeat">
+      <a:schemeClr val="lt1"/>
+    </dgm:linClrLst>
+    <dgm:effectClrLst/>
+    <dgm:txLinClrLst/>
+    <dgm:txFillClrLst/>
+    <dgm:txEffectClrLst/>
+  </dgm:styleLbl>
+  <dgm:styleLbl name="parChTrans2D4">
+    <dgm:fillClrLst meth="repeat">
+      <a:schemeClr val="accent5"/>
+    </dgm:fillClrLst>
+    <dgm:linClrLst meth="repeat">
+      <a:schemeClr val="lt1"/>
+    </dgm:linClrLst>
+    <dgm:effectClrLst/>
+    <dgm:txLinClrLst/>
+    <dgm:txFillClrLst meth="repeat">
+      <a:schemeClr val="lt1"/>
+    </dgm:txFillClrLst>
+    <dgm:txEffectClrLst/>
+  </dgm:styleLbl>
+  <dgm:styleLbl name="parChTrans1D1">
+    <dgm:fillClrLst meth="repeat">
+      <a:schemeClr val="accent2"/>
+    </dgm:fillClrLst>
+    <dgm:linClrLst meth="repeat">
+      <a:schemeClr val="accent2"/>
+    </dgm:linClrLst>
+    <dgm:effectClrLst/>
+    <dgm:txLinClrLst/>
+    <dgm:txFillClrLst meth="repeat">
+      <a:schemeClr val="tx1"/>
+    </dgm:txFillClrLst>
+    <dgm:txEffectClrLst/>
+  </dgm:styleLbl>
+  <dgm:styleLbl name="parChTrans1D2">
+    <dgm:fillClrLst meth="repeat">
+      <a:schemeClr val="accent2">
+        <a:tint val="90000"/>
+      </a:schemeClr>
+    </dgm:fillClrLst>
+    <dgm:linClrLst meth="repeat">
+      <a:schemeClr val="accent3"/>
+    </dgm:linClrLst>
+    <dgm:effectClrLst/>
+    <dgm:txLinClrLst/>
+    <dgm:txFillClrLst meth="repeat">
+      <a:schemeClr val="tx1"/>
+    </dgm:txFillClrLst>
+    <dgm:txEffectClrLst/>
+  </dgm:styleLbl>
+  <dgm:styleLbl name="parChTrans1D3">
+    <dgm:fillClrLst meth="repeat">
+      <a:schemeClr val="accent2">
+        <a:tint val="70000"/>
+      </a:schemeClr>
+    </dgm:fillClrLst>
+    <dgm:linClrLst meth="repeat">
+      <a:schemeClr val="accent4"/>
+    </dgm:linClrLst>
+    <dgm:effectClrLst/>
+    <dgm:txLinClrLst/>
+    <dgm:txFillClrLst meth="repeat">
+      <a:schemeClr val="tx1"/>
+    </dgm:txFillClrLst>
+    <dgm:txEffectClrLst/>
+  </dgm:styleLbl>
+  <dgm:styleLbl name="parChTrans1D4">
+    <dgm:fillClrLst meth="repeat">
+      <a:schemeClr val="accent2">
+        <a:tint val="50000"/>
+      </a:schemeClr>
+    </dgm:fillClrLst>
+    <dgm:linClrLst meth="repeat">
+      <a:schemeClr val="accent5"/>
+    </dgm:linClrLst>
+    <dgm:effectClrLst/>
+    <dgm:txLinClrLst/>
+    <dgm:txFillClrLst meth="repeat">
+      <a:schemeClr val="tx1"/>
+    </dgm:txFillClrLst>
+    <dgm:txEffectClrLst/>
+  </dgm:styleLbl>
+  <dgm:styleLbl name="fgAcc1">
+    <dgm:fillClrLst meth="repeat">
+      <a:schemeClr val="lt1">
+        <a:alpha val="90000"/>
+      </a:schemeClr>
+    </dgm:fillClrLst>
+    <dgm:linClrLst>
+      <a:schemeClr val="accent2"/>
+      <a:schemeClr val="accent3"/>
+    </dgm:linClrLst>
+    <dgm:effectClrLst/>
+    <dgm:txLinClrLst/>
+    <dgm:txFillClrLst meth="repeat">
+      <a:schemeClr val="dk1"/>
+    </dgm:txFillClrLst>
+    <dgm:txEffectClrLst/>
+  </dgm:styleLbl>
+  <dgm:styleLbl name="conFgAcc1">
+    <dgm:fillClrLst meth="repeat">
+      <a:schemeClr val="lt1">
+        <a:alpha val="90000"/>
+      </a:schemeClr>
+    </dgm:fillClrLst>
+    <dgm:linClrLst>
+      <a:schemeClr val="accent2"/>
+      <a:schemeClr val="accent3"/>
+    </dgm:linClrLst>
+    <dgm:effectClrLst/>
+    <dgm:txLinClrLst/>
+    <dgm:txFillClrLst meth="repeat">
+      <a:schemeClr val="dk1"/>
+    </dgm:txFillClrLst>
+    <dgm:txEffectClrLst/>
+  </dgm:styleLbl>
+  <dgm:styleLbl name="alignAcc1">
+    <dgm:fillClrLst meth="repeat">
+      <a:schemeClr val="lt1">
+        <a:alpha val="90000"/>
+      </a:schemeClr>
+    </dgm:fillClrLst>
+    <dgm:linClrLst>
+      <a:schemeClr val="accent2"/>
+      <a:schemeClr val="accent3"/>
+    </dgm:linClrLst>
+    <dgm:effectClrLst/>
+    <dgm:txLinClrLst/>
+    <dgm:txFillClrLst meth="repeat">
+      <a:schemeClr val="dk1"/>
+    </dgm:txFillClrLst>
+    <dgm:txEffectClrLst/>
+  </dgm:styleLbl>
+  <dgm:styleLbl name="trAlignAcc1">
+    <dgm:fillClrLst meth="repeat">
+      <a:schemeClr val="lt1">
+        <a:alpha val="40000"/>
+      </a:schemeClr>
+    </dgm:fillClrLst>
+    <dgm:linClrLst meth="repeat">
+      <a:schemeClr val="accent2"/>
+    </dgm:linClrLst>
+    <dgm:effectClrLst/>
+    <dgm:txLinClrLst/>
+    <dgm:txFillClrLst meth="repeat">
+      <a:schemeClr val="dk1"/>
+    </dgm:txFillClrLst>
+    <dgm:txEffectClrLst/>
+  </dgm:styleLbl>
+  <dgm:styleLbl name="bgAcc1">
+    <dgm:fillClrLst meth="repeat">
+      <a:schemeClr val="lt1">
+        <a:alpha val="90000"/>
+      </a:schemeClr>
+    </dgm:fillClrLst>
+    <dgm:linClrLst>
+      <a:schemeClr val="accent2"/>
+      <a:schemeClr val="accent3"/>
+    </dgm:linClrLst>
+    <dgm:effectClrLst/>
+    <dgm:txLinClrLst/>
+    <dgm:txFillClrLst meth="repeat">
+      <a:schemeClr val="dk1"/>
+    </dgm:txFillClrLst>
+    <dgm:txEffectClrLst/>
+  </dgm:styleLbl>
+  <dgm:styleLbl name="solidFgAcc1">
+    <dgm:fillClrLst meth="repeat">
+      <a:schemeClr val="lt1"/>
+    </dgm:fillClrLst>
+    <dgm:linClrLst>
+      <a:schemeClr val="accent2"/>
+      <a:schemeClr val="accent3"/>
+    </dgm:linClrLst>
+    <dgm:effectClrLst/>
+    <dgm:txLinClrLst/>
+    <dgm:txFillClrLst meth="repeat">
+      <a:schemeClr val="dk1"/>
+    </dgm:txFillClrLst>
+    <dgm:txEffectClrLst/>
+  </dgm:styleLbl>
+  <dgm:styleLbl name="solidAlignAcc1">
+    <dgm:fillClrLst meth="repeat">
+      <a:schemeClr val="lt1"/>
+    </dgm:fillClrLst>
+    <dgm:linClrLst>
+      <a:schemeClr val="accent2"/>
+      <a:schemeClr val="accent3"/>
+    </dgm:linClrLst>
+    <dgm:effectClrLst/>
+    <dgm:txLinClrLst/>
+    <dgm:txFillClrLst meth="repeat">
+      <a:schemeClr val="dk1"/>
+    </dgm:txFillClrLst>
+    <dgm:txEffectClrLst/>
+  </dgm:styleLbl>
+  <dgm:styleLbl name="solidBgAcc1">
+    <dgm:fillClrLst meth="repeat">
+      <a:schemeClr val="lt1"/>
+    </dgm:fillClrLst>
+    <dgm:linClrLst>
+      <a:schemeClr val="accent2"/>
+      <a:schemeClr val="accent3"/>
+    </dgm:linClrLst>
+    <dgm:effectClrLst/>
+    <dgm:txLinClrLst/>
+    <dgm:txFillClrLst meth="repeat">
+      <a:schemeClr val="dk1"/>
+    </dgm:txFillClrLst>
+    <dgm:txEffectClrLst/>
+  </dgm:styleLbl>
+  <dgm:styleLbl name="fgAccFollowNode1">
+    <dgm:fillClrLst>
+      <a:schemeClr val="accent2">
+        <a:tint val="40000"/>
+        <a:alpha val="90000"/>
+      </a:schemeClr>
+      <a:schemeClr val="accent3">
+        <a:tint val="40000"/>
+        <a:alpha val="90000"/>
+      </a:schemeClr>
+    </dgm:fillClrLst>
+    <dgm:linClrLst>
+      <a:schemeClr val="accent2">
+        <a:tint val="40000"/>
+        <a:alpha val="90000"/>
+      </a:schemeClr>
+      <a:schemeClr val="accent3">
+        <a:tint val="40000"/>
+        <a:alpha val="90000"/>
+      </a:schemeClr>
+    </dgm:linClrLst>
+    <dgm:effectClrLst/>
+    <dgm:txLinClrLst/>
+    <dgm:txFillClrLst meth="repeat">
+      <a:schemeClr val="dk1"/>
+    </dgm:txFillClrLst>
+    <dgm:txEffectClrLst/>
+  </dgm:styleLbl>
+  <dgm:styleLbl name="alignAccFollowNode1">
+    <dgm:fillClrLst>
+      <a:schemeClr val="accent2">
+        <a:tint val="40000"/>
+        <a:alpha val="90000"/>
+      </a:schemeClr>
+      <a:schemeClr val="accent3">
+        <a:tint val="40000"/>
+        <a:alpha val="90000"/>
+      </a:schemeClr>
+    </dgm:fillClrLst>
+    <dgm:linClrLst>
+      <a:schemeClr val="accent2">
+        <a:tint val="40000"/>
+        <a:alpha val="90000"/>
+      </a:schemeClr>
+      <a:schemeClr val="accent3">
+        <a:tint val="40000"/>
+        <a:alpha val="90000"/>
+      </a:schemeClr>
+    </dgm:linClrLst>
+    <dgm:effectClrLst/>
+    <dgm:txLinClrLst/>
+    <dgm:txFillClrLst meth="repeat">
+      <a:schemeClr val="dk1"/>
+    </dgm:txFillClrLst>
+    <dgm:txEffectClrLst/>
+  </dgm:styleLbl>
+  <dgm:styleLbl name="bgAccFollowNode1">
+    <dgm:fillClrLst>
+      <a:schemeClr val="accent2">
+        <a:tint val="40000"/>
+        <a:alpha val="90000"/>
+      </a:schemeClr>
+      <a:schemeClr val="accent3">
+        <a:tint val="40000"/>
+        <a:alpha val="90000"/>
+      </a:schemeClr>
+    </dgm:fillClrLst>
+    <dgm:linClrLst>
+      <a:schemeClr val="accent2">
+        <a:tint val="40000"/>
+        <a:alpha val="90000"/>
+      </a:schemeClr>
+      <a:schemeClr val="accent3">
+        <a:tint val="40000"/>
+        <a:alpha val="90000"/>
+      </a:schemeClr>
+    </dgm:linClrLst>
+    <dgm:effectClrLst/>
+    <dgm:txLinClrLst/>
+    <dgm:txFillClrLst meth="repeat">
+      <a:schemeClr val="dk1"/>
+    </dgm:txFillClrLst>
+    <dgm:txEffectClrLst/>
+  </dgm:styleLbl>
+  <dgm:styleLbl name="fgAcc0">
+    <dgm:fillClrLst meth="repeat">
+      <a:schemeClr val="lt1">
+        <a:alpha val="90000"/>
+      </a:schemeClr>
+    </dgm:fillClrLst>
+    <dgm:linClrLst>
+      <a:schemeClr val="accent1"/>
+    </dgm:linClrLst>
+    <dgm:effectClrLst/>
+    <dgm:txLinClrLst/>
+    <dgm:txFillClrLst meth="repeat">
+      <a:schemeClr val="dk1"/>
+    </dgm:txFillClrLst>
+    <dgm:txEffectClrLst/>
+  </dgm:styleLbl>
+  <dgm:styleLbl name="fgAcc2">
+    <dgm:fillClrLst meth="repeat">
+      <a:schemeClr val="lt1">
+        <a:alpha val="90000"/>
+      </a:schemeClr>
+    </dgm:fillClrLst>
+    <dgm:linClrLst>
+      <a:schemeClr val="accent3"/>
+    </dgm:linClrLst>
+    <dgm:effectClrLst/>
+    <dgm:txLinClrLst/>
+    <dgm:txFillClrLst meth="repeat">
+      <a:schemeClr val="dk1"/>
+    </dgm:txFillClrLst>
+    <dgm:txEffectClrLst/>
+  </dgm:styleLbl>
+  <dgm:styleLbl name="fgAcc3">
+    <dgm:fillClrLst meth="repeat">
+      <a:schemeClr val="lt1">
+        <a:alpha val="90000"/>
+      </a:schemeClr>
+    </dgm:fillClrLst>
+    <dgm:linClrLst>
+      <a:schemeClr val="accent4"/>
+    </dgm:linClrLst>
+    <dgm:effectClrLst/>
+    <dgm:txLinClrLst/>
+    <dgm:txFillClrLst meth="repeat">
+      <a:schemeClr val="dk1"/>
+    </dgm:txFillClrLst>
+    <dgm:txEffectClrLst/>
+  </dgm:styleLbl>
+  <dgm:styleLbl name="fgAcc4">
+    <dgm:fillClrLst meth="repeat">
+      <a:schemeClr val="lt1">
+        <a:alpha val="90000"/>
+      </a:schemeClr>
+    </dgm:fillClrLst>
+    <dgm:linClrLst>
+      <a:schemeClr val="accent5"/>
+    </dgm:linClrLst>
+    <dgm:effectClrLst/>
+    <dgm:txLinClrLst/>
+    <dgm:txFillClrLst meth="repeat">
+      <a:schemeClr val="dk1"/>
+    </dgm:txFillClrLst>
+    <dgm:txEffectClrLst/>
+  </dgm:styleLbl>
+  <dgm:styleLbl name="bgShp">
+    <dgm:fillClrLst meth="repeat">
+      <a:schemeClr val="accent2">
+        <a:tint val="40000"/>
+      </a:schemeClr>
+    </dgm:fillClrLst>
+    <dgm:linClrLst meth="repeat">
+      <a:schemeClr val="dk1"/>
+    </dgm:linClrLst>
+    <dgm:effectClrLst/>
+    <dgm:txLinClrLst/>
+    <dgm:txFillClrLst meth="repeat">
+      <a:schemeClr val="dk1"/>
+    </dgm:txFillClrLst>
+    <dgm:txEffectClrLst/>
+  </dgm:styleLbl>
+  <dgm:styleLbl name="dkBgShp">
+    <dgm:fillClrLst meth="repeat">
+      <a:schemeClr val="accent2">
+        <a:shade val="90000"/>
+      </a:schemeClr>
+    </dgm:fillClrLst>
+    <dgm:linClrLst meth="repeat">
+      <a:schemeClr val="dk1"/>
+    </dgm:linClrLst>
+    <dgm:effectClrLst/>
+    <dgm:txLinClrLst/>
+    <dgm:txFillClrLst meth="repeat">
+      <a:schemeClr val="lt1"/>
+    </dgm:txFillClrLst>
+    <dgm:txEffectClrLst/>
+  </dgm:styleLbl>
+  <dgm:styleLbl name="trBgShp">
+    <dgm:fillClrLst meth="repeat">
+      <a:schemeClr val="accent2">
+        <a:tint val="50000"/>
+        <a:alpha val="40000"/>
+      </a:schemeClr>
+    </dgm:fillClrLst>
+    <dgm:linClrLst meth="repeat">
+      <a:schemeClr val="accent2"/>
+    </dgm:linClrLst>
+    <dgm:effectClrLst/>
+    <dgm:txLinClrLst/>
+    <dgm:txFillClrLst meth="repeat">
+      <a:schemeClr val="lt1"/>
+    </dgm:txFillClrLst>
+    <dgm:txEffectClrLst/>
+  </dgm:styleLbl>
+  <dgm:styleLbl name="fgShp">
+    <dgm:fillClrLst meth="repeat">
+      <a:schemeClr val="accent2">
+        <a:tint val="40000"/>
+      </a:schemeClr>
+    </dgm:fillClrLst>
+    <dgm:linClrLst meth="repeat">
+      <a:schemeClr val="lt1"/>
+    </dgm:linClrLst>
+    <dgm:effectClrLst/>
+    <dgm:txLinClrLst/>
+    <dgm:txFillClrLst meth="repeat">
+      <a:schemeClr val="dk1"/>
+    </dgm:txFillClrLst>
+    <dgm:txEffectClrLst/>
+  </dgm:styleLbl>
+  <dgm:styleLbl name="revTx">
+    <dgm:fillClrLst meth="repeat">
+      <a:schemeClr val="lt1">
+        <a:alpha val="0"/>
+      </a:schemeClr>
+    </dgm:fillClrLst>
+    <dgm:linClrLst meth="repeat">
+      <a:schemeClr val="dk1">
+        <a:alpha val="0"/>
+      </a:schemeClr>
+    </dgm:linClrLst>
+    <dgm:effectClrLst/>
+    <dgm:txLinClrLst/>
+    <dgm:txFillClrLst meth="repeat">
+      <a:schemeClr val="tx1"/>
+    </dgm:txFillClrLst>
+    <dgm:txEffectClrLst/>
+  </dgm:styleLbl>
+</dgm:colorsDef>
+</file>
+
+<file path=ppt/diagrams/data1.xml><?xml version="1.0" encoding="utf-8"?>
+<dgm:dataModel xmlns:dgm="http://schemas.openxmlformats.org/drawingml/2006/diagram" xmlns:a="http://schemas.openxmlformats.org/drawingml/2006/main">
+  <dgm:ptLst>
+    <dgm:pt modelId="{90C8493C-749F-4A26-B94E-203EEC336D18}" type="doc">
+      <dgm:prSet loTypeId="urn:microsoft.com/office/officeart/2005/8/layout/hierarchy1" loCatId="hierarchy" qsTypeId="urn:microsoft.com/office/officeart/2005/8/quickstyle/simple1" qsCatId="simple" csTypeId="urn:microsoft.com/office/officeart/2005/8/colors/colorful2" csCatId="colorful" phldr="1"/>
+      <dgm:spPr/>
+      <dgm:t>
+        <a:bodyPr/>
+        <a:lstStyle/>
+        <a:p>
+          <a:endParaRPr lang="en-US"/>
+        </a:p>
+      </dgm:t>
+    </dgm:pt>
+    <dgm:pt modelId="{7FFD3CD7-0BCE-4D23-ACE1-BC293C6D81AA}">
+      <dgm:prSet/>
+      <dgm:spPr/>
+      <dgm:t>
+        <a:bodyPr/>
+        <a:lstStyle/>
+        <a:p>
+          <a:r>
+            <a:rPr lang="ru-RU" dirty="0"/>
+            <a:t>Как вы уже могли понять тема моей курсовой работы «</a:t>
+          </a:r>
+          <a:r>
+            <a:rPr lang="ru-RU" b="1" dirty="0"/>
+            <a:t>Графика в среде </a:t>
+          </a:r>
+          <a:r>
+            <a:rPr lang="en-US" b="1" dirty="0"/>
+            <a:t>Free Pascal</a:t>
+          </a:r>
+          <a:r>
+            <a:rPr lang="ru-RU" dirty="0"/>
+            <a:t>».</a:t>
+          </a:r>
+          <a:endParaRPr lang="en-US" dirty="0"/>
+        </a:p>
+      </dgm:t>
+    </dgm:pt>
+    <dgm:pt modelId="{841EF76D-5527-4C65-8559-33C1AB5DEAE5}" type="parTrans" cxnId="{6CF71C4F-763B-4867-A77B-628BCBA81711}">
+      <dgm:prSet/>
+      <dgm:spPr/>
+      <dgm:t>
+        <a:bodyPr/>
+        <a:lstStyle/>
+        <a:p>
+          <a:endParaRPr lang="en-US"/>
+        </a:p>
+      </dgm:t>
+    </dgm:pt>
+    <dgm:pt modelId="{9781CDF8-3708-4CB3-8BBC-8386A321B0EA}" type="sibTrans" cxnId="{6CF71C4F-763B-4867-A77B-628BCBA81711}">
+      <dgm:prSet/>
+      <dgm:spPr/>
+      <dgm:t>
+        <a:bodyPr/>
+        <a:lstStyle/>
+        <a:p>
+          <a:endParaRPr lang="en-US"/>
+        </a:p>
+      </dgm:t>
+    </dgm:pt>
+    <dgm:pt modelId="{523A89D0-CF18-4CBC-8ECB-A47F23D48D28}">
+      <dgm:prSet/>
+      <dgm:spPr/>
+      <dgm:t>
+        <a:bodyPr/>
+        <a:lstStyle/>
+        <a:p>
+          <a:r>
+            <a:rPr lang="ru-RU" dirty="0"/>
+            <a:t>Идея разработанного мной приложения – автоматическое построение графика с помощью трех точек, введенных пользователем.</a:t>
+          </a:r>
+          <a:endParaRPr lang="en-US" dirty="0"/>
+        </a:p>
+      </dgm:t>
+    </dgm:pt>
+    <dgm:pt modelId="{679BC0D4-669E-45C0-8CF8-D029E728E8B6}" type="parTrans" cxnId="{7494701A-CD5F-4835-9472-0CD9FDBCBBB8}">
+      <dgm:prSet/>
+      <dgm:spPr/>
+      <dgm:t>
+        <a:bodyPr/>
+        <a:lstStyle/>
+        <a:p>
+          <a:endParaRPr lang="en-US"/>
+        </a:p>
+      </dgm:t>
+    </dgm:pt>
+    <dgm:pt modelId="{184562D9-DABE-43C7-B702-F9DDB4784CCC}" type="sibTrans" cxnId="{7494701A-CD5F-4835-9472-0CD9FDBCBBB8}">
+      <dgm:prSet/>
+      <dgm:spPr/>
+      <dgm:t>
+        <a:bodyPr/>
+        <a:lstStyle/>
+        <a:p>
+          <a:endParaRPr lang="en-US"/>
+        </a:p>
+      </dgm:t>
+    </dgm:pt>
+    <dgm:pt modelId="{CE0C5EEB-CBB8-4E87-9783-E03C4918F6D2}" type="pres">
+      <dgm:prSet presAssocID="{90C8493C-749F-4A26-B94E-203EEC336D18}" presName="hierChild1" presStyleCnt="0">
+        <dgm:presLayoutVars>
+          <dgm:chPref val="1"/>
+          <dgm:dir/>
+          <dgm:animOne val="branch"/>
+          <dgm:animLvl val="lvl"/>
+          <dgm:resizeHandles/>
+        </dgm:presLayoutVars>
+      </dgm:prSet>
+      <dgm:spPr/>
+    </dgm:pt>
+    <dgm:pt modelId="{2E6D18E9-BEDD-4982-A61E-5F3DB2818098}" type="pres">
+      <dgm:prSet presAssocID="{7FFD3CD7-0BCE-4D23-ACE1-BC293C6D81AA}" presName="hierRoot1" presStyleCnt="0"/>
+      <dgm:spPr/>
+    </dgm:pt>
+    <dgm:pt modelId="{BB6E9D09-EDBE-4372-93FC-EE717A182E29}" type="pres">
+      <dgm:prSet presAssocID="{7FFD3CD7-0BCE-4D23-ACE1-BC293C6D81AA}" presName="composite" presStyleCnt="0"/>
+      <dgm:spPr/>
+    </dgm:pt>
+    <dgm:pt modelId="{86434D63-C7D1-45B9-81B4-736FF9C891CD}" type="pres">
+      <dgm:prSet presAssocID="{7FFD3CD7-0BCE-4D23-ACE1-BC293C6D81AA}" presName="background" presStyleLbl="node0" presStyleIdx="0" presStyleCnt="2"/>
+      <dgm:spPr/>
+    </dgm:pt>
+    <dgm:pt modelId="{CED09AD4-9F82-4556-BD85-1ECAFDDAAC2F}" type="pres">
+      <dgm:prSet presAssocID="{7FFD3CD7-0BCE-4D23-ACE1-BC293C6D81AA}" presName="text" presStyleLbl="fgAcc0" presStyleIdx="0" presStyleCnt="2">
+        <dgm:presLayoutVars>
+          <dgm:chPref val="3"/>
+        </dgm:presLayoutVars>
+      </dgm:prSet>
+      <dgm:spPr/>
+    </dgm:pt>
+    <dgm:pt modelId="{912F2851-C9B0-4764-83D7-0B48680D40B8}" type="pres">
+      <dgm:prSet presAssocID="{7FFD3CD7-0BCE-4D23-ACE1-BC293C6D81AA}" presName="hierChild2" presStyleCnt="0"/>
+      <dgm:spPr/>
+    </dgm:pt>
+    <dgm:pt modelId="{78BEA25E-F3AA-466B-8D1B-560FE6A99D0F}" type="pres">
+      <dgm:prSet presAssocID="{523A89D0-CF18-4CBC-8ECB-A47F23D48D28}" presName="hierRoot1" presStyleCnt="0"/>
+      <dgm:spPr/>
+    </dgm:pt>
+    <dgm:pt modelId="{0B59A20C-2B7F-4E10-82A0-70A70E91DCBB}" type="pres">
+      <dgm:prSet presAssocID="{523A89D0-CF18-4CBC-8ECB-A47F23D48D28}" presName="composite" presStyleCnt="0"/>
+      <dgm:spPr/>
+    </dgm:pt>
+    <dgm:pt modelId="{8389EA08-70F0-45B9-845C-8187F921B739}" type="pres">
+      <dgm:prSet presAssocID="{523A89D0-CF18-4CBC-8ECB-A47F23D48D28}" presName="background" presStyleLbl="node0" presStyleIdx="1" presStyleCnt="2"/>
+      <dgm:spPr/>
+    </dgm:pt>
+    <dgm:pt modelId="{04CD1048-A738-43C5-91C4-DD7C0316C615}" type="pres">
+      <dgm:prSet presAssocID="{523A89D0-CF18-4CBC-8ECB-A47F23D48D28}" presName="text" presStyleLbl="fgAcc0" presStyleIdx="1" presStyleCnt="2">
+        <dgm:presLayoutVars>
+          <dgm:chPref val="3"/>
+        </dgm:presLayoutVars>
+      </dgm:prSet>
+      <dgm:spPr/>
+    </dgm:pt>
+    <dgm:pt modelId="{0C34679A-A520-4FD0-BF45-B59E4A96A161}" type="pres">
+      <dgm:prSet presAssocID="{523A89D0-CF18-4CBC-8ECB-A47F23D48D28}" presName="hierChild2" presStyleCnt="0"/>
+      <dgm:spPr/>
+    </dgm:pt>
+  </dgm:ptLst>
+  <dgm:cxnLst>
+    <dgm:cxn modelId="{7494701A-CD5F-4835-9472-0CD9FDBCBBB8}" srcId="{90C8493C-749F-4A26-B94E-203EEC336D18}" destId="{523A89D0-CF18-4CBC-8ECB-A47F23D48D28}" srcOrd="1" destOrd="0" parTransId="{679BC0D4-669E-45C0-8CF8-D029E728E8B6}" sibTransId="{184562D9-DABE-43C7-B702-F9DDB4784CCC}"/>
+    <dgm:cxn modelId="{6CF71C4F-763B-4867-A77B-628BCBA81711}" srcId="{90C8493C-749F-4A26-B94E-203EEC336D18}" destId="{7FFD3CD7-0BCE-4D23-ACE1-BC293C6D81AA}" srcOrd="0" destOrd="0" parTransId="{841EF76D-5527-4C65-8559-33C1AB5DEAE5}" sibTransId="{9781CDF8-3708-4CB3-8BBC-8386A321B0EA}"/>
+    <dgm:cxn modelId="{75DD1ADF-8B61-4CF8-90C2-BB2996794DCE}" type="presOf" srcId="{90C8493C-749F-4A26-B94E-203EEC336D18}" destId="{CE0C5EEB-CBB8-4E87-9783-E03C4918F6D2}" srcOrd="0" destOrd="0" presId="urn:microsoft.com/office/officeart/2005/8/layout/hierarchy1"/>
+    <dgm:cxn modelId="{5B3E29E5-84C8-4DCE-82C4-44A2B171F173}" type="presOf" srcId="{523A89D0-CF18-4CBC-8ECB-A47F23D48D28}" destId="{04CD1048-A738-43C5-91C4-DD7C0316C615}" srcOrd="0" destOrd="0" presId="urn:microsoft.com/office/officeart/2005/8/layout/hierarchy1"/>
+    <dgm:cxn modelId="{FC5FE8EB-09B5-4A8A-AA40-899773525528}" type="presOf" srcId="{7FFD3CD7-0BCE-4D23-ACE1-BC293C6D81AA}" destId="{CED09AD4-9F82-4556-BD85-1ECAFDDAAC2F}" srcOrd="0" destOrd="0" presId="urn:microsoft.com/office/officeart/2005/8/layout/hierarchy1"/>
+    <dgm:cxn modelId="{C76AFB6A-A50A-4073-B648-6D102AC3C97B}" type="presParOf" srcId="{CE0C5EEB-CBB8-4E87-9783-E03C4918F6D2}" destId="{2E6D18E9-BEDD-4982-A61E-5F3DB2818098}" srcOrd="0" destOrd="0" presId="urn:microsoft.com/office/officeart/2005/8/layout/hierarchy1"/>
+    <dgm:cxn modelId="{FCC615E0-CC31-4440-9217-550C95341690}" type="presParOf" srcId="{2E6D18E9-BEDD-4982-A61E-5F3DB2818098}" destId="{BB6E9D09-EDBE-4372-93FC-EE717A182E29}" srcOrd="0" destOrd="0" presId="urn:microsoft.com/office/officeart/2005/8/layout/hierarchy1"/>
+    <dgm:cxn modelId="{C8836D2C-A1D3-4A99-8EFA-F5055EB1C8E5}" type="presParOf" srcId="{BB6E9D09-EDBE-4372-93FC-EE717A182E29}" destId="{86434D63-C7D1-45B9-81B4-736FF9C891CD}" srcOrd="0" destOrd="0" presId="urn:microsoft.com/office/officeart/2005/8/layout/hierarchy1"/>
+    <dgm:cxn modelId="{E196590B-6850-4AA8-ACF5-A7A983914C30}" type="presParOf" srcId="{BB6E9D09-EDBE-4372-93FC-EE717A182E29}" destId="{CED09AD4-9F82-4556-BD85-1ECAFDDAAC2F}" srcOrd="1" destOrd="0" presId="urn:microsoft.com/office/officeart/2005/8/layout/hierarchy1"/>
+    <dgm:cxn modelId="{BA98E2E2-D061-424D-826C-AFD68B1B7108}" type="presParOf" srcId="{2E6D18E9-BEDD-4982-A61E-5F3DB2818098}" destId="{912F2851-C9B0-4764-83D7-0B48680D40B8}" srcOrd="1" destOrd="0" presId="urn:microsoft.com/office/officeart/2005/8/layout/hierarchy1"/>
+    <dgm:cxn modelId="{CE32C12B-F8E8-4FCE-B3C7-663372B56443}" type="presParOf" srcId="{CE0C5EEB-CBB8-4E87-9783-E03C4918F6D2}" destId="{78BEA25E-F3AA-466B-8D1B-560FE6A99D0F}" srcOrd="1" destOrd="0" presId="urn:microsoft.com/office/officeart/2005/8/layout/hierarchy1"/>
+    <dgm:cxn modelId="{82ABE739-F8C0-4E16-B095-A9299B35E5ED}" type="presParOf" srcId="{78BEA25E-F3AA-466B-8D1B-560FE6A99D0F}" destId="{0B59A20C-2B7F-4E10-82A0-70A70E91DCBB}" srcOrd="0" destOrd="0" presId="urn:microsoft.com/office/officeart/2005/8/layout/hierarchy1"/>
+    <dgm:cxn modelId="{5BD7E355-1D8A-4F82-AAE3-32334242A566}" type="presParOf" srcId="{0B59A20C-2B7F-4E10-82A0-70A70E91DCBB}" destId="{8389EA08-70F0-45B9-845C-8187F921B739}" srcOrd="0" destOrd="0" presId="urn:microsoft.com/office/officeart/2005/8/layout/hierarchy1"/>
+    <dgm:cxn modelId="{269F5796-080C-40A9-9759-B17CB7D07029}" type="presParOf" srcId="{0B59A20C-2B7F-4E10-82A0-70A70E91DCBB}" destId="{04CD1048-A738-43C5-91C4-DD7C0316C615}" srcOrd="1" destOrd="0" presId="urn:microsoft.com/office/officeart/2005/8/layout/hierarchy1"/>
+    <dgm:cxn modelId="{1D0B456C-6270-4EC0-94E6-A191C36F76EC}" type="presParOf" srcId="{78BEA25E-F3AA-466B-8D1B-560FE6A99D0F}" destId="{0C34679A-A520-4FD0-BF45-B59E4A96A161}" srcOrd="1" destOrd="0" presId="urn:microsoft.com/office/officeart/2005/8/layout/hierarchy1"/>
+  </dgm:cxnLst>
+  <dgm:bg/>
+  <dgm:whole/>
+  <dgm:extLst>
+    <a:ext uri="http://schemas.microsoft.com/office/drawing/2008/diagram">
+      <dsp:dataModelExt xmlns:dsp="http://schemas.microsoft.com/office/drawing/2008/diagram" relId="rId7" minVer="http://schemas.openxmlformats.org/drawingml/2006/diagram"/>
+    </a:ext>
+  </dgm:extLst>
+</dgm:dataModel>
+</file>
+
+<file path=ppt/diagrams/drawing1.xml><?xml version="1.0" encoding="utf-8"?>
+<dsp:drawing xmlns:dgm="http://schemas.openxmlformats.org/drawingml/2006/diagram" xmlns:dsp="http://schemas.microsoft.com/office/drawing/2008/diagram" xmlns:a="http://schemas.openxmlformats.org/drawingml/2006/main">
+  <dsp:spTree>
+    <dsp:nvGrpSpPr>
+      <dsp:cNvPr id="0" name=""/>
+      <dsp:cNvGrpSpPr/>
+    </dsp:nvGrpSpPr>
+    <dsp:grpSpPr/>
+    <dsp:sp modelId="{86434D63-C7D1-45B9-81B4-736FF9C891CD}">
+      <dsp:nvSpPr>
+        <dsp:cNvPr id="0" name=""/>
+        <dsp:cNvSpPr/>
+      </dsp:nvSpPr>
+      <dsp:spPr>
+        <a:xfrm>
+          <a:off x="1283" y="162863"/>
+          <a:ext cx="4505585" cy="2861046"/>
+        </a:xfrm>
+        <a:prstGeom prst="roundRect">
+          <a:avLst>
+            <a:gd name="adj" fmla="val 10000"/>
+          </a:avLst>
+        </a:prstGeom>
+        <a:solidFill>
+          <a:schemeClr val="accent1">
+            <a:hueOff val="0"/>
+            <a:satOff val="0"/>
+            <a:lumOff val="0"/>
+            <a:alphaOff val="0"/>
+          </a:schemeClr>
+        </a:solidFill>
+        <a:ln w="12700" cap="flat" cmpd="sng" algn="ctr">
+          <a:solidFill>
+            <a:schemeClr val="lt1">
+              <a:hueOff val="0"/>
+              <a:satOff val="0"/>
+              <a:lumOff val="0"/>
+              <a:alphaOff val="0"/>
+            </a:schemeClr>
+          </a:solidFill>
+          <a:prstDash val="solid"/>
+          <a:miter lim="800000"/>
+        </a:ln>
+        <a:effectLst/>
+      </dsp:spPr>
+      <dsp:style>
+        <a:lnRef idx="2">
+          <a:scrgbClr r="0" g="0" b="0"/>
+        </a:lnRef>
+        <a:fillRef idx="1">
+          <a:scrgbClr r="0" g="0" b="0"/>
+        </a:fillRef>
+        <a:effectRef idx="0">
+          <a:scrgbClr r="0" g="0" b="0"/>
+        </a:effectRef>
+        <a:fontRef idx="minor">
+          <a:schemeClr val="lt1"/>
+        </a:fontRef>
+      </dsp:style>
+    </dsp:sp>
+    <dsp:sp modelId="{CED09AD4-9F82-4556-BD85-1ECAFDDAAC2F}">
+      <dsp:nvSpPr>
+        <dsp:cNvPr id="0" name=""/>
+        <dsp:cNvSpPr/>
+      </dsp:nvSpPr>
+      <dsp:spPr>
+        <a:xfrm>
+          <a:off x="501904" y="638452"/>
+          <a:ext cx="4505585" cy="2861046"/>
+        </a:xfrm>
+        <a:prstGeom prst="roundRect">
+          <a:avLst>
+            <a:gd name="adj" fmla="val 10000"/>
+          </a:avLst>
+        </a:prstGeom>
+        <a:solidFill>
+          <a:schemeClr val="lt1">
+            <a:alpha val="90000"/>
+            <a:hueOff val="0"/>
+            <a:satOff val="0"/>
+            <a:lumOff val="0"/>
+            <a:alphaOff val="0"/>
+          </a:schemeClr>
+        </a:solidFill>
+        <a:ln w="12700" cap="flat" cmpd="sng" algn="ctr">
+          <a:solidFill>
+            <a:schemeClr val="accent1">
+              <a:hueOff val="0"/>
+              <a:satOff val="0"/>
+              <a:lumOff val="0"/>
+              <a:alphaOff val="0"/>
+            </a:schemeClr>
+          </a:solidFill>
+          <a:prstDash val="solid"/>
+          <a:miter lim="800000"/>
+        </a:ln>
+        <a:effectLst/>
+      </dsp:spPr>
+      <dsp:style>
+        <a:lnRef idx="2">
+          <a:scrgbClr r="0" g="0" b="0"/>
+        </a:lnRef>
+        <a:fillRef idx="1">
+          <a:scrgbClr r="0" g="0" b="0"/>
+        </a:fillRef>
+        <a:effectRef idx="0">
+          <a:scrgbClr r="0" g="0" b="0"/>
+        </a:effectRef>
+        <a:fontRef idx="minor"/>
+      </dsp:style>
+      <dsp:txBody>
+        <a:bodyPr spcFirstLastPara="0" vert="horz" wrap="square" lIns="102870" tIns="102870" rIns="102870" bIns="102870" numCol="1" spcCol="1270" anchor="ctr" anchorCtr="0">
+          <a:noAutofit/>
+        </a:bodyPr>
+        <a:lstStyle/>
+        <a:p>
+          <a:pPr marL="0" lvl="0" indent="0" algn="ctr" defTabSz="1200150">
+            <a:lnSpc>
+              <a:spcPct val="90000"/>
+            </a:lnSpc>
+            <a:spcBef>
+              <a:spcPct val="0"/>
+            </a:spcBef>
+            <a:spcAft>
+              <a:spcPct val="35000"/>
+            </a:spcAft>
+            <a:buNone/>
+          </a:pPr>
+          <a:r>
+            <a:rPr lang="ru-RU" sz="2700" kern="1200" dirty="0"/>
+            <a:t>Как вы уже могли понять тема моей курсовой работы «</a:t>
+          </a:r>
+          <a:r>
+            <a:rPr lang="ru-RU" sz="2700" b="1" kern="1200" dirty="0"/>
+            <a:t>Графика в среде </a:t>
+          </a:r>
+          <a:r>
+            <a:rPr lang="en-US" sz="2700" b="1" kern="1200" dirty="0"/>
+            <a:t>Free Pascal</a:t>
+          </a:r>
+          <a:r>
+            <a:rPr lang="ru-RU" sz="2700" kern="1200" dirty="0"/>
+            <a:t>».</a:t>
+          </a:r>
+          <a:endParaRPr lang="en-US" sz="2700" kern="1200" dirty="0"/>
+        </a:p>
+      </dsp:txBody>
+      <dsp:txXfrm>
+        <a:off x="585701" y="722249"/>
+        <a:ext cx="4337991" cy="2693452"/>
+      </dsp:txXfrm>
+    </dsp:sp>
+    <dsp:sp modelId="{8389EA08-70F0-45B9-845C-8187F921B739}">
+      <dsp:nvSpPr>
+        <dsp:cNvPr id="0" name=""/>
+        <dsp:cNvSpPr/>
+      </dsp:nvSpPr>
+      <dsp:spPr>
+        <a:xfrm>
+          <a:off x="5508110" y="162863"/>
+          <a:ext cx="4505585" cy="2861046"/>
+        </a:xfrm>
+        <a:prstGeom prst="roundRect">
+          <a:avLst>
+            <a:gd name="adj" fmla="val 10000"/>
+          </a:avLst>
+        </a:prstGeom>
+        <a:solidFill>
+          <a:schemeClr val="accent1">
+            <a:hueOff val="0"/>
+            <a:satOff val="0"/>
+            <a:lumOff val="0"/>
+            <a:alphaOff val="0"/>
+          </a:schemeClr>
+        </a:solidFill>
+        <a:ln w="12700" cap="flat" cmpd="sng" algn="ctr">
+          <a:solidFill>
+            <a:schemeClr val="lt1">
+              <a:hueOff val="0"/>
+              <a:satOff val="0"/>
+              <a:lumOff val="0"/>
+              <a:alphaOff val="0"/>
+            </a:schemeClr>
+          </a:solidFill>
+          <a:prstDash val="solid"/>
+          <a:miter lim="800000"/>
+        </a:ln>
+        <a:effectLst/>
+      </dsp:spPr>
+      <dsp:style>
+        <a:lnRef idx="2">
+          <a:scrgbClr r="0" g="0" b="0"/>
+        </a:lnRef>
+        <a:fillRef idx="1">
+          <a:scrgbClr r="0" g="0" b="0"/>
+        </a:fillRef>
+        <a:effectRef idx="0">
+          <a:scrgbClr r="0" g="0" b="0"/>
+        </a:effectRef>
+        <a:fontRef idx="minor">
+          <a:schemeClr val="lt1"/>
+        </a:fontRef>
+      </dsp:style>
+    </dsp:sp>
+    <dsp:sp modelId="{04CD1048-A738-43C5-91C4-DD7C0316C615}">
+      <dsp:nvSpPr>
+        <dsp:cNvPr id="0" name=""/>
+        <dsp:cNvSpPr/>
+      </dsp:nvSpPr>
+      <dsp:spPr>
+        <a:xfrm>
+          <a:off x="6008730" y="638452"/>
+          <a:ext cx="4505585" cy="2861046"/>
+        </a:xfrm>
+        <a:prstGeom prst="roundRect">
+          <a:avLst>
+            <a:gd name="adj" fmla="val 10000"/>
+          </a:avLst>
+        </a:prstGeom>
+        <a:solidFill>
+          <a:schemeClr val="lt1">
+            <a:alpha val="90000"/>
+            <a:hueOff val="0"/>
+            <a:satOff val="0"/>
+            <a:lumOff val="0"/>
+            <a:alphaOff val="0"/>
+          </a:schemeClr>
+        </a:solidFill>
+        <a:ln w="12700" cap="flat" cmpd="sng" algn="ctr">
+          <a:solidFill>
+            <a:schemeClr val="accent1">
+              <a:hueOff val="0"/>
+              <a:satOff val="0"/>
+              <a:lumOff val="0"/>
+              <a:alphaOff val="0"/>
+            </a:schemeClr>
+          </a:solidFill>
+          <a:prstDash val="solid"/>
+          <a:miter lim="800000"/>
+        </a:ln>
+        <a:effectLst/>
+      </dsp:spPr>
+      <dsp:style>
+        <a:lnRef idx="2">
+          <a:scrgbClr r="0" g="0" b="0"/>
+        </a:lnRef>
+        <a:fillRef idx="1">
+          <a:scrgbClr r="0" g="0" b="0"/>
+        </a:fillRef>
+        <a:effectRef idx="0">
+          <a:scrgbClr r="0" g="0" b="0"/>
+        </a:effectRef>
+        <a:fontRef idx="minor"/>
+      </dsp:style>
+      <dsp:txBody>
+        <a:bodyPr spcFirstLastPara="0" vert="horz" wrap="square" lIns="102870" tIns="102870" rIns="102870" bIns="102870" numCol="1" spcCol="1270" anchor="ctr" anchorCtr="0">
+          <a:noAutofit/>
+        </a:bodyPr>
+        <a:lstStyle/>
+        <a:p>
+          <a:pPr marL="0" lvl="0" indent="0" algn="ctr" defTabSz="1200150">
+            <a:lnSpc>
+              <a:spcPct val="90000"/>
+            </a:lnSpc>
+            <a:spcBef>
+              <a:spcPct val="0"/>
+            </a:spcBef>
+            <a:spcAft>
+              <a:spcPct val="35000"/>
+            </a:spcAft>
+            <a:buNone/>
+          </a:pPr>
+          <a:r>
+            <a:rPr lang="ru-RU" sz="2700" kern="1200" dirty="0"/>
+            <a:t>Идея разработанного мной приложения – автоматическое построение графика с помощью трех точек, введенных пользователем.</a:t>
+          </a:r>
+          <a:endParaRPr lang="en-US" sz="2700" kern="1200" dirty="0"/>
+        </a:p>
+      </dsp:txBody>
+      <dsp:txXfrm>
+        <a:off x="6092527" y="722249"/>
+        <a:ext cx="4337991" cy="2693452"/>
+      </dsp:txXfrm>
+    </dsp:sp>
+  </dsp:spTree>
+</dsp:drawing>
+</file>
+
+<file path=ppt/diagrams/layout1.xml><?xml version="1.0" encoding="utf-8"?>
+<dgm:layoutDef xmlns:dgm="http://schemas.openxmlformats.org/drawingml/2006/diagram" xmlns:a="http://schemas.openxmlformats.org/drawingml/2006/main" uniqueId="urn:microsoft.com/office/officeart/2005/8/layout/hierarchy1">
+  <dgm:title val=""/>
+  <dgm:desc val=""/>
+  <dgm:catLst>
+    <dgm:cat type="hierarchy" pri="2000"/>
+  </dgm:catLst>
+  <dgm:sampData>
+    <dgm:dataModel>
+      <dgm:ptLst>
+        <dgm:pt modelId="0" type="doc"/>
+        <dgm:pt modelId="1">
+          <dgm:prSet phldr="1"/>
+        </dgm:pt>
+        <dgm:pt modelId="2">
+          <dgm:prSet phldr="1"/>
+        </dgm:pt>
+        <dgm:pt modelId="21">
+          <dgm:prSet phldr="1"/>
+        </dgm:pt>
+        <dgm:pt modelId="22">
+          <dgm:prSet phldr="1"/>
+        </dgm:pt>
+        <dgm:pt modelId="3">
+          <dgm:prSet phldr="1"/>
+        </dgm:pt>
+        <dgm:pt modelId="31">
+          <dgm:prSet phldr="1"/>
+        </dgm:pt>
+      </dgm:ptLst>
+      <dgm:cxnLst>
+        <dgm:cxn modelId="4" srcId="0" destId="1" srcOrd="0" destOrd="0"/>
+        <dgm:cxn modelId="5" srcId="1" destId="2" srcOrd="0" destOrd="0"/>
+        <dgm:cxn modelId="6" srcId="1" destId="3" srcOrd="1" destOrd="0"/>
+        <dgm:cxn modelId="23" srcId="2" destId="21" srcOrd="0" destOrd="0"/>
+        <dgm:cxn modelId="24" srcId="2" destId="22" srcOrd="1" destOrd="0"/>
+        <dgm:cxn modelId="33" srcId="3" destId="31" srcOrd="0" destOrd="0"/>
+      </dgm:cxnLst>
+      <dgm:bg/>
+      <dgm:whole/>
+    </dgm:dataModel>
+  </dgm:sampData>
+  <dgm:styleData>
+    <dgm:dataModel>
+      <dgm:ptLst>
+        <dgm:pt modelId="0" type="doc"/>
+        <dgm:pt modelId="1"/>
+        <dgm:pt modelId="11"/>
+        <dgm:pt modelId="12"/>
+      </dgm:ptLst>
+      <dgm:cxnLst>
+        <dgm:cxn modelId="2" srcId="0" destId="1" srcOrd="0" destOrd="0"/>
+        <dgm:cxn modelId="13" srcId="1" destId="11" srcOrd="0" destOrd="0"/>
+        <dgm:cxn modelId="14" srcId="1" destId="12" srcOrd="1" destOrd="0"/>
+      </dgm:cxnLst>
+      <dgm:bg/>
+      <dgm:whole/>
+    </dgm:dataModel>
+  </dgm:styleData>
+  <dgm:clrData>
+    <dgm:dataModel>
+      <dgm:ptLst>
+        <dgm:pt modelId="0" type="doc"/>
+        <dgm:pt modelId="1"/>
+        <dgm:pt modelId="2"/>
+        <dgm:pt modelId="21"/>
+        <dgm:pt modelId="211"/>
+        <dgm:pt modelId="3"/>
+        <dgm:pt modelId="31"/>
+        <dgm:pt modelId="311"/>
+      </dgm:ptLst>
+      <dgm:cxnLst>
+        <dgm:cxn modelId="4" srcId="0" destId="1" srcOrd="0" destOrd="0"/>
+        <dgm:cxn modelId="5" srcId="1" destId="2" srcOrd="0" destOrd="0"/>
+        <dgm:cxn modelId="6" srcId="1" destId="3" srcOrd="1" destOrd="0"/>
+        <dgm:cxn modelId="23" srcId="2" destId="21" srcOrd="0" destOrd="0"/>
+        <dgm:cxn modelId="24" srcId="21" destId="211" srcOrd="0" destOrd="0"/>
+        <dgm:cxn modelId="33" srcId="3" destId="31" srcOrd="0" destOrd="0"/>
+        <dgm:cxn modelId="34" srcId="31" destId="311" srcOrd="0" destOrd="0"/>
+      </dgm:cxnLst>
+      <dgm:bg/>
+      <dgm:whole/>
+    </dgm:dataModel>
+  </dgm:clrData>
+  <dgm:layoutNode name="hierChild1">
+    <dgm:varLst>
+      <dgm:chPref val="1"/>
+      <dgm:dir/>
+      <dgm:animOne val="branch"/>
+      <dgm:animLvl val="lvl"/>
+      <dgm:resizeHandles/>
+    </dgm:varLst>
+    <dgm:choose name="Name0">
+      <dgm:if name="Name1" func="var" arg="dir" op="equ" val="norm">
+        <dgm:alg type="hierChild">
+          <dgm:param type="linDir" val="fromL"/>
+        </dgm:alg>
+      </dgm:if>
+      <dgm:else name="Name2">
+        <dgm:alg type="hierChild">
+          <dgm:param type="linDir" val="fromR"/>
+        </dgm:alg>
+      </dgm:else>
+    </dgm:choose>
+    <dgm:shape xmlns:r="http://schemas.openxmlformats.org/officeDocument/2006/relationships" r:blip="">
+      <dgm:adjLst/>
+    </dgm:shape>
+    <dgm:presOf/>
+    <dgm:constrLst>
+      <dgm:constr type="primFontSz" for="des" ptType="node" op="equ" val="65"/>
+      <dgm:constr type="w" for="des" forName="composite" refType="w"/>
+      <dgm:constr type="h" for="des" forName="composite" refType="w" refFor="des" refForName="composite" fact="0.667"/>
+      <dgm:constr type="w" for="des" forName="composite2" refType="w" refFor="des" refForName="composite"/>
+      <dgm:constr type="h" for="des" forName="composite2" refType="h" refFor="des" refForName="composite"/>
+      <dgm:constr type="w" for="des" forName="composite3" refType="w" refFor="des" refForName="composite"/>
+      <dgm:constr type="h" for="des" forName="composite3" refType="h" refFor="des" refForName="composite"/>
+      <dgm:constr type="w" for="des" forName="composite4" refType="w" refFor="des" refForName="composite"/>
+      <dgm:constr type="h" for="des" forName="composite4" refType="h" refFor="des" refForName="composite"/>
+      <dgm:constr type="w" for="des" forName="composite5" refType="w" refFor="des" refForName="composite"/>
+      <dgm:constr type="h" for="des" forName="composite5" refType="h" refFor="des" refForName="composite"/>
+      <dgm:constr type="sibSp" refType="w" refFor="des" refForName="composite" fact="0.1"/>
+      <dgm:constr type="sibSp" for="des" forName="hierChild2" refType="sibSp"/>
+      <dgm:constr type="sibSp" for="des" forName="hierChild3" refType="sibSp"/>
+      <dgm:constr type="sibSp" for="des" forName="hierChild4" refType="sibSp"/>
+      <dgm:constr type="sibSp" for="des" forName="hierChild5" refType="sibSp"/>
+      <dgm:constr type="sibSp" for="des" forName="hierChild6" refType="sibSp"/>
+      <dgm:constr type="sp" for="des" forName="hierRoot1" refType="h" refFor="des" refForName="composite" fact="0.25"/>
+      <dgm:constr type="sp" for="des" forName="hierRoot2" refType="sp" refFor="des" refForName="hierRoot1"/>
+      <dgm:constr type="sp" for="des" forName="hierRoot3" refType="sp" refFor="des" refForName="hierRoot1"/>
+      <dgm:constr type="sp" for="des" forName="hierRoot4" refType="sp" refFor="des" refForName="hierRoot1"/>
+      <dgm:constr type="sp" for="des" forName="hierRoot5" refType="sp" refFor="des" refForName="hierRoot1"/>
+    </dgm:constrLst>
+    <dgm:ruleLst/>
+    <dgm:forEach name="Name3" axis="ch">
+      <dgm:forEach name="Name4" axis="self" ptType="node">
+        <dgm:layoutNode name="hierRoot1">
+          <dgm:alg type="hierRoot"/>
+          <dgm:shape xmlns:r="http://schemas.openxmlformats.org/officeDocument/2006/relationships" r:blip="">
+            <dgm:adjLst/>
+          </dgm:shape>
+          <dgm:presOf/>
+          <dgm:constrLst>
+            <dgm:constr type="bendDist" for="des" ptType="parTrans" refType="sp" fact="0.5"/>
+          </dgm:constrLst>
+          <dgm:ruleLst/>
+          <dgm:layoutNode name="composite">
+            <dgm:alg type="composite"/>
+            <dgm:shape xmlns:r="http://schemas.openxmlformats.org/officeDocument/2006/relationships" r:blip="">
+              <dgm:adjLst/>
+            </dgm:shape>
+            <dgm:presOf/>
+            <dgm:constrLst>
+              <dgm:constr type="w" for="ch" forName="background" refType="w" fact="0.9"/>
+              <dgm:constr type="h" for="ch" forName="background" refType="w" refFor="ch" refForName="background" fact="0.635"/>
+              <dgm:constr type="t" for="ch" forName="background"/>
+              <dgm:constr type="l" for="ch" forName="background"/>
+              <dgm:constr type="w" for="ch" forName="text" refType="w" fact="0.9"/>
+              <dgm:constr type="h" for="ch" forName="text" refType="w" refFor="ch" refForName="text" fact="0.635"/>
+              <dgm:constr type="t" for="ch" forName="text" refType="w" fact="0.095"/>
+              <dgm:constr type="l" for="ch" forName="text" refType="w" fact="0.1"/>
+            </dgm:constrLst>
+            <dgm:ruleLst/>
+            <dgm:layoutNode name="background" styleLbl="node0" moveWith="text">
+              <dgm:alg type="sp"/>
+              <dgm:shape xmlns:r="http://schemas.openxmlformats.org/officeDocument/2006/relationships" type="roundRect" r:blip="">
+                <dgm:adjLst>
+                  <dgm:adj idx="1" val="0.1"/>
+                </dgm:adjLst>
+              </dgm:shape>
+              <dgm:presOf/>
+              <dgm:constrLst/>
+              <dgm:ruleLst/>
+            </dgm:layoutNode>
+            <dgm:layoutNode name="text" styleLbl="fgAcc0">
+              <dgm:varLst>
+                <dgm:chPref val="3"/>
+              </dgm:varLst>
+              <dgm:alg type="tx"/>
+              <dgm:shape xmlns:r="http://schemas.openxmlformats.org/officeDocument/2006/relationships" type="roundRect" r:blip="">
+                <dgm:adjLst>
+                  <dgm:adj idx="1" val="0.1"/>
+                </dgm:adjLst>
+              </dgm:shape>
+              <dgm:presOf axis="self"/>
+              <dgm:constrLst>
+                <dgm:constr type="tMarg" refType="primFontSz" fact="0.3"/>
+                <dgm:constr type="bMarg" refType="primFontSz" fact="0.3"/>
+                <dgm:constr type="lMarg" refType="primFontSz" fact="0.3"/>
+                <dgm:constr type="rMarg" refType="primFontSz" fact="0.3"/>
+              </dgm:constrLst>
+              <dgm:ruleLst>
+                <dgm:rule type="primFontSz" val="5" fact="NaN" max="NaN"/>
+              </dgm:ruleLst>
+            </dgm:layoutNode>
+          </dgm:layoutNode>
+          <dgm:layoutNode name="hierChild2">
+            <dgm:choose name="Name5">
+              <dgm:if name="Name6" func="var" arg="dir" op="equ" val="norm">
+                <dgm:alg type="hierChild">
+                  <dgm:param type="linDir" val="fromL"/>
+                </dgm:alg>
+              </dgm:if>
+              <dgm:else name="Name7">
+                <dgm:alg type="hierChild">
+                  <dgm:param type="linDir" val="fromR"/>
+                </dgm:alg>
+              </dgm:else>
+            </dgm:choose>
+            <dgm:shape xmlns:r="http://schemas.openxmlformats.org/officeDocument/2006/relationships" r:blip="">
+              <dgm:adjLst/>
+            </dgm:shape>
+            <dgm:presOf/>
+            <dgm:constrLst/>
+            <dgm:ruleLst/>
+            <dgm:forEach name="Name8" axis="ch">
+              <dgm:forEach name="Name9" axis="self" ptType="parTrans" cnt="1">
+                <dgm:layoutNode name="Name10">
+                  <dgm:alg type="conn">
+                    <dgm:param type="dim" val="1D"/>
+                    <dgm:param type="endSty" val="noArr"/>
+                    <dgm:param type="connRout" val="bend"/>
+                    <dgm:param type="bendPt" val="end"/>
+                    <dgm:param type="begPts" val="bCtr"/>
+                    <dgm:param type="endPts" val="tCtr"/>
+                    <dgm:param type="srcNode" val="background"/>
+                    <dgm:param type="dstNode" val="background2"/>
+                  </dgm:alg>
+                  <dgm:shape xmlns:r="http://schemas.openxmlformats.org/officeDocument/2006/relationships" type="conn" r:blip="" zOrderOff="-999">
+                    <dgm:adjLst/>
+                  </dgm:shape>
+                  <dgm:presOf axis="self"/>
+                  <dgm:constrLst>
+                    <dgm:constr type="begPad"/>
+                    <dgm:constr type="endPad"/>
+                  </dgm:constrLst>
+                  <dgm:ruleLst/>
+                </dgm:layoutNode>
+              </dgm:forEach>
+              <dgm:forEach name="Name11" axis="self" ptType="node">
+                <dgm:layoutNode name="hierRoot2">
+                  <dgm:alg type="hierRoot"/>
+                  <dgm:shape xmlns:r="http://schemas.openxmlformats.org/officeDocument/2006/relationships" r:blip="">
+                    <dgm:adjLst/>
+                  </dgm:shape>
+                  <dgm:presOf/>
+                  <dgm:constrLst>
+                    <dgm:constr type="bendDist" for="des" ptType="parTrans" refType="sp" fact="0.5"/>
+                  </dgm:constrLst>
+                  <dgm:ruleLst/>
+                  <dgm:layoutNode name="composite2">
+                    <dgm:alg type="composite"/>
+                    <dgm:shape xmlns:r="http://schemas.openxmlformats.org/officeDocument/2006/relationships" r:blip="">
+                      <dgm:adjLst/>
+                    </dgm:shape>
+                    <dgm:presOf/>
+                    <dgm:constrLst>
+                      <dgm:constr type="w" for="ch" forName="background2" refType="w" fact="0.9"/>
+                      <dgm:constr type="h" for="ch" forName="background2" refType="w" refFor="ch" refForName="background2" fact="0.635"/>
+                      <dgm:constr type="t" for="ch" forName="background2"/>
+                      <dgm:constr type="l" for="ch" forName="background2"/>
+                      <dgm:constr type="w" for="ch" forName="text2" refType="w" fact="0.9"/>
+                      <dgm:constr type="h" for="ch" forName="text2" refType="w" refFor="ch" refForName="text2" fact="0.635"/>
+                      <dgm:constr type="t" for="ch" forName="text2" refType="w" fact="0.095"/>
+                      <dgm:constr type="l" for="ch" forName="text2" refType="w" fact="0.1"/>
+                    </dgm:constrLst>
+                    <dgm:ruleLst/>
+                    <dgm:layoutNode name="background2" moveWith="text2">
+                      <dgm:alg type="sp"/>
+                      <dgm:shape xmlns:r="http://schemas.openxmlformats.org/officeDocument/2006/relationships" type="roundRect" r:blip="">
+                        <dgm:adjLst>
+                          <dgm:adj idx="1" val="0.1"/>
+                        </dgm:adjLst>
+                      </dgm:shape>
+                      <dgm:presOf/>
+                      <dgm:constrLst/>
+                      <dgm:ruleLst/>
+                    </dgm:layoutNode>
+                    <dgm:layoutNode name="text2" styleLbl="fgAcc2">
+                      <dgm:varLst>
+                        <dgm:chPref val="3"/>
+                      </dgm:varLst>
+                      <dgm:alg type="tx"/>
+                      <dgm:shape xmlns:r="http://schemas.openxmlformats.org/officeDocument/2006/relationships" type="roundRect" r:blip="">
+                        <dgm:adjLst>
+                          <dgm:adj idx="1" val="0.1"/>
+                        </dgm:adjLst>
+                      </dgm:shape>
+                      <dgm:presOf axis="self"/>
+                      <dgm:constrLst>
+                        <dgm:constr type="tMarg" refType="primFontSz" fact="0.3"/>
+                        <dgm:constr type="bMarg" refType="primFontSz" fact="0.3"/>
+                        <dgm:constr type="lMarg" refType="primFontSz" fact="0.3"/>
+                        <dgm:constr type="rMarg" refType="primFontSz" fact="0.3"/>
+                      </dgm:constrLst>
+                      <dgm:ruleLst>
+                        <dgm:rule type="primFontSz" val="5" fact="NaN" max="NaN"/>
+                      </dgm:ruleLst>
+                    </dgm:layoutNode>
+                  </dgm:layoutNode>
+                  <dgm:layoutNode name="hierChild3">
+                    <dgm:choose name="Name12">
+                      <dgm:if name="Name13" func="var" arg="dir" op="equ" val="norm">
+                        <dgm:alg type="hierChild">
+                          <dgm:param type="linDir" val="fromL"/>
+                        </dgm:alg>
+                      </dgm:if>
+                      <dgm:else name="Name14">
+                        <dgm:alg type="hierChild">
+                          <dgm:param type="linDir" val="fromR"/>
+                        </dgm:alg>
+                      </dgm:else>
+                    </dgm:choose>
+                    <dgm:shape xmlns:r="http://schemas.openxmlformats.org/officeDocument/2006/relationships" r:blip="">
+                      <dgm:adjLst/>
+                    </dgm:shape>
+                    <dgm:presOf/>
+                    <dgm:constrLst/>
+                    <dgm:ruleLst/>
+                    <dgm:forEach name="Name15" axis="ch">
+                      <dgm:forEach name="Name16" axis="self" ptType="parTrans" cnt="1">
+                        <dgm:layoutNode name="Name17">
+                          <dgm:alg type="conn">
+                            <dgm:param type="dim" val="1D"/>
+                            <dgm:param type="endSty" val="noArr"/>
+                            <dgm:param type="connRout" val="bend"/>
+                            <dgm:param type="bendPt" val="end"/>
+                            <dgm:param type="begPts" val="bCtr"/>
+                            <dgm:param type="endPts" val="tCtr"/>
+                            <dgm:param type="srcNode" val="background2"/>
+                            <dgm:param type="dstNode" val="background3"/>
+                          </dgm:alg>
+                          <dgm:shape xmlns:r="http://schemas.openxmlformats.org/officeDocument/2006/relationships" type="conn" r:blip="" zOrderOff="-999">
+                            <dgm:adjLst/>
+                          </dgm:shape>
+                          <dgm:presOf axis="self"/>
+                          <dgm:constrLst>
+                            <dgm:constr type="begPad"/>
+                            <dgm:constr type="endPad"/>
+                          </dgm:constrLst>
+                          <dgm:ruleLst/>
+                        </dgm:layoutNode>
+                      </dgm:forEach>
+                      <dgm:forEach name="Name18" axis="self" ptType="node">
+                        <dgm:layoutNode name="hierRoot3">
+                          <dgm:alg type="hierRoot"/>
+                          <dgm:shape xmlns:r="http://schemas.openxmlformats.org/officeDocument/2006/relationships" r:blip="">
+                            <dgm:adjLst/>
+                          </dgm:shape>
+                          <dgm:presOf/>
+                          <dgm:constrLst>
+                            <dgm:constr type="bendDist" for="des" ptType="parTrans" refType="sp" fact="0.5"/>
+                          </dgm:constrLst>
+                          <dgm:ruleLst/>
+                          <dgm:layoutNode name="composite3">
+                            <dgm:alg type="composite"/>
+                            <dgm:shape xmlns:r="http://schemas.openxmlformats.org/officeDocument/2006/relationships" r:blip="">
+                              <dgm:adjLst/>
+                            </dgm:shape>
+                            <dgm:presOf/>
+                            <dgm:constrLst>
+                              <dgm:constr type="w" for="ch" forName="background3" refType="w" fact="0.9"/>
+                              <dgm:constr type="h" for="ch" forName="background3" refType="w" refFor="ch" refForName="background3" fact="0.635"/>
+                              <dgm:constr type="t" for="ch" forName="background3"/>
+                              <dgm:constr type="l" for="ch" forName="background3"/>
+                              <dgm:constr type="w" for="ch" forName="text3" refType="w" fact="0.9"/>
+                              <dgm:constr type="h" for="ch" forName="text3" refType="w" refFor="ch" refForName="text3" fact="0.635"/>
+                              <dgm:constr type="t" for="ch" forName="text3" refType="w" fact="0.095"/>
+                              <dgm:constr type="l" for="ch" forName="text3" refType="w" fact="0.1"/>
+                            </dgm:constrLst>
+                            <dgm:ruleLst/>
+                            <dgm:layoutNode name="background3" moveWith="text3">
+                              <dgm:alg type="sp"/>
+                              <dgm:shape xmlns:r="http://schemas.openxmlformats.org/officeDocument/2006/relationships" type="roundRect" r:blip="">
+                                <dgm:adjLst>
+                                  <dgm:adj idx="1" val="0.1"/>
+                                </dgm:adjLst>
+                              </dgm:shape>
+                              <dgm:presOf/>
+                              <dgm:constrLst/>
+                              <dgm:ruleLst/>
+                            </dgm:layoutNode>
+                            <dgm:layoutNode name="text3" styleLbl="fgAcc3">
+                              <dgm:varLst>
+                                <dgm:chPref val="3"/>
+                              </dgm:varLst>
+                              <dgm:alg type="tx"/>
+                              <dgm:shape xmlns:r="http://schemas.openxmlformats.org/officeDocument/2006/relationships" type="roundRect" r:blip="">
+                                <dgm:adjLst>
+                                  <dgm:adj idx="1" val="0.1"/>
+                                </dgm:adjLst>
+                              </dgm:shape>
+                              <dgm:presOf axis="self"/>
+                              <dgm:constrLst>
+                                <dgm:constr type="tMarg" refType="primFontSz" fact="0.3"/>
+                                <dgm:constr type="bMarg" refType="primFontSz" fact="0.3"/>
+                                <dgm:constr type="lMarg" refType="primFontSz" fact="0.3"/>
+                                <dgm:constr type="rMarg" refType="primFontSz" fact="0.3"/>
+                              </dgm:constrLst>
+                              <dgm:ruleLst>
+                                <dgm:rule type="primFontSz" val="5" fact="NaN" max="NaN"/>
+                              </dgm:ruleLst>
+                            </dgm:layoutNode>
+                          </dgm:layoutNode>
+                          <dgm:layoutNode name="hierChild4">
+                            <dgm:choose name="Name19">
+                              <dgm:if name="Name20" func="var" arg="dir" op="equ" val="norm">
+                                <dgm:alg type="hierChild">
+                                  <dgm:param type="linDir" val="fromL"/>
+                                </dgm:alg>
+                              </dgm:if>
+                              <dgm:else name="Name21">
+                                <dgm:alg type="hierChild">
+                                  <dgm:param type="linDir" val="fromR"/>
+                                </dgm:alg>
+                              </dgm:else>
+                            </dgm:choose>
+                            <dgm:shape xmlns:r="http://schemas.openxmlformats.org/officeDocument/2006/relationships" r:blip="">
+                              <dgm:adjLst/>
+                            </dgm:shape>
+                            <dgm:presOf/>
+                            <dgm:constrLst/>
+                            <dgm:ruleLst/>
+                            <dgm:forEach name="repeat" axis="ch">
+                              <dgm:forEach name="Name22" axis="self" ptType="parTrans" cnt="1">
+                                <dgm:layoutNode name="Name23">
+                                  <dgm:choose name="Name24">
+                                    <dgm:if name="Name25" axis="self" func="depth" op="lte" val="4">
+                                      <dgm:alg type="conn">
+                                        <dgm:param type="dim" val="1D"/>
+                                        <dgm:param type="endSty" val="noArr"/>
+                                        <dgm:param type="connRout" val="bend"/>
+                                        <dgm:param type="bendPt" val="end"/>
+                                        <dgm:param type="begPts" val="bCtr"/>
+                                        <dgm:param type="endPts" val="tCtr"/>
+                                        <dgm:param type="srcNode" val="background3"/>
+                                        <dgm:param type="dstNode" val="background4"/>
+                                      </dgm:alg>
+                                    </dgm:if>
+                                    <dgm:else name="Name26">
+                                      <dgm:alg type="conn">
+                                        <dgm:param type="dim" val="1D"/>
+                                        <dgm:param type="endSty" val="noArr"/>
+                                        <dgm:param type="connRout" val="bend"/>
+                                        <dgm:param type="bendPt" val="end"/>
+                                        <dgm:param type="begPts" val="bCtr"/>
+                                        <dgm:param type="endPts" val="tCtr"/>
+                                        <dgm:param type="srcNode" val="background4"/>
+                                        <dgm:param type="dstNode" val="background4"/>
+                                      </dgm:alg>
+                                    </dgm:else>
+                                  </dgm:choose>
+                                  <dgm:shape xmlns:r="http://schemas.openxmlformats.org/officeDocument/2006/relationships" type="conn" r:blip="" zOrderOff="-999">
+                                    <dgm:adjLst/>
+                                  </dgm:shape>
+                                  <dgm:presOf axis="self"/>
+                                  <dgm:constrLst>
+                                    <dgm:constr type="begPad"/>
+                                    <dgm:constr type="endPad"/>
+                                  </dgm:constrLst>
+                                  <dgm:ruleLst/>
+                                </dgm:layoutNode>
+                              </dgm:forEach>
+                              <dgm:forEach name="Name27" axis="self" ptType="node">
+                                <dgm:layoutNode name="hierRoot4">
+                                  <dgm:alg type="hierRoot"/>
+                                  <dgm:shape xmlns:r="http://schemas.openxmlformats.org/officeDocument/2006/relationships" r:blip="">
+                                    <dgm:adjLst/>
+                                  </dgm:shape>
+                                  <dgm:presOf/>
+                                  <dgm:constrLst>
+                                    <dgm:constr type="bendDist" for="des" ptType="parTrans" refType="sp" fact="0.5"/>
+                                  </dgm:constrLst>
+                                  <dgm:ruleLst/>
+                                  <dgm:layoutNode name="composite4">
+                                    <dgm:alg type="composite"/>
+                                    <dgm:shape xmlns:r="http://schemas.openxmlformats.org/officeDocument/2006/relationships" r:blip="">
+                                      <dgm:adjLst/>
+                                    </dgm:shape>
+                                    <dgm:presOf/>
+                                    <dgm:constrLst>
+                                      <dgm:constr type="w" for="ch" forName="background4" refType="w" fact="0.9"/>
+                                      <dgm:constr type="h" for="ch" forName="background4" refType="w" refFor="ch" refForName="background4" fact="0.635"/>
+                                      <dgm:constr type="t" for="ch" forName="background4"/>
+                                      <dgm:constr type="l" for="ch" forName="background4"/>
+                                      <dgm:constr type="w" for="ch" forName="text4" refType="w" fact="0.9"/>
+                                      <dgm:constr type="h" for="ch" forName="text4" refType="w" refFor="ch" refForName="text4" fact="0.635"/>
+                                      <dgm:constr type="t" for="ch" forName="text4" refType="w" fact="0.095"/>
+                                      <dgm:constr type="l" for="ch" forName="text4" refType="w" fact="0.1"/>
+                                    </dgm:constrLst>
+                                    <dgm:ruleLst/>
+                                    <dgm:layoutNode name="background4" moveWith="text4">
+                                      <dgm:alg type="sp"/>
+                                      <dgm:shape xmlns:r="http://schemas.openxmlformats.org/officeDocument/2006/relationships" type="roundRect" r:blip="">
+                                        <dgm:adjLst>
+                                          <dgm:adj idx="1" val="0.1"/>
+                                        </dgm:adjLst>
+                                      </dgm:shape>
+                                      <dgm:presOf/>
+                                      <dgm:constrLst/>
+                                      <dgm:ruleLst/>
+                                    </dgm:layoutNode>
+                                    <dgm:layoutNode name="text4" styleLbl="fgAcc4">
+                                      <dgm:varLst>
+                                        <dgm:chPref val="3"/>
+                                      </dgm:varLst>
+                                      <dgm:alg type="tx"/>
+                                      <dgm:shape xmlns:r="http://schemas.openxmlformats.org/officeDocument/2006/relationships" type="roundRect" r:blip="">
+                                        <dgm:adjLst>
+                                          <dgm:adj idx="1" val="0.1"/>
+                                        </dgm:adjLst>
+                                      </dgm:shape>
+                                      <dgm:presOf axis="self"/>
+                                      <dgm:constrLst>
+                                        <dgm:constr type="tMarg" refType="primFontSz" fact="0.3"/>
+                                        <dgm:constr type="bMarg" refType="primFontSz" fact="0.3"/>
+                                        <dgm:constr type="lMarg" refType="primFontSz" fact="0.3"/>
+                                        <dgm:constr type="rMarg" refType="primFontSz" fact="0.3"/>
+                                      </dgm:constrLst>
+                                      <dgm:ruleLst>
+                                        <dgm:rule type="primFontSz" val="5" fact="NaN" max="NaN"/>
+                                      </dgm:ruleLst>
+                                    </dgm:layoutNode>
+                                  </dgm:layoutNode>
+                                  <dgm:layoutNode name="hierChild5">
+                                    <dgm:choose name="Name28">
+                                      <dgm:if name="Name29" func="var" arg="dir" op="equ" val="norm">
+                                        <dgm:alg type="hierChild">
+                                          <dgm:param type="linDir" val="fromL"/>
+                                        </dgm:alg>
+                                      </dgm:if>
+                                      <dgm:else name="Name30">
+                                        <dgm:alg type="hierChild">
+                                          <dgm:param type="linDir" val="fromR"/>
+                                        </dgm:alg>
+                                      </dgm:else>
+                                    </dgm:choose>
+                                    <dgm:shape xmlns:r="http://schemas.openxmlformats.org/officeDocument/2006/relationships" r:blip="">
+                                      <dgm:adjLst/>
+                                    </dgm:shape>
+                                    <dgm:presOf/>
+                                    <dgm:constrLst/>
+                                    <dgm:ruleLst/>
+                                    <dgm:forEach name="Name31" ref="repeat"/>
+                                  </dgm:layoutNode>
+                                </dgm:layoutNode>
+                              </dgm:forEach>
+                            </dgm:forEach>
+                          </dgm:layoutNode>
+                        </dgm:layoutNode>
+                      </dgm:forEach>
+                    </dgm:forEach>
+                  </dgm:layoutNode>
+                </dgm:layoutNode>
+              </dgm:forEach>
+            </dgm:forEach>
+          </dgm:layoutNode>
+        </dgm:layoutNode>
+      </dgm:forEach>
+    </dgm:forEach>
+  </dgm:layoutNode>
+</dgm:layoutDef>
+</file>
+
+<file path=ppt/diagrams/quickStyle1.xml><?xml version="1.0" encoding="utf-8"?>
+<dgm:styleDef xmlns:dgm="http://schemas.openxmlformats.org/drawingml/2006/diagram" xmlns:a="http://schemas.openxmlformats.org/drawingml/2006/main" uniqueId="urn:microsoft.com/office/officeart/2005/8/quickstyle/simple1">
+  <dgm:title val=""/>
+  <dgm:desc val=""/>
+  <dgm:catLst>
+    <dgm:cat type="simple" pri="10100"/>
+  </dgm:catLst>
+  <dgm:scene3d>
+    <a:camera prst="orthographicFront"/>
+    <a:lightRig rig="threePt" dir="t"/>
+  </dgm:scene3d>
+  <dgm:styleLbl name="node0">
+    <dgm:scene3d>
+      <a:camera prst="orthographicFront"/>
+      <a:lightRig rig="threePt" dir="t"/>
+    </dgm:scene3d>
+    <dgm:sp3d/>
+    <dgm:txPr/>
+    <dgm:style>
+      <a:lnRef idx="2">
+        <a:scrgbClr r="0" g="0" b="0"/>
+      </a:lnRef>
+      <a:fillRef idx="1">
+        <a:scrgbClr r="0" g="0" b="0"/>
+      </a:fillRef>
+      <a:effectRef idx="0">
+        <a:scrgbClr r="0" g="0" b="0"/>
+      </a:effectRef>
+      <a:fontRef idx="minor">
+        <a:schemeClr val="lt1"/>
+      </a:fontRef>
+    </dgm:style>
+  </dgm:styleLbl>
+  <dgm:styleLbl name="lnNode1">
+    <dgm:scene3d>
+      <a:camera prst="orthographicFront"/>
+      <a:lightRig rig="threePt" dir="t"/>
+    </dgm:scene3d>
+    <dgm:sp3d/>
+    <dgm:txPr/>
+    <dgm:style>
+      <a:lnRef idx="2">
+        <a:scrgbClr r="0" g="0" b="0"/>
+      </a:lnRef>
+      <a:fillRef idx="1">
+        <a:scrgbClr r="0" g="0" b="0"/>
+      </a:fillRef>
+      <a:effectRef idx="0">
+        <a:scrgbClr r="0" g="0" b="0"/>
+      </a:effectRef>
+      <a:fontRef idx="minor">
+        <a:schemeClr val="lt1"/>
+      </a:fontRef>
+    </dgm:style>
+  </dgm:styleLbl>
+  <dgm:styleLbl name="vennNode1">
+    <dgm:scene3d>
+      <a:camera prst="orthographicFront"/>
+      <a:lightRig rig="threePt" dir="t"/>
+    </dgm:scene3d>
+    <dgm:sp3d/>
+    <dgm:txPr/>
+    <dgm:style>
+      <a:lnRef idx="2">
+        <a:scrgbClr r="0" g="0" b="0"/>
+      </a:lnRef>
+      <a:fillRef idx="1">
+        <a:scrgbClr r="0" g="0" b="0"/>
+      </a:fillRef>
+      <a:effectRef idx="0">
+        <a:scrgbClr r="0" g="0" b="0"/>
+      </a:effectRef>
+      <a:fontRef idx="minor">
+        <a:schemeClr val="tx1"/>
+      </a:fontRef>
+    </dgm:style>
+  </dgm:styleLbl>
+  <dgm:styleLbl name="alignNode1">
+    <dgm:scene3d>
+      <a:camera prst="orthographicFront"/>
+      <a:lightRig rig="threePt" dir="t"/>
+    </dgm:scene3d>
+    <dgm:sp3d/>
+    <dgm:txPr/>
+    <dgm:style>
+      <a:lnRef idx="2">
+        <a:scrgbClr r="0" g="0" b="0"/>
+      </a:lnRef>
+      <a:fillRef idx="1">
+        <a:scrgbClr r="0" g="0" b="0"/>
+      </a:fillRef>
+      <a:effectRef idx="0">
+        <a:scrgbClr r="0" g="0" b="0"/>
+      </a:effectRef>
+      <a:fontRef idx="minor">
+        <a:schemeClr val="lt1"/>
+      </a:fontRef>
+    </dgm:style>
+  </dgm:styleLbl>
+  <dgm:styleLbl name="node1">
+    <dgm:scene3d>
+      <a:camera prst="orthographicFront"/>
+      <a:lightRig rig="threePt" dir="t"/>
+    </dgm:scene3d>
+    <dgm:sp3d/>
+    <dgm:txPr/>
+    <dgm:style>
+      <a:lnRef idx="2">
+        <a:scrgbClr r="0" g="0" b="0"/>
+      </a:lnRef>
+      <a:fillRef idx="1">
+        <a:scrgbClr r="0" g="0" b="0"/>
+      </a:fillRef>
+      <a:effectRef idx="0">
+        <a:scrgbClr r="0" g="0" b="0"/>
+      </a:effectRef>
+      <a:fontRef idx="minor">
+        <a:schemeClr val="lt1"/>
+      </a:fontRef>
+    </dgm:style>
+  </dgm:styleLbl>
+  <dgm:styleLbl name="node2">
+    <dgm:scene3d>
+      <a:camera prst="orthographicFront"/>
+      <a:lightRig rig="threePt" dir="t"/>
+    </dgm:scene3d>
+    <dgm:sp3d/>
+    <dgm:txPr/>
+    <dgm:style>
+      <a:lnRef idx="2">
+        <a:scrgbClr r="0" g="0" b="0"/>
+      </a:lnRef>
+      <a:fillRef idx="1">
+        <a:scrgbClr r="0" g="0" b="0"/>
+      </a:fillRef>
+      <a:effectRef idx="0">
+        <a:scrgbClr r="0" g="0" b="0"/>
+      </a:effectRef>
+      <a:fontRef idx="minor">
+        <a:schemeClr val="lt1"/>
+      </a:fontRef>
+    </dgm:style>
+  </dgm:styleLbl>
+  <dgm:styleLbl name="node3">
+    <dgm:scene3d>
+      <a:camera prst="orthographicFront"/>
+      <a:lightRig rig="threePt" dir="t"/>
+    </dgm:scene3d>
+    <dgm:sp3d/>
+    <dgm:txPr/>
+    <dgm:style>
+      <a:lnRef idx="2">
+        <a:scrgbClr r="0" g="0" b="0"/>
+      </a:lnRef>
+      <a:fillRef idx="1">
+        <a:scrgbClr r="0" g="0" b="0"/>
+      </a:fillRef>
+      <a:effectRef idx="0">
+        <a:scrgbClr r="0" g="0" b="0"/>
+      </a:effectRef>
+      <a:fontRef idx="minor">
+        <a:schemeClr val="lt1"/>
+      </a:fontRef>
+    </dgm:style>
+  </dgm:styleLbl>
+  <dgm:styleLbl name="node4">
+    <dgm:scene3d>
+      <a:camera prst="orthographicFront"/>
+      <a:lightRig rig="threePt" dir="t"/>
+    </dgm:scene3d>
+    <dgm:sp3d/>
+    <dgm:txPr/>
+    <dgm:style>
+      <a:lnRef idx="2">
+        <a:scrgbClr r="0" g="0" b="0"/>
+      </a:lnRef>
+      <a:fillRef idx="1">
+        <a:scrgbClr r="0" g="0" b="0"/>
+      </a:fillRef>
+      <a:effectRef idx="0">
+        <a:scrgbClr r="0" g="0" b="0"/>
+      </a:effectRef>
+      <a:fontRef idx="minor">
+        <a:schemeClr val="lt1"/>
+      </a:fontRef>
+    </dgm:style>
+  </dgm:styleLbl>
+  <dgm:styleLbl name="fgImgPlace1">
+    <dgm:scene3d>
+      <a:camera prst="orthographicFront"/>
+      <a:lightRig rig="threePt" dir="t"/>
+    </dgm:scene3d>
+    <dgm:sp3d/>
+    <dgm:txPr/>
+    <dgm:style>
+      <a:lnRef idx="2">
+        <a:scrgbClr r="0" g="0" b="0"/>
+      </a:lnRef>
+      <a:fillRef idx="1">
+        <a:scrgbClr r="0" g="0" b="0"/>
+      </a:fillRef>
+      <a:effectRef idx="0">
+        <a:scrgbClr r="0" g="0" b="0"/>
+      </a:effectRef>
+      <a:fontRef idx="minor"/>
+    </dgm:style>
+  </dgm:styleLbl>
+  <dgm:styleLbl name="alignImgPlace1">
+    <dgm:scene3d>
+      <a:camera prst="orthographicFront"/>
+      <a:lightRig rig="threePt" dir="t"/>
+    </dgm:scene3d>
+    <dgm:sp3d/>
+    <dgm:txPr/>
+    <dgm:style>
+      <a:lnRef idx="2">
+        <a:scrgbClr r="0" g="0" b="0"/>
+      </a:lnRef>
+      <a:fillRef idx="1">
+        <a:scrgbClr r="0" g="0" b="0"/>
+      </a:fillRef>
+      <a:effectRef idx="0">
+        <a:scrgbClr r="0" g="0" b="0"/>
+      </a:effectRef>
+      <a:fontRef idx="minor"/>
+    </dgm:style>
+  </dgm:styleLbl>
+  <dgm:styleLbl name="bgImgPlace1">
+    <dgm:scene3d>
+      <a:camera prst="orthographicFront"/>
+      <a:lightRig rig="threePt" dir="t"/>
+    </dgm:scene3d>
+    <dgm:sp3d/>
+    <dgm:txPr/>
+    <dgm:style>
+      <a:lnRef idx="2">
+        <a:scrgbClr r="0" g="0" b="0"/>
+      </a:lnRef>
+      <a:fillRef idx="1">
+        <a:scrgbClr r="0" g="0" b="0"/>
+      </a:fillRef>
+      <a:effectRef idx="0">
+        <a:scrgbClr r="0" g="0" b="0"/>
+      </a:effectRef>
+      <a:fontRef idx="minor"/>
+    </dgm:style>
+  </dgm:styleLbl>
+  <dgm:styleLbl name="sibTrans2D1">
+    <dgm:scene3d>
+      <a:camera prst="orthographicFront"/>
+      <a:lightRig rig="threePt" dir="t"/>
+    </dgm:scene3d>
+    <dgm:sp3d/>
+    <dgm:txPr/>
+    <dgm:style>
+      <a:lnRef idx="0">
+        <a:scrgbClr r="0" g="0" b="0"/>
+      </a:lnRef>
+      <a:fillRef idx="1">
+        <a:scrgbClr r="0" g="0" b="0"/>
+      </a:fillRef>
+      <a:effectRef idx="0">
+        <a:scrgbClr r="0" g="0" b="0"/>
+      </a:effectRef>
+      <a:fontRef idx="minor">
+        <a:schemeClr val="lt1"/>
+      </a:fontRef>
+    </dgm:style>
+  </dgm:styleLbl>
+  <dgm:styleLbl name="fgSibTrans2D1">
+    <dgm:scene3d>
+      <a:camera prst="orthographicFront"/>
+      <a:lightRig rig="threePt" dir="t"/>
+    </dgm:scene3d>
+    <dgm:sp3d/>
+    <dgm:txPr/>
+    <dgm:style>
+      <a:lnRef idx="0">
+        <a:scrgbClr r="0" g="0" b="0"/>
+      </a:lnRef>
+      <a:fillRef idx="1">
+        <a:scrgbClr r="0" g="0" b="0"/>
+      </a:fillRef>
+      <a:effectRef idx="0">
+        <a:scrgbClr r="0" g="0" b="0"/>
+      </a:effectRef>
+      <a:fontRef idx="minor">
+        <a:schemeClr val="lt1"/>
+      </a:fontRef>
+    </dgm:style>
+  </dgm:styleLbl>
+  <dgm:styleLbl name="bgSibTrans2D1">
+    <dgm:scene3d>
+      <a:camera prst="orthographicFront"/>
+      <a:lightRig rig="threePt" dir="t"/>
+    </dgm:scene3d>
+    <dgm:sp3d/>
+    <dgm:txPr/>
+    <dgm:style>
+      <a:lnRef idx="0">
+        <a:scrgbClr r="0" g="0" b="0"/>
+      </a:lnRef>
+      <a:fillRef idx="1">
+        <a:scrgbClr r="0" g="0" b="0"/>
+      </a:fillRef>
+      <a:effectRef idx="0">
+        <a:scrgbClr r="0" g="0" b="0"/>
+      </a:effectRef>
+      <a:fontRef idx="minor">
+        <a:schemeClr val="lt1"/>
+      </a:fontRef>
+    </dgm:style>
+  </dgm:styleLbl>
+  <dgm:styleLbl name="sibTrans1D1">
+    <dgm:scene3d>
+      <a:camera prst="orthographicFront"/>
+      <a:lightRig rig="threePt" dir="t"/>
+    </dgm:scene3d>
+    <dgm:sp3d/>
+    <dgm:txPr/>
+    <dgm:style>
+      <a:lnRef idx="1">
+        <a:scrgbClr r="0" g="0" b="0"/>
+      </a:lnRef>
+      <a:fillRef idx="0">
+        <a:scrgbClr r="0" g="0" b="0"/>
+      </a:fillRef>
+      <a:effectRef idx="0">
+        <a:scrgbClr r="0" g="0" b="0"/>
+      </a:effectRef>
+      <a:fontRef idx="minor"/>
+    </dgm:style>
+  </dgm:styleLbl>
+  <dgm:styleLbl name="callout">
+    <dgm:scene3d>
+      <a:camera prst="orthographicFront"/>
+      <a:lightRig rig="threePt" dir="t"/>
+    </dgm:scene3d>
+    <dgm:sp3d/>
+    <dgm:txPr/>
+    <dgm:style>
+      <a:lnRef idx="2">
+        <a:scrgbClr r="0" g="0" b="0"/>
+      </a:lnRef>
+      <a:fillRef idx="1">
+        <a:scrgbClr r="0" g="0" b="0"/>
+      </a:fillRef>
+      <a:effectRef idx="0">
+        <a:scrgbClr r="0" g="0" b="0"/>
+      </a:effectRef>
+      <a:fontRef idx="minor"/>
+    </dgm:style>
+  </dgm:styleLbl>
+  <dgm:styleLbl name="asst0">
+    <dgm:scene3d>
+      <a:camera prst="orthographicFront"/>
+      <a:lightRig rig="threePt" dir="t"/>
+    </dgm:scene3d>
+    <dgm:sp3d/>
+    <dgm:txPr/>
+    <dgm:style>
+      <a:lnRef idx="2">
+        <a:scrgbClr r="0" g="0" b="0"/>
+      </a:lnRef>
+      <a:fillRef idx="1">
+        <a:scrgbClr r="0" g="0" b="0"/>
+      </a:fillRef>
+      <a:effectRef idx="0">
+        <a:scrgbClr r="0" g="0" b="0"/>
+      </a:effectRef>
+      <a:fontRef idx="minor">
+        <a:schemeClr val="lt1"/>
+      </a:fontRef>
+    </dgm:style>
+  </dgm:styleLbl>
+  <dgm:styleLbl name="asst1">
+    <dgm:scene3d>
+      <a:camera prst="orthographicFront"/>
+      <a:lightRig rig="threePt" dir="t"/>
+    </dgm:scene3d>
+    <dgm:sp3d/>
+    <dgm:txPr/>
+    <dgm:style>
+      <a:lnRef idx="2">
+        <a:scrgbClr r="0" g="0" b="0"/>
+      </a:lnRef>
+      <a:fillRef idx="1">
+        <a:scrgbClr r="0" g="0" b="0"/>
+      </a:fillRef>
+      <a:effectRef idx="0">
+        <a:scrgbClr r="0" g="0" b="0"/>
+      </a:effectRef>
+      <a:fontRef idx="minor">
+        <a:schemeClr val="lt1"/>
+      </a:fontRef>
+    </dgm:style>
+  </dgm:styleLbl>
+  <dgm:styleLbl name="asst2">
+    <dgm:scene3d>
+      <a:camera prst="orthographicFront"/>
+      <a:lightRig rig="threePt" dir="t"/>
+    </dgm:scene3d>
+    <dgm:sp3d/>
+    <dgm:txPr/>
+    <dgm:style>
+      <a:lnRef idx="2">
+        <a:scrgbClr r="0" g="0" b="0"/>
+      </a:lnRef>
+      <a:fillRef idx="1">
+        <a:scrgbClr r="0" g="0" b="0"/>
+      </a:fillRef>
+      <a:effectRef idx="0">
+        <a:scrgbClr r="0" g="0" b="0"/>
+      </a:effectRef>
+      <a:fontRef idx="minor">
+        <a:schemeClr val="lt1"/>
+      </a:fontRef>
+    </dgm:style>
+  </dgm:styleLbl>
+  <dgm:styleLbl name="asst3">
+    <dgm:scene3d>
+      <a:camera prst="orthographicFront"/>
+      <a:lightRig rig="threePt" dir="t"/>
+    </dgm:scene3d>
+    <dgm:sp3d/>
+    <dgm:txPr/>
+    <dgm:style>
+      <a:lnRef idx="2">
+        <a:scrgbClr r="0" g="0" b="0"/>
+      </a:lnRef>
+      <a:fillRef idx="1">
+        <a:scrgbClr r="0" g="0" b="0"/>
+      </a:fillRef>
+      <a:effectRef idx="0">
+        <a:scrgbClr r="0" g="0" b="0"/>
+      </a:effectRef>
+      <a:fontRef idx="minor">
+        <a:schemeClr val="lt1"/>
+      </a:fontRef>
+    </dgm:style>
+  </dgm:styleLbl>
+  <dgm:styleLbl name="asst4">
+    <dgm:scene3d>
+      <a:camera prst="orthographicFront"/>
+      <a:lightRig rig="threePt" dir="t"/>
+    </dgm:scene3d>
+    <dgm:sp3d/>
+    <dgm:txPr/>
+    <dgm:style>
+      <a:lnRef idx="2">
+        <a:scrgbClr r="0" g="0" b="0"/>
+      </a:lnRef>
+      <a:fillRef idx="1">
+        <a:scrgbClr r="0" g="0" b="0"/>
+      </a:fillRef>
+      <a:effectRef idx="0">
+        <a:scrgbClr r="0" g="0" b="0"/>
+      </a:effectRef>
+      <a:fontRef idx="minor">
+        <a:schemeClr val="lt1"/>
+      </a:fontRef>
+    </dgm:style>
+  </dgm:styleLbl>
+  <dgm:styleLbl name="parChTrans2D1">
+    <dgm:scene3d>
+      <a:camera prst="orthographicFront"/>
+      <a:lightRig rig="threePt" dir="t"/>
+    </dgm:scene3d>
+    <dgm:sp3d/>
+    <dgm:txPr/>
+    <dgm:style>
+      <a:lnRef idx="2">
+        <a:scrgbClr r="0" g="0" b="0"/>
+      </a:lnRef>
+      <a:fillRef idx="1">
+        <a:scrgbClr r="0" g="0" b="0"/>
+      </a:fillRef>
+      <a:effectRef idx="0">
+        <a:scrgbClr r="0" g="0" b="0"/>
+      </a:effectRef>
+      <a:fontRef idx="minor">
+        <a:schemeClr val="lt1"/>
+      </a:fontRef>
+    </dgm:style>
+  </dgm:styleLbl>
+  <dgm:styleLbl name="parChTrans2D2">
+    <dgm:scene3d>
+      <a:camera prst="orthographicFront"/>
+      <a:lightRig rig="threePt" dir="t"/>
+    </dgm:scene3d>
+    <dgm:sp3d/>
+    <dgm:txPr/>
+    <dgm:style>
+      <a:lnRef idx="2">
+        <a:scrgbClr r="0" g="0" b="0"/>
+      </a:lnRef>
+      <a:fillRef idx="1">
+        <a:scrgbClr r="0" g="0" b="0"/>
+      </a:fillRef>
+      <a:effectRef idx="0">
+        <a:scrgbClr r="0" g="0" b="0"/>
+      </a:effectRef>
+      <a:fontRef idx="minor">
+        <a:schemeClr val="lt1"/>
+      </a:fontRef>
+    </dgm:style>
+  </dgm:styleLbl>
+  <dgm:styleLbl name="parChTrans2D3">
+    <dgm:scene3d>
+      <a:camera prst="orthographicFront"/>
+      <a:lightRig rig="threePt" dir="t"/>
+    </dgm:scene3d>
+    <dgm:sp3d/>
+    <dgm:txPr/>
+    <dgm:style>
+      <a:lnRef idx="2">
+        <a:scrgbClr r="0" g="0" b="0"/>
+      </a:lnRef>
+      <a:fillRef idx="1">
+        <a:scrgbClr r="0" g="0" b="0"/>
+      </a:fillRef>
+      <a:effectRef idx="0">
+        <a:scrgbClr r="0" g="0" b="0"/>
+      </a:effectRef>
+      <a:fontRef idx="minor">
+        <a:schemeClr val="lt1"/>
+      </a:fontRef>
+    </dgm:style>
+  </dgm:styleLbl>
+  <dgm:styleLbl name="parChTrans2D4">
+    <dgm:scene3d>
+      <a:camera prst="orthographicFront"/>
+      <a:lightRig rig="threePt" dir="t"/>
+    </dgm:scene3d>
+    <dgm:sp3d/>
+    <dgm:txPr/>
+    <dgm:style>
+      <a:lnRef idx="2">
+        <a:scrgbClr r="0" g="0" b="0"/>
+      </a:lnRef>
+      <a:fillRef idx="1">
+        <a:scrgbClr r="0" g="0" b="0"/>
+      </a:fillRef>
+      <a:effectRef idx="0">
+        <a:scrgbClr r="0" g="0" b="0"/>
+      </a:effectRef>
+      <a:fontRef idx="minor">
+        <a:schemeClr val="lt1"/>
+      </a:fontRef>
+    </dgm:style>
+  </dgm:styleLbl>
+  <dgm:styleLbl name="parChTrans1D1">
+    <dgm:scene3d>
+      <a:camera prst="orthographicFront"/>
+      <a:lightRig rig="threePt" dir="t"/>
+    </dgm:scene3d>
+    <dgm:sp3d/>
+    <dgm:txPr/>
+    <dgm:style>
+      <a:lnRef idx="2">
+        <a:scrgbClr r="0" g="0" b="0"/>
+      </a:lnRef>
+      <a:fillRef idx="0">
+        <a:scrgbClr r="0" g="0" b="0"/>
+      </a:fillRef>
+      <a:effectRef idx="0">
+        <a:scrgbClr r="0" g="0" b="0"/>
+      </a:effectRef>
+      <a:fontRef idx="minor"/>
+    </dgm:style>
+  </dgm:styleLbl>
+  <dgm:styleLbl name="parChTrans1D2">
+    <dgm:scene3d>
+      <a:camera prst="orthographicFront"/>
+      <a:lightRig rig="threePt" dir="t"/>
+    </dgm:scene3d>
+    <dgm:sp3d/>
+    <dgm:txPr/>
+    <dgm:style>
+      <a:lnRef idx="2">
+        <a:scrgbClr r="0" g="0" b="0"/>
+      </a:lnRef>
+      <a:fillRef idx="0">
+        <a:scrgbClr r="0" g="0" b="0"/>
+      </a:fillRef>
+      <a:effectRef idx="0">
+        <a:scrgbClr r="0" g="0" b="0"/>
+      </a:effectRef>
+      <a:fontRef idx="minor"/>
+    </dgm:style>
+  </dgm:styleLbl>
+  <dgm:styleLbl name="parChTrans1D3">
+    <dgm:scene3d>
+      <a:camera prst="orthographicFront"/>
+      <a:lightRig rig="threePt" dir="t"/>
+    </dgm:scene3d>
+    <dgm:sp3d/>
+    <dgm:txPr/>
+    <dgm:style>
+      <a:lnRef idx="2">
+        <a:scrgbClr r="0" g="0" b="0"/>
+      </a:lnRef>
+      <a:fillRef idx="0">
+        <a:scrgbClr r="0" g="0" b="0"/>
+      </a:fillRef>
+      <a:effectRef idx="0">
+        <a:scrgbClr r="0" g="0" b="0"/>
+      </a:effectRef>
+      <a:fontRef idx="minor"/>
+    </dgm:style>
+  </dgm:styleLbl>
+  <dgm:styleLbl name="parChTrans1D4">
+    <dgm:scene3d>
+      <a:camera prst="orthographicFront"/>
+      <a:lightRig rig="threePt" dir="t"/>
+    </dgm:scene3d>
+    <dgm:sp3d/>
+    <dgm:txPr/>
+    <dgm:style>
+      <a:lnRef idx="2">
+        <a:scrgbClr r="0" g="0" b="0"/>
+      </a:lnRef>
+      <a:fillRef idx="0">
+        <a:scrgbClr r="0" g="0" b="0"/>
+      </a:fillRef>
+      <a:effectRef idx="0">
+        <a:scrgbClr r="0" g="0" b="0"/>
+      </a:effectRef>
+      <a:fontRef idx="minor"/>
+    </dgm:style>
+  </dgm:styleLbl>
+  <dgm:styleLbl name="fgAcc1">
+    <dgm:scene3d>
+      <a:camera prst="orthographicFront"/>
+      <a:lightRig rig="threePt" dir="t"/>
+    </dgm:scene3d>
+    <dgm:sp3d/>
+    <dgm:txPr/>
+    <dgm:style>
+      <a:lnRef idx="2">
+        <a:scrgbClr r="0" g="0" b="0"/>
+      </a:lnRef>
+      <a:fillRef idx="1">
+        <a:scrgbClr r="0" g="0" b="0"/>
+      </a:fillRef>
+      <a:effectRef idx="0">
+        <a:scrgbClr r="0" g="0" b="0"/>
+      </a:effectRef>
+      <a:fontRef idx="minor"/>
+    </dgm:style>
+  </dgm:styleLbl>
+  <dgm:styleLbl name="conFgAcc1">
+    <dgm:scene3d>
+      <a:camera prst="orthographicFront"/>
+      <a:lightRig rig="threePt" dir="t"/>
+    </dgm:scene3d>
+    <dgm:sp3d/>
+    <dgm:txPr/>
+    <dgm:style>
+      <a:lnRef idx="2">
+        <a:scrgbClr r="0" g="0" b="0"/>
+      </a:lnRef>
+      <a:fillRef idx="1">
+        <a:scrgbClr r="0" g="0" b="0"/>
+      </a:fillRef>
+      <a:effectRef idx="0">
+        <a:scrgbClr r="0" g="0" b="0"/>
+      </a:effectRef>
+      <a:fontRef idx="minor"/>
+    </dgm:style>
+  </dgm:styleLbl>
+  <dgm:styleLbl name="alignAcc1">
+    <dgm:scene3d>
+      <a:camera prst="orthographicFront"/>
+      <a:lightRig rig="threePt" dir="t"/>
+    </dgm:scene3d>
+    <dgm:sp3d/>
+    <dgm:txPr/>
+    <dgm:style>
+      <a:lnRef idx="2">
+        <a:scrgbClr r="0" g="0" b="0"/>
+      </a:lnRef>
+      <a:fillRef idx="1">
+        <a:scrgbClr r="0" g="0" b="0"/>
+      </a:fillRef>
+      <a:effectRef idx="0">
+        <a:scrgbClr r="0" g="0" b="0"/>
+      </a:effectRef>
+      <a:fontRef idx="minor"/>
+    </dgm:style>
+  </dgm:styleLbl>
+  <dgm:styleLbl name="trAlignAcc1">
+    <dgm:scene3d>
+      <a:camera prst="orthographicFront"/>
+      <a:lightRig rig="threePt" dir="t"/>
+    </dgm:scene3d>
+    <dgm:sp3d/>
+    <dgm:txPr/>
+    <dgm:style>
+      <a:lnRef idx="1">
+        <a:scrgbClr r="0" g="0" b="0"/>
+      </a:lnRef>
+      <a:fillRef idx="1">
+        <a:scrgbClr r="0" g="0" b="0"/>
+      </a:fillRef>
+      <a:effectRef idx="0">
+        <a:scrgbClr r="0" g="0" b="0"/>
+      </a:effectRef>
+      <a:fontRef idx="minor"/>
+    </dgm:style>
+  </dgm:styleLbl>
+  <dgm:styleLbl name="bgAcc1">
+    <dgm:scene3d>
+      <a:camera prst="orthographicFront"/>
+      <a:lightRig rig="threePt" dir="t"/>
+    </dgm:scene3d>
+    <dgm:sp3d/>
+    <dgm:txPr/>
+    <dgm:style>
+      <a:lnRef idx="2">
+        <a:scrgbClr r="0" g="0" b="0"/>
+      </a:lnRef>
+      <a:fillRef idx="1">
+        <a:scrgbClr r="0" g="0" b="0"/>
+      </a:fillRef>
+      <a:effectRef idx="0">
+        <a:scrgbClr r="0" g="0" b="0"/>
+      </a:effectRef>
+      <a:fontRef idx="minor"/>
+    </dgm:style>
+  </dgm:styleLbl>
+  <dgm:styleLbl name="solidFgAcc1">
+    <dgm:scene3d>
+      <a:camera prst="orthographicFront"/>
+      <a:lightRig rig="threePt" dir="t"/>
+    </dgm:scene3d>
+    <dgm:sp3d/>
+    <dgm:txPr/>
+    <dgm:style>
+      <a:lnRef idx="2">
+        <a:scrgbClr r="0" g="0" b="0"/>
+      </a:lnRef>
+      <a:fillRef idx="1">
+        <a:scrgbClr r="0" g="0" b="0"/>
+      </a:fillRef>
+      <a:effectRef idx="0">
+        <a:scrgbClr r="0" g="0" b="0"/>
+      </a:effectRef>
+      <a:fontRef idx="minor"/>
+    </dgm:style>
+  </dgm:styleLbl>
+  <dgm:styleLbl name="solidAlignAcc1">
+    <dgm:scene3d>
+      <a:camera prst="orthographicFront"/>
+      <a:lightRig rig="threePt" dir="t"/>
+    </dgm:scene3d>
+    <dgm:sp3d/>
+    <dgm:txPr/>
+    <dgm:style>
+      <a:lnRef idx="2">
+        <a:scrgbClr r="0" g="0" b="0"/>
+      </a:lnRef>
+      <a:fillRef idx="1">
+        <a:scrgbClr r="0" g="0" b="0"/>
+      </a:fillRef>
+      <a:effectRef idx="0">
+        <a:scrgbClr r="0" g="0" b="0"/>
+      </a:effectRef>
+      <a:fontRef idx="minor"/>
+    </dgm:style>
+  </dgm:styleLbl>
+  <dgm:styleLbl name="solidBgAcc1">
+    <dgm:scene3d>
+      <a:camera prst="orthographicFront"/>
+      <a:lightRig rig="threePt" dir="t"/>
+    </dgm:scene3d>
+    <dgm:sp3d/>
+    <dgm:txPr/>
+    <dgm:style>
+      <a:lnRef idx="2">
+        <a:scrgbClr r="0" g="0" b="0"/>
+      </a:lnRef>
+      <a:fillRef idx="1">
+        <a:scrgbClr r="0" g="0" b="0"/>
+      </a:fillRef>
+      <a:effectRef idx="0">
+        <a:scrgbClr r="0" g="0" b="0"/>
+      </a:effectRef>
+      <a:fontRef idx="minor"/>
+    </dgm:style>
+  </dgm:styleLbl>
+  <dgm:styleLbl name="fgAccFollowNode1">
+    <dgm:scene3d>
+      <a:camera prst="orthographicFront"/>
+      <a:lightRig rig="threePt" dir="t"/>
+    </dgm:scene3d>
+    <dgm:sp3d/>
+    <dgm:txPr/>
+    <dgm:style>
+      <a:lnRef idx="2">
+        <a:scrgbClr r="0" g="0" b="0"/>
+      </a:lnRef>
+      <a:fillRef idx="1">
+        <a:scrgbClr r="0" g="0" b="0"/>
+      </a:fillRef>
+      <a:effectRef idx="0">
+        <a:scrgbClr r="0" g="0" b="0"/>
+      </a:effectRef>
+      <a:fontRef idx="minor"/>
+    </dgm:style>
+  </dgm:styleLbl>
+  <dgm:styleLbl name="alignAccFollowNode1">
+    <dgm:scene3d>
+      <a:camera prst="orthographicFront"/>
+      <a:lightRig rig="threePt" dir="t"/>
+    </dgm:scene3d>
+    <dgm:sp3d/>
+    <dgm:txPr/>
+    <dgm:style>
+      <a:lnRef idx="2">
+        <a:scrgbClr r="0" g="0" b="0"/>
+      </a:lnRef>
+      <a:fillRef idx="1">
+        <a:scrgbClr r="0" g="0" b="0"/>
+      </a:fillRef>
+      <a:effectRef idx="0">
+        <a:scrgbClr r="0" g="0" b="0"/>
+      </a:effectRef>
+      <a:fontRef idx="minor"/>
+    </dgm:style>
+  </dgm:styleLbl>
+  <dgm:styleLbl name="bgAccFollowNode1">
+    <dgm:scene3d>
+      <a:camera prst="orthographicFront"/>
+      <a:lightRig rig="threePt" dir="t"/>
+    </dgm:scene3d>
+    <dgm:sp3d/>
+    <dgm:txPr/>
+    <dgm:style>
+      <a:lnRef idx="2">
+        <a:scrgbClr r="0" g="0" b="0"/>
+      </a:lnRef>
+      <a:fillRef idx="1">
+        <a:scrgbClr r="0" g="0" b="0"/>
+      </a:fillRef>
+      <a:effectRef idx="0">
+        <a:scrgbClr r="0" g="0" b="0"/>
+      </a:effectRef>
+      <a:fontRef idx="minor"/>
+    </dgm:style>
+  </dgm:styleLbl>
+  <dgm:styleLbl name="fgAcc0">
+    <dgm:scene3d>
+      <a:camera prst="orthographicFront"/>
+      <a:lightRig rig="threePt" dir="t"/>
+    </dgm:scene3d>
+    <dgm:sp3d/>
+    <dgm:txPr/>
+    <dgm:style>
+      <a:lnRef idx="2">
+        <a:scrgbClr r="0" g="0" b="0"/>
+      </a:lnRef>
+      <a:fillRef idx="1">
+        <a:scrgbClr r="0" g="0" b="0"/>
+      </a:fillRef>
+      <a:effectRef idx="0">
+        <a:scrgbClr r="0" g="0" b="0"/>
+      </a:effectRef>
+      <a:fontRef idx="minor"/>
+    </dgm:style>
+  </dgm:styleLbl>
+  <dgm:styleLbl name="fgAcc2">
+    <dgm:scene3d>
+      <a:camera prst="orthographicFront"/>
+      <a:lightRig rig="threePt" dir="t"/>
+    </dgm:scene3d>
+    <dgm:sp3d/>
+    <dgm:txPr/>
+    <dgm:style>
+      <a:lnRef idx="2">
+        <a:scrgbClr r="0" g="0" b="0"/>
+      </a:lnRef>
+      <a:fillRef idx="1">
+        <a:scrgbClr r="0" g="0" b="0"/>
+      </a:fillRef>
+      <a:effectRef idx="0">
+        <a:scrgbClr r="0" g="0" b="0"/>
+      </a:effectRef>
+      <a:fontRef idx="minor"/>
+    </dgm:style>
+  </dgm:styleLbl>
+  <dgm:styleLbl name="fgAcc3">
+    <dgm:scene3d>
+      <a:camera prst="orthographicFront"/>
+      <a:lightRig rig="threePt" dir="t"/>
+    </dgm:scene3d>
+    <dgm:sp3d/>
+    <dgm:txPr/>
+    <dgm:style>
+      <a:lnRef idx="2">
+        <a:scrgbClr r="0" g="0" b="0"/>
+      </a:lnRef>
+      <a:fillRef idx="1">
+        <a:scrgbClr r="0" g="0" b="0"/>
+      </a:fillRef>
+      <a:effectRef idx="0">
+        <a:scrgbClr r="0" g="0" b="0"/>
+      </a:effectRef>
+      <a:fontRef idx="minor"/>
+    </dgm:style>
+  </dgm:styleLbl>
+  <dgm:styleLbl name="fgAcc4">
+    <dgm:scene3d>
+      <a:camera prst="orthographicFront"/>
+      <a:lightRig rig="threePt" dir="t"/>
+    </dgm:scene3d>
+    <dgm:sp3d/>
+    <dgm:txPr/>
+    <dgm:style>
+      <a:lnRef idx="2">
+        <a:scrgbClr r="0" g="0" b="0"/>
+      </a:lnRef>
+      <a:fillRef idx="1">
+        <a:scrgbClr r="0" g="0" b="0"/>
+      </a:fillRef>
+      <a:effectRef idx="0">
+        <a:scrgbClr r="0" g="0" b="0"/>
+      </a:effectRef>
+      <a:fontRef idx="minor"/>
+    </dgm:style>
+  </dgm:styleLbl>
+  <dgm:styleLbl name="bgShp">
+    <dgm:scene3d>
+      <a:camera prst="orthographicFront"/>
+      <a:lightRig rig="threePt" dir="t"/>
+    </dgm:scene3d>
+    <dgm:sp3d/>
+    <dgm:txPr/>
+    <dgm:style>
+      <a:lnRef idx="0">
+        <a:scrgbClr r="0" g="0" b="0"/>
+      </a:lnRef>
+      <a:fillRef idx="1">
+        <a:scrgbClr r="0" g="0" b="0"/>
+      </a:fillRef>
+      <a:effectRef idx="0">
+        <a:scrgbClr r="0" g="0" b="0"/>
+      </a:effectRef>
+      <a:fontRef idx="minor"/>
+    </dgm:style>
+  </dgm:styleLbl>
+  <dgm:styleLbl name="dkBgShp">
+    <dgm:scene3d>
+      <a:camera prst="orthographicFront"/>
+      <a:lightRig rig="threePt" dir="t"/>
+    </dgm:scene3d>
+    <dgm:sp3d/>
+    <dgm:txPr/>
+    <dgm:style>
+      <a:lnRef idx="0">
+        <a:scrgbClr r="0" g="0" b="0"/>
+      </a:lnRef>
+      <a:fillRef idx="1">
+        <a:scrgbClr r="0" g="0" b="0"/>
+      </a:fillRef>
+      <a:effectRef idx="0">
+        <a:scrgbClr r="0" g="0" b="0"/>
+      </a:effectRef>
+      <a:fontRef idx="minor"/>
+    </dgm:style>
+  </dgm:styleLbl>
+  <dgm:styleLbl name="trBgShp">
+    <dgm:scene3d>
+      <a:camera prst="orthographicFront"/>
+      <a:lightRig rig="threePt" dir="t"/>
+    </dgm:scene3d>
+    <dgm:sp3d/>
+    <dgm:txPr/>
+    <dgm:style>
+      <a:lnRef idx="0">
+        <a:scrgbClr r="0" g="0" b="0"/>
+      </a:lnRef>
+      <a:fillRef idx="1">
+        <a:scrgbClr r="0" g="0" b="0"/>
+      </a:fillRef>
+      <a:effectRef idx="0">
+        <a:scrgbClr r="0" g="0" b="0"/>
+      </a:effectRef>
+      <a:fontRef idx="minor"/>
+    </dgm:style>
+  </dgm:styleLbl>
+  <dgm:styleLbl name="fgShp">
+    <dgm:scene3d>
+      <a:camera prst="orthographicFront"/>
+      <a:lightRig rig="threePt" dir="t"/>
+    </dgm:scene3d>
+    <dgm:sp3d/>
+    <dgm:txPr/>
+    <dgm:style>
+      <a:lnRef idx="2">
+        <a:scrgbClr r="0" g="0" b="0"/>
+      </a:lnRef>
+      <a:fillRef idx="1">
+        <a:scrgbClr r="0" g="0" b="0"/>
+      </a:fillRef>
+      <a:effectRef idx="0">
+        <a:scrgbClr r="0" g="0" b="0"/>
+      </a:effectRef>
+      <a:fontRef idx="minor"/>
+    </dgm:style>
+  </dgm:styleLbl>
+  <dgm:styleLbl name="revTx">
+    <dgm:scene3d>
+      <a:camera prst="orthographicFront"/>
+      <a:lightRig rig="threePt" dir="t"/>
+    </dgm:scene3d>
+    <dgm:sp3d/>
+    <dgm:txPr/>
+    <dgm:style>
+      <a:lnRef idx="0">
+        <a:scrgbClr r="0" g="0" b="0"/>
+      </a:lnRef>
+      <a:fillRef idx="0">
+        <a:scrgbClr r="0" g="0" b="0"/>
+      </a:fillRef>
+      <a:effectRef idx="0">
+        <a:scrgbClr r="0" g="0" b="0"/>
+      </a:effectRef>
+      <a:fontRef idx="minor"/>
+    </dgm:style>
+  </dgm:styleLbl>
+</dgm:styleDef>
+</file>
+
 <file path=ppt/slideLayouts/slideLayout1.xml><?xml version="1.0" encoding="utf-8"?>
 <p:sldLayout xmlns:a="http://schemas.openxmlformats.org/drawingml/2006/main" xmlns:r="http://schemas.openxmlformats.org/officeDocument/2006/relationships" xmlns:p="http://schemas.openxmlformats.org/presentationml/2006/main" type="title" preserve="1">
   <p:cSld name="Title Slide">
@@ -350,6 +3208,18 @@
   <p:clrMapOvr>
     <a:masterClrMapping/>
   </p:clrMapOvr>
+  <mc:AlternateContent xmlns:mc="http://schemas.openxmlformats.org/markup-compatibility/2006">
+    <mc:Choice xmlns:p14="http://schemas.microsoft.com/office/powerpoint/2010/main" Requires="p14">
+      <p:transition spd="slow" p14:dur="1500">
+        <p:split orient="vert"/>
+      </p:transition>
+    </mc:Choice>
+    <mc:Fallback>
+      <p:transition spd="slow">
+        <p:split orient="vert"/>
+      </p:transition>
+    </mc:Fallback>
+  </mc:AlternateContent>
 </p:sldLayout>
 </file>
 
@@ -548,6 +3418,18 @@
   <p:clrMapOvr>
     <a:masterClrMapping/>
   </p:clrMapOvr>
+  <mc:AlternateContent xmlns:mc="http://schemas.openxmlformats.org/markup-compatibility/2006">
+    <mc:Choice xmlns:p14="http://schemas.microsoft.com/office/powerpoint/2010/main" Requires="p14">
+      <p:transition spd="slow" p14:dur="1500">
+        <p:split orient="vert"/>
+      </p:transition>
+    </mc:Choice>
+    <mc:Fallback>
+      <p:transition spd="slow">
+        <p:split orient="vert"/>
+      </p:transition>
+    </mc:Fallback>
+  </mc:AlternateContent>
 </p:sldLayout>
 </file>
 
@@ -756,6 +3638,18 @@
   <p:clrMapOvr>
     <a:masterClrMapping/>
   </p:clrMapOvr>
+  <mc:AlternateContent xmlns:mc="http://schemas.openxmlformats.org/markup-compatibility/2006">
+    <mc:Choice xmlns:p14="http://schemas.microsoft.com/office/powerpoint/2010/main" Requires="p14">
+      <p:transition spd="slow" p14:dur="1500">
+        <p:split orient="vert"/>
+      </p:transition>
+    </mc:Choice>
+    <mc:Fallback>
+      <p:transition spd="slow">
+        <p:split orient="vert"/>
+      </p:transition>
+    </mc:Fallback>
+  </mc:AlternateContent>
 </p:sldLayout>
 </file>
 
@@ -959,6 +3853,18 @@
   <p:clrMapOvr>
     <a:masterClrMapping/>
   </p:clrMapOvr>
+  <mc:AlternateContent xmlns:mc="http://schemas.openxmlformats.org/markup-compatibility/2006">
+    <mc:Choice xmlns:p14="http://schemas.microsoft.com/office/powerpoint/2010/main" Requires="p14">
+      <p:transition spd="slow" p14:dur="1500">
+        <p:split orient="vert"/>
+      </p:transition>
+    </mc:Choice>
+    <mc:Fallback>
+      <p:transition spd="slow">
+        <p:split orient="vert"/>
+      </p:transition>
+    </mc:Fallback>
+  </mc:AlternateContent>
 </p:sldLayout>
 </file>
 
@@ -1233,6 +4139,18 @@
   <p:clrMapOvr>
     <a:masterClrMapping/>
   </p:clrMapOvr>
+  <mc:AlternateContent xmlns:mc="http://schemas.openxmlformats.org/markup-compatibility/2006">
+    <mc:Choice xmlns:p14="http://schemas.microsoft.com/office/powerpoint/2010/main" Requires="p14">
+      <p:transition spd="slow" p14:dur="1500">
+        <p:split orient="vert"/>
+      </p:transition>
+    </mc:Choice>
+    <mc:Fallback>
+      <p:transition spd="slow">
+        <p:split orient="vert"/>
+      </p:transition>
+    </mc:Fallback>
+  </mc:AlternateContent>
 </p:sldLayout>
 </file>
 
@@ -1503,6 +4421,18 @@
   <p:clrMapOvr>
     <a:masterClrMapping/>
   </p:clrMapOvr>
+  <mc:AlternateContent xmlns:mc="http://schemas.openxmlformats.org/markup-compatibility/2006">
+    <mc:Choice xmlns:p14="http://schemas.microsoft.com/office/powerpoint/2010/main" Requires="p14">
+      <p:transition spd="slow" p14:dur="1500">
+        <p:split orient="vert"/>
+      </p:transition>
+    </mc:Choice>
+    <mc:Fallback>
+      <p:transition spd="slow">
+        <p:split orient="vert"/>
+      </p:transition>
+    </mc:Fallback>
+  </mc:AlternateContent>
 </p:sldLayout>
 </file>
 
@@ -1916,6 +4846,18 @@
   <p:clrMapOvr>
     <a:masterClrMapping/>
   </p:clrMapOvr>
+  <mc:AlternateContent xmlns:mc="http://schemas.openxmlformats.org/markup-compatibility/2006">
+    <mc:Choice xmlns:p14="http://schemas.microsoft.com/office/powerpoint/2010/main" Requires="p14">
+      <p:transition spd="slow" p14:dur="1500">
+        <p:split orient="vert"/>
+      </p:transition>
+    </mc:Choice>
+    <mc:Fallback>
+      <p:transition spd="slow">
+        <p:split orient="vert"/>
+      </p:transition>
+    </mc:Fallback>
+  </mc:AlternateContent>
 </p:sldLayout>
 </file>
 
@@ -2062,6 +5004,18 @@
   <p:clrMapOvr>
     <a:masterClrMapping/>
   </p:clrMapOvr>
+  <mc:AlternateContent xmlns:mc="http://schemas.openxmlformats.org/markup-compatibility/2006">
+    <mc:Choice xmlns:p14="http://schemas.microsoft.com/office/powerpoint/2010/main" Requires="p14">
+      <p:transition spd="slow" p14:dur="1500">
+        <p:split orient="vert"/>
+      </p:transition>
+    </mc:Choice>
+    <mc:Fallback>
+      <p:transition spd="slow">
+        <p:split orient="vert"/>
+      </p:transition>
+    </mc:Fallback>
+  </mc:AlternateContent>
 </p:sldLayout>
 </file>
 
@@ -2175,6 +5129,18 @@
   <p:clrMapOvr>
     <a:masterClrMapping/>
   </p:clrMapOvr>
+  <mc:AlternateContent xmlns:mc="http://schemas.openxmlformats.org/markup-compatibility/2006">
+    <mc:Choice xmlns:p14="http://schemas.microsoft.com/office/powerpoint/2010/main" Requires="p14">
+      <p:transition spd="slow" p14:dur="1500">
+        <p:split orient="vert"/>
+      </p:transition>
+    </mc:Choice>
+    <mc:Fallback>
+      <p:transition spd="slow">
+        <p:split orient="vert"/>
+      </p:transition>
+    </mc:Fallback>
+  </mc:AlternateContent>
 </p:sldLayout>
 </file>
 
@@ -2486,6 +5452,18 @@
   <p:clrMapOvr>
     <a:masterClrMapping/>
   </p:clrMapOvr>
+  <mc:AlternateContent xmlns:mc="http://schemas.openxmlformats.org/markup-compatibility/2006">
+    <mc:Choice xmlns:p14="http://schemas.microsoft.com/office/powerpoint/2010/main" Requires="p14">
+      <p:transition spd="slow" p14:dur="1500">
+        <p:split orient="vert"/>
+      </p:transition>
+    </mc:Choice>
+    <mc:Fallback>
+      <p:transition spd="slow">
+        <p:split orient="vert"/>
+      </p:transition>
+    </mc:Fallback>
+  </mc:AlternateContent>
 </p:sldLayout>
 </file>
 
@@ -2777,6 +5755,18 @@
   <p:clrMapOvr>
     <a:masterClrMapping/>
   </p:clrMapOvr>
+  <mc:AlternateContent xmlns:mc="http://schemas.openxmlformats.org/markup-compatibility/2006">
+    <mc:Choice xmlns:p14="http://schemas.microsoft.com/office/powerpoint/2010/main" Requires="p14">
+      <p:transition spd="slow" p14:dur="1500">
+        <p:split orient="vert"/>
+      </p:transition>
+    </mc:Choice>
+    <mc:Fallback>
+      <p:transition spd="slow">
+        <p:split orient="vert"/>
+      </p:transition>
+    </mc:Fallback>
+  </mc:AlternateContent>
 </p:sldLayout>
 </file>
 
@@ -3173,6 +6163,18 @@
     <p:sldLayoutId id="2147483669" r:id="rId10"/>
     <p:sldLayoutId id="2147483670" r:id="rId11"/>
   </p:sldLayoutIdLst>
+  <mc:AlternateContent xmlns:mc="http://schemas.openxmlformats.org/markup-compatibility/2006">
+    <mc:Choice xmlns:p14="http://schemas.microsoft.com/office/powerpoint/2010/main" Requires="p14">
+      <p:transition spd="slow" p14:dur="1500">
+        <p:split orient="vert"/>
+      </p:transition>
+    </mc:Choice>
+    <mc:Fallback>
+      <p:transition spd="slow">
+        <p:split orient="vert"/>
+      </p:transition>
+    </mc:Fallback>
+  </mc:AlternateContent>
   <p:hf sldNum="0" hdr="0" ftr="0" dt="0"/>
   <p:txStyles>
     <p:titleStyle>
@@ -3869,12 +6871,32 @@
   <p:clrMapOvr>
     <a:masterClrMapping/>
   </p:clrMapOvr>
+  <mc:AlternateContent xmlns:mc="http://schemas.openxmlformats.org/markup-compatibility/2006">
+    <mc:Choice xmlns:p14="http://schemas.microsoft.com/office/powerpoint/2010/main" Requires="p14">
+      <p:transition spd="slow" p14:dur="1500">
+        <p:split orient="vert"/>
+      </p:transition>
+    </mc:Choice>
+    <mc:Fallback>
+      <p:transition spd="slow">
+        <p:split orient="vert"/>
+      </p:transition>
+    </mc:Fallback>
+  </mc:AlternateContent>
 </p:sld>
 </file>
 
 <file path=ppt/slides/slide2.xml><?xml version="1.0" encoding="utf-8"?>
 <p:sld xmlns:a="http://schemas.openxmlformats.org/drawingml/2006/main" xmlns:r="http://schemas.openxmlformats.org/officeDocument/2006/relationships" xmlns:p="http://schemas.openxmlformats.org/presentationml/2006/main">
   <p:cSld>
+    <p:bg>
+      <p:bgPr>
+        <a:solidFill>
+          <a:schemeClr val="bg1"/>
+        </a:solidFill>
+        <a:effectLst/>
+      </p:bgPr>
+    </p:bg>
     <p:spTree>
       <p:nvGrpSpPr>
         <p:cNvPr id="1" name=""/>
@@ -3889,6 +6911,287 @@
           <a:chExt cx="0" cy="0"/>
         </a:xfrm>
       </p:grpSpPr>
+      <p:sp useBgFill="1">
+        <p:nvSpPr>
+          <p:cNvPr id="9" name="Rectangle 8">
+            <a:extLst>
+              <a:ext uri="{FF2B5EF4-FFF2-40B4-BE49-F238E27FC236}">
+                <a16:creationId xmlns:a16="http://schemas.microsoft.com/office/drawing/2014/main" id="{43A9B7B3-F171-4C25-99FC-C54250F0649B}"/>
+              </a:ext>
+              <a:ext uri="{C183D7F6-B498-43B3-948B-1728B52AA6E4}">
+                <adec:decorative xmlns:adec="http://schemas.microsoft.com/office/drawing/2017/decorative" val="1"/>
+              </a:ext>
+            </a:extLst>
+          </p:cNvPr>
+          <p:cNvSpPr>
+            <a:spLocks noGrp="1" noRot="1" noChangeAspect="1" noMove="1" noResize="1" noEditPoints="1" noAdjustHandles="1" noChangeArrowheads="1" noChangeShapeType="1" noTextEdit="1"/>
+          </p:cNvSpPr>
+          <p:nvPr>
+            <p:extLst>
+              <p:ext uri="{386F3935-93C4-4BCD-93E2-E3B085C9AB24}">
+                <p16:designElem xmlns:p16="http://schemas.microsoft.com/office/powerpoint/2015/main" val="1"/>
+              </p:ext>
+            </p:extLst>
+          </p:nvPr>
+        </p:nvSpPr>
+        <p:spPr>
+          <a:xfrm>
+            <a:off x="0" y="0"/>
+            <a:ext cx="12188952" cy="6858000"/>
+          </a:xfrm>
+          <a:prstGeom prst="rect">
+            <a:avLst/>
+          </a:prstGeom>
+          <a:ln>
+            <a:noFill/>
+          </a:ln>
+        </p:spPr>
+        <p:style>
+          <a:lnRef idx="2">
+            <a:schemeClr val="accent1">
+              <a:shade val="50000"/>
+            </a:schemeClr>
+          </a:lnRef>
+          <a:fillRef idx="1">
+            <a:schemeClr val="accent1"/>
+          </a:fillRef>
+          <a:effectRef idx="0">
+            <a:schemeClr val="accent1"/>
+          </a:effectRef>
+          <a:fontRef idx="minor">
+            <a:schemeClr val="lt1"/>
+          </a:fontRef>
+        </p:style>
+        <p:txBody>
+          <a:bodyPr rtlCol="0" anchor="ctr"/>
+          <a:lstStyle/>
+          <a:p>
+            <a:pPr algn="ctr"/>
+            <a:endParaRPr lang="en-US" dirty="0">
+              <a:solidFill>
+                <a:schemeClr val="tx1">
+                  <a:lumMod val="65000"/>
+                  <a:lumOff val="35000"/>
+                </a:schemeClr>
+              </a:solidFill>
+              <a:latin typeface="AvenirNext LT Pro Medium" panose="020B0504020202020204" pitchFamily="34" charset="0"/>
+            </a:endParaRPr>
+          </a:p>
+        </p:txBody>
+      </p:sp>
+      <p:sp>
+        <p:nvSpPr>
+          <p:cNvPr id="11" name="Rectangle 10">
+            <a:extLst>
+              <a:ext uri="{FF2B5EF4-FFF2-40B4-BE49-F238E27FC236}">
+                <a16:creationId xmlns:a16="http://schemas.microsoft.com/office/drawing/2014/main" id="{D2D5C7C5-9C27-4A61-9F57-1857D45320FD}"/>
+              </a:ext>
+              <a:ext uri="{C183D7F6-B498-43B3-948B-1728B52AA6E4}">
+                <adec:decorative xmlns:adec="http://schemas.microsoft.com/office/drawing/2017/decorative" val="1"/>
+              </a:ext>
+            </a:extLst>
+          </p:cNvPr>
+          <p:cNvSpPr>
+            <a:spLocks noGrp="1" noRot="1" noChangeAspect="1" noMove="1" noResize="1" noEditPoints="1" noAdjustHandles="1" noChangeArrowheads="1" noChangeShapeType="1" noTextEdit="1"/>
+          </p:cNvSpPr>
+          <p:nvPr>
+            <p:extLst>
+              <p:ext uri="{386F3935-93C4-4BCD-93E2-E3B085C9AB24}">
+                <p16:designElem xmlns:p16="http://schemas.microsoft.com/office/powerpoint/2015/main" val="1"/>
+              </p:ext>
+            </p:extLst>
+          </p:nvPr>
+        </p:nvSpPr>
+        <p:spPr>
+          <a:xfrm>
+            <a:off x="3048" y="0"/>
+            <a:ext cx="12188952" cy="6858000"/>
+          </a:xfrm>
+          <a:prstGeom prst="rect">
+            <a:avLst/>
+          </a:prstGeom>
+          <a:solidFill>
+            <a:schemeClr val="bg2">
+              <a:alpha val="70000"/>
+            </a:schemeClr>
+          </a:solidFill>
+          <a:ln>
+            <a:noFill/>
+          </a:ln>
+        </p:spPr>
+        <p:style>
+          <a:lnRef idx="2">
+            <a:schemeClr val="accent1">
+              <a:shade val="50000"/>
+            </a:schemeClr>
+          </a:lnRef>
+          <a:fillRef idx="1">
+            <a:schemeClr val="accent1"/>
+          </a:fillRef>
+          <a:effectRef idx="0">
+            <a:schemeClr val="accent1"/>
+          </a:effectRef>
+          <a:fontRef idx="minor">
+            <a:schemeClr val="lt1"/>
+          </a:fontRef>
+        </p:style>
+        <p:txBody>
+          <a:bodyPr rtlCol="0" anchor="ctr"/>
+          <a:lstStyle/>
+          <a:p>
+            <a:pPr algn="ctr"/>
+            <a:endParaRPr lang="en-US">
+              <a:solidFill>
+                <a:schemeClr val="tx1">
+                  <a:lumMod val="65000"/>
+                  <a:lumOff val="35000"/>
+                </a:schemeClr>
+              </a:solidFill>
+              <a:latin typeface="AvenirNext LT Pro Medium" panose="020B0504020202020204" pitchFamily="34" charset="0"/>
+            </a:endParaRPr>
+          </a:p>
+        </p:txBody>
+      </p:sp>
+      <p:sp>
+        <p:nvSpPr>
+          <p:cNvPr id="13" name="Rectangle 12">
+            <a:extLst>
+              <a:ext uri="{FF2B5EF4-FFF2-40B4-BE49-F238E27FC236}">
+                <a16:creationId xmlns:a16="http://schemas.microsoft.com/office/drawing/2014/main" id="{84B9546E-20BE-462C-8BE8-4EBDB46F8651}"/>
+              </a:ext>
+              <a:ext uri="{C183D7F6-B498-43B3-948B-1728B52AA6E4}">
+                <adec:decorative xmlns:adec="http://schemas.microsoft.com/office/drawing/2017/decorative" val="1"/>
+              </a:ext>
+            </a:extLst>
+          </p:cNvPr>
+          <p:cNvSpPr>
+            <a:spLocks noGrp="1" noRot="1" noChangeAspect="1" noMove="1" noResize="1" noEditPoints="1" noAdjustHandles="1" noChangeArrowheads="1" noChangeShapeType="1" noTextEdit="1"/>
+          </p:cNvSpPr>
+          <p:nvPr>
+            <p:extLst>
+              <p:ext uri="{386F3935-93C4-4BCD-93E2-E3B085C9AB24}">
+                <p16:designElem xmlns:p16="http://schemas.microsoft.com/office/powerpoint/2015/main" val="1"/>
+              </p:ext>
+            </p:extLst>
+          </p:nvPr>
+        </p:nvSpPr>
+        <p:spPr>
+          <a:xfrm>
+            <a:off x="0" y="0"/>
+            <a:ext cx="12192000" cy="2225674"/>
+          </a:xfrm>
+          <a:prstGeom prst="rect">
+            <a:avLst/>
+          </a:prstGeom>
+          <a:solidFill>
+            <a:schemeClr val="tx2">
+              <a:lumMod val="90000"/>
+              <a:lumOff val="10000"/>
+            </a:schemeClr>
+          </a:solidFill>
+          <a:ln>
+            <a:noFill/>
+          </a:ln>
+        </p:spPr>
+        <p:style>
+          <a:lnRef idx="2">
+            <a:schemeClr val="accent1">
+              <a:shade val="50000"/>
+            </a:schemeClr>
+          </a:lnRef>
+          <a:fillRef idx="1">
+            <a:schemeClr val="accent1"/>
+          </a:fillRef>
+          <a:effectRef idx="0">
+            <a:schemeClr val="accent1"/>
+          </a:effectRef>
+          <a:fontRef idx="minor">
+            <a:schemeClr val="lt1"/>
+          </a:fontRef>
+        </p:style>
+        <p:txBody>
+          <a:bodyPr rtlCol="0" anchor="ctr"/>
+          <a:lstStyle/>
+          <a:p>
+            <a:pPr algn="ctr"/>
+            <a:endParaRPr lang="en-US" dirty="0"/>
+          </a:p>
+        </p:txBody>
+      </p:sp>
+      <p:sp>
+        <p:nvSpPr>
+          <p:cNvPr id="15" name="Rectangle 14">
+            <a:extLst>
+              <a:ext uri="{FF2B5EF4-FFF2-40B4-BE49-F238E27FC236}">
+                <a16:creationId xmlns:a16="http://schemas.microsoft.com/office/drawing/2014/main" id="{DFE5D2E8-C366-48AC-97AE-18C67E4EF969}"/>
+              </a:ext>
+              <a:ext uri="{C183D7F6-B498-43B3-948B-1728B52AA6E4}">
+                <adec:decorative xmlns:adec="http://schemas.microsoft.com/office/drawing/2017/decorative" val="1"/>
+              </a:ext>
+            </a:extLst>
+          </p:cNvPr>
+          <p:cNvSpPr>
+            <a:spLocks noGrp="1" noRot="1" noChangeAspect="1" noMove="1" noResize="1" noEditPoints="1" noAdjustHandles="1" noChangeArrowheads="1" noChangeShapeType="1" noTextEdit="1"/>
+          </p:cNvSpPr>
+          <p:nvPr>
+            <p:extLst>
+              <p:ext uri="{386F3935-93C4-4BCD-93E2-E3B085C9AB24}">
+                <p16:designElem xmlns:p16="http://schemas.microsoft.com/office/powerpoint/2015/main" val="1"/>
+              </p:ext>
+            </p:extLst>
+          </p:nvPr>
+        </p:nvSpPr>
+        <p:spPr>
+          <a:xfrm>
+            <a:off x="1524" y="0"/>
+            <a:ext cx="12188952" cy="2225674"/>
+          </a:xfrm>
+          <a:prstGeom prst="rect">
+            <a:avLst/>
+          </a:prstGeom>
+          <a:blipFill dpi="0" rotWithShape="1">
+            <a:blip r:embed="rId2">
+              <a:alphaModFix amt="20000"/>
+              <a:duotone>
+                <a:schemeClr val="accent1">
+                  <a:shade val="45000"/>
+                  <a:satMod val="135000"/>
+                </a:schemeClr>
+                <a:prstClr val="white"/>
+              </a:duotone>
+            </a:blip>
+            <a:srcRect/>
+            <a:tile tx="889000" ty="0" sx="100000" sy="100000" flip="none" algn="tl"/>
+          </a:blipFill>
+          <a:ln>
+            <a:noFill/>
+          </a:ln>
+        </p:spPr>
+        <p:style>
+          <a:lnRef idx="2">
+            <a:schemeClr val="accent1">
+              <a:shade val="50000"/>
+            </a:schemeClr>
+          </a:lnRef>
+          <a:fillRef idx="1">
+            <a:schemeClr val="accent1"/>
+          </a:fillRef>
+          <a:effectRef idx="0">
+            <a:schemeClr val="accent1"/>
+          </a:effectRef>
+          <a:fontRef idx="minor">
+            <a:schemeClr val="lt1"/>
+          </a:fontRef>
+        </p:style>
+        <p:txBody>
+          <a:bodyPr rtlCol="0" anchor="ctr"/>
+          <a:lstStyle/>
+          <a:p>
+            <a:pPr algn="ctr"/>
+            <a:endParaRPr lang="en-US" dirty="0"/>
+          </a:p>
+        </p:txBody>
+      </p:sp>
       <p:sp>
         <p:nvSpPr>
           <p:cNvPr id="2" name="Заголовок 1">
@@ -3905,40 +7208,57 @@
             <p:ph type="title"/>
           </p:nvPr>
         </p:nvSpPr>
-        <p:spPr/>
+        <p:spPr>
+          <a:xfrm>
+            <a:off x="1198182" y="381000"/>
+            <a:ext cx="10003218" cy="1600124"/>
+          </a:xfrm>
+        </p:spPr>
         <p:txBody>
-          <a:bodyPr/>
+          <a:bodyPr>
+            <a:normAutofit/>
+          </a:bodyPr>
           <a:lstStyle/>
           <a:p>
-            <a:endParaRPr lang="ru-RU"/>
+            <a:pPr algn="ctr"/>
+            <a:r>
+              <a:rPr lang="ru-RU" sz="4800" dirty="0"/>
+              <a:t>ВВЕДЕНИЕ</a:t>
+            </a:r>
           </a:p>
         </p:txBody>
       </p:sp>
-      <p:sp>
-        <p:nvSpPr>
-          <p:cNvPr id="3" name="Объект 2">
-            <a:extLst>
-              <a:ext uri="{FF2B5EF4-FFF2-40B4-BE49-F238E27FC236}">
-                <a16:creationId xmlns:a16="http://schemas.microsoft.com/office/drawing/2014/main" id="{CD8EBE84-990C-4A3D-8B94-2F0BDC54D0F1}"/>
-              </a:ext>
-            </a:extLst>
-          </p:cNvPr>
-          <p:cNvSpPr>
-            <a:spLocks noGrp="1"/>
-          </p:cNvSpPr>
+      <p:graphicFrame>
+        <p:nvGraphicFramePr>
+          <p:cNvPr id="5" name="Объект 2">
+            <a:extLst>
+              <a:ext uri="{FF2B5EF4-FFF2-40B4-BE49-F238E27FC236}">
+                <a16:creationId xmlns:a16="http://schemas.microsoft.com/office/drawing/2014/main" id="{AB9161B5-4EFA-4CC3-B3F8-6A527065BE6A}"/>
+              </a:ext>
+            </a:extLst>
+          </p:cNvPr>
+          <p:cNvGraphicFramePr>
+            <a:graphicFrameLocks noGrp="1"/>
+          </p:cNvGraphicFramePr>
           <p:nvPr>
             <p:ph idx="1"/>
+            <p:extLst>
+              <p:ext uri="{D42A27DB-BD31-4B8C-83A1-F6EECF244321}">
+                <p14:modId xmlns:p14="http://schemas.microsoft.com/office/powerpoint/2010/main" val="1955239397"/>
+              </p:ext>
+            </p:extLst>
           </p:nvPr>
-        </p:nvSpPr>
-        <p:spPr/>
-        <p:txBody>
-          <a:bodyPr/>
-          <a:lstStyle/>
-          <a:p>
-            <a:endParaRPr lang="ru-RU"/>
-          </a:p>
-        </p:txBody>
-      </p:sp>
+        </p:nvGraphicFramePr>
+        <p:xfrm>
+          <a:off x="838200" y="2514600"/>
+          <a:ext cx="10515600" cy="3662363"/>
+        </p:xfrm>
+        <a:graphic>
+          <a:graphicData uri="http://schemas.openxmlformats.org/drawingml/2006/diagram">
+            <dgm:relIds xmlns:dgm="http://schemas.openxmlformats.org/drawingml/2006/diagram" xmlns:r="http://schemas.openxmlformats.org/officeDocument/2006/relationships" r:dm="rId3" r:lo="rId4" r:qs="rId5" r:cs="rId6"/>
+          </a:graphicData>
+        </a:graphic>
+      </p:graphicFrame>
     </p:spTree>
     <p:extLst>
       <p:ext uri="{BB962C8B-B14F-4D97-AF65-F5344CB8AC3E}">
@@ -3949,6 +7269,18 @@
   <p:clrMapOvr>
     <a:masterClrMapping/>
   </p:clrMapOvr>
+  <mc:AlternateContent xmlns:mc="http://schemas.openxmlformats.org/markup-compatibility/2006">
+    <mc:Choice xmlns:p14="http://schemas.microsoft.com/office/powerpoint/2010/main" Requires="p14">
+      <p:transition spd="slow" p14:dur="1500">
+        <p:split orient="vert"/>
+      </p:transition>
+    </mc:Choice>
+    <mc:Fallback>
+      <p:transition spd="slow">
+        <p:split orient="vert"/>
+      </p:transition>
+    </mc:Fallback>
+  </mc:AlternateContent>
 </p:sld>
 </file>
 
@@ -3969,56 +7301,42 @@
           <a:chExt cx="0" cy="0"/>
         </a:xfrm>
       </p:grpSpPr>
-      <p:sp>
-        <p:nvSpPr>
-          <p:cNvPr id="2" name="Заголовок 1">
-            <a:extLst>
-              <a:ext uri="{FF2B5EF4-FFF2-40B4-BE49-F238E27FC236}">
-                <a16:creationId xmlns:a16="http://schemas.microsoft.com/office/drawing/2014/main" id="{A6C40028-37DE-4BC7-B771-BE82CD91EB7B}"/>
-              </a:ext>
-            </a:extLst>
-          </p:cNvPr>
-          <p:cNvSpPr>
-            <a:spLocks noGrp="1"/>
-          </p:cNvSpPr>
-          <p:nvPr>
-            <p:ph type="title"/>
-          </p:nvPr>
-        </p:nvSpPr>
-        <p:spPr/>
-        <p:txBody>
-          <a:bodyPr/>
-          <a:lstStyle/>
-          <a:p>
-            <a:endParaRPr lang="ru-RU"/>
-          </a:p>
-        </p:txBody>
-      </p:sp>
-      <p:sp>
-        <p:nvSpPr>
-          <p:cNvPr id="3" name="Объект 2">
-            <a:extLst>
-              <a:ext uri="{FF2B5EF4-FFF2-40B4-BE49-F238E27FC236}">
-                <a16:creationId xmlns:a16="http://schemas.microsoft.com/office/drawing/2014/main" id="{4F4547C6-FB68-4140-974A-8DB2837463FE}"/>
-              </a:ext>
-            </a:extLst>
-          </p:cNvPr>
-          <p:cNvSpPr>
-            <a:spLocks noGrp="1"/>
-          </p:cNvSpPr>
-          <p:nvPr>
-            <p:ph idx="1"/>
-          </p:nvPr>
-        </p:nvSpPr>
-        <p:spPr/>
-        <p:txBody>
-          <a:bodyPr/>
-          <a:lstStyle/>
-          <a:p>
-            <a:endParaRPr lang="ru-RU"/>
-          </a:p>
-        </p:txBody>
-      </p:sp>
+      <p:pic>
+        <p:nvPicPr>
+          <p:cNvPr id="5" name="Рисунок 4">
+            <a:extLst>
+              <a:ext uri="{FF2B5EF4-FFF2-40B4-BE49-F238E27FC236}">
+                <a16:creationId xmlns:a16="http://schemas.microsoft.com/office/drawing/2014/main" id="{EC9E2369-B919-4356-A1C8-5B4D563211B2}"/>
+              </a:ext>
+            </a:extLst>
+          </p:cNvPr>
+          <p:cNvPicPr>
+            <a:picLocks noChangeAspect="1"/>
+          </p:cNvPicPr>
+          <p:nvPr/>
+        </p:nvPicPr>
+        <p:blipFill>
+          <a:blip r:embed="rId2">
+            <a:extLst>
+              <a:ext uri="{28A0092B-C50C-407E-A947-70E740481C1C}">
+                <a14:useLocalDpi xmlns:a14="http://schemas.microsoft.com/office/drawing/2010/main" val="0"/>
+              </a:ext>
+            </a:extLst>
+          </a:blip>
+          <a:stretch>
+            <a:fillRect/>
+          </a:stretch>
+        </p:blipFill>
+        <p:spPr>
+          <a:xfrm>
+            <a:off x="437744" y="18426"/>
+            <a:ext cx="11391090" cy="6839574"/>
+          </a:xfrm>
+          <a:prstGeom prst="rect">
+            <a:avLst/>
+          </a:prstGeom>
+        </p:spPr>
+      </p:pic>
     </p:spTree>
     <p:extLst>
       <p:ext uri="{BB962C8B-B14F-4D97-AF65-F5344CB8AC3E}">
@@ -4029,6 +7347,18 @@
   <p:clrMapOvr>
     <a:masterClrMapping/>
   </p:clrMapOvr>
+  <mc:AlternateContent xmlns:mc="http://schemas.openxmlformats.org/markup-compatibility/2006">
+    <mc:Choice xmlns:p14="http://schemas.microsoft.com/office/powerpoint/2010/main" Requires="p14">
+      <p:transition spd="slow" p14:dur="1500">
+        <p:split orient="vert"/>
+      </p:transition>
+    </mc:Choice>
+    <mc:Fallback>
+      <p:transition spd="slow">
+        <p:split orient="vert"/>
+      </p:transition>
+    </mc:Fallback>
+  </mc:AlternateContent>
 </p:sld>
 </file>
 
@@ -4051,31 +7381,6 @@
       </p:grpSpPr>
       <p:sp>
         <p:nvSpPr>
-          <p:cNvPr id="2" name="Заголовок 1">
-            <a:extLst>
-              <a:ext uri="{FF2B5EF4-FFF2-40B4-BE49-F238E27FC236}">
-                <a16:creationId xmlns:a16="http://schemas.microsoft.com/office/drawing/2014/main" id="{2E3F5D52-56B1-433D-9F2F-DCC57C9EA420}"/>
-              </a:ext>
-            </a:extLst>
-          </p:cNvPr>
-          <p:cNvSpPr>
-            <a:spLocks noGrp="1"/>
-          </p:cNvSpPr>
-          <p:nvPr>
-            <p:ph type="title"/>
-          </p:nvPr>
-        </p:nvSpPr>
-        <p:spPr/>
-        <p:txBody>
-          <a:bodyPr/>
-          <a:lstStyle/>
-          <a:p>
-            <a:endParaRPr lang="ru-RU"/>
-          </a:p>
-        </p:txBody>
-      </p:sp>
-      <p:sp>
-        <p:nvSpPr>
           <p:cNvPr id="3" name="Объект 2">
             <a:extLst>
               <a:ext uri="{FF2B5EF4-FFF2-40B4-BE49-F238E27FC236}">
@@ -4090,15 +7395,314 @@
             <p:ph idx="1"/>
           </p:nvPr>
         </p:nvSpPr>
-        <p:spPr/>
+        <p:spPr>
+          <a:xfrm>
+            <a:off x="0" y="0"/>
+            <a:ext cx="12191999" cy="6777872"/>
+          </a:xfrm>
+        </p:spPr>
         <p:txBody>
           <a:bodyPr/>
           <a:lstStyle/>
           <a:p>
-            <a:endParaRPr lang="ru-RU"/>
+            <a:pPr algn="ctr"/>
+            <a:r>
+              <a:rPr lang="ru-RU" b="1" u="sng" dirty="0"/>
+              <a:t>Интерфейс программы состоит из:</a:t>
+            </a:r>
+          </a:p>
+          <a:p>
+            <a:pPr marL="514350" indent="-514350">
+              <a:buAutoNum type="arabicParenR"/>
+            </a:pPr>
+            <a:r>
+              <a:rPr lang="ru-RU" i="1" dirty="0"/>
+              <a:t>Трёх областей для ввода чисел;</a:t>
+            </a:r>
+          </a:p>
+          <a:p>
+            <a:pPr marL="514350" indent="-514350">
+              <a:buAutoNum type="arabicParenR"/>
+            </a:pPr>
+            <a:endParaRPr lang="ru-RU" dirty="0"/>
+          </a:p>
+          <a:p>
+            <a:pPr marL="514350" indent="-514350">
+              <a:buAutoNum type="arabicParenR"/>
+            </a:pPr>
+            <a:r>
+              <a:rPr lang="ru-RU" i="1" dirty="0"/>
+              <a:t>Области для отображения графика;</a:t>
+            </a:r>
+          </a:p>
+          <a:p>
+            <a:pPr marL="514350" indent="-514350">
+              <a:buAutoNum type="arabicParenR"/>
+            </a:pPr>
+            <a:endParaRPr lang="ru-RU" i="1" dirty="0"/>
+          </a:p>
+          <a:p>
+            <a:pPr marL="514350" indent="-514350">
+              <a:buAutoNum type="arabicParenR"/>
+            </a:pPr>
+            <a:r>
+              <a:rPr lang="ru-RU" i="1" dirty="0"/>
+              <a:t>Из одной кнопки для запуска построения графика;</a:t>
+            </a:r>
+          </a:p>
+          <a:p>
+            <a:pPr marL="514350" indent="-514350">
+              <a:buAutoNum type="arabicParenR"/>
+            </a:pPr>
+            <a:endParaRPr lang="ru-RU" i="1" dirty="0"/>
+          </a:p>
+          <a:p>
+            <a:pPr marL="514350" indent="-514350">
+              <a:buAutoNum type="arabicParenR"/>
+            </a:pPr>
+            <a:endParaRPr lang="ru-RU" dirty="0"/>
+          </a:p>
+          <a:p>
+            <a:pPr marL="514350" indent="-514350">
+              <a:buAutoNum type="arabicParenR"/>
+            </a:pPr>
+            <a:endParaRPr lang="ru-RU" dirty="0"/>
+          </a:p>
+          <a:p>
+            <a:pPr marL="514350" indent="-514350">
+              <a:buAutoNum type="arabicParenR"/>
+            </a:pPr>
+            <a:endParaRPr lang="ru-RU" dirty="0"/>
           </a:p>
         </p:txBody>
       </p:sp>
+      <p:pic>
+        <p:nvPicPr>
+          <p:cNvPr id="5" name="Рисунок 4">
+            <a:extLst>
+              <a:ext uri="{FF2B5EF4-FFF2-40B4-BE49-F238E27FC236}">
+                <a16:creationId xmlns:a16="http://schemas.microsoft.com/office/drawing/2014/main" id="{57989D0D-E8F4-44F6-BC10-D203720F9DAE}"/>
+              </a:ext>
+            </a:extLst>
+          </p:cNvPr>
+          <p:cNvPicPr>
+            <a:picLocks noChangeAspect="1"/>
+          </p:cNvPicPr>
+          <p:nvPr/>
+        </p:nvPicPr>
+        <p:blipFill>
+          <a:blip r:embed="rId2">
+            <a:extLst>
+              <a:ext uri="{28A0092B-C50C-407E-A947-70E740481C1C}">
+                <a14:useLocalDpi xmlns:a14="http://schemas.microsoft.com/office/drawing/2010/main" val="0"/>
+              </a:ext>
+            </a:extLst>
+          </a:blip>
+          <a:stretch>
+            <a:fillRect/>
+          </a:stretch>
+        </p:blipFill>
+        <p:spPr>
+          <a:xfrm>
+            <a:off x="1642289" y="1366749"/>
+            <a:ext cx="9648075" cy="508446"/>
+          </a:xfrm>
+          <a:prstGeom prst="rect">
+            <a:avLst/>
+          </a:prstGeom>
+        </p:spPr>
+      </p:pic>
+      <p:cxnSp>
+        <p:nvCxnSpPr>
+          <p:cNvPr id="10" name="Прямая со стрелкой 9">
+            <a:extLst>
+              <a:ext uri="{FF2B5EF4-FFF2-40B4-BE49-F238E27FC236}">
+                <a16:creationId xmlns:a16="http://schemas.microsoft.com/office/drawing/2014/main" id="{D3CBEF82-C277-4DB3-83A4-57D191CF7479}"/>
+              </a:ext>
+            </a:extLst>
+          </p:cNvPr>
+          <p:cNvCxnSpPr/>
+          <p:nvPr/>
+        </p:nvCxnSpPr>
+        <p:spPr>
+          <a:xfrm>
+            <a:off x="2062264" y="1011677"/>
+            <a:ext cx="301557" cy="308680"/>
+          </a:xfrm>
+          <a:prstGeom prst="straightConnector1">
+            <a:avLst/>
+          </a:prstGeom>
+          <a:ln>
+            <a:tailEnd type="triangle"/>
+          </a:ln>
+        </p:spPr>
+        <p:style>
+          <a:lnRef idx="1">
+            <a:schemeClr val="accent1"/>
+          </a:lnRef>
+          <a:fillRef idx="0">
+            <a:schemeClr val="accent1"/>
+          </a:fillRef>
+          <a:effectRef idx="0">
+            <a:schemeClr val="accent1"/>
+          </a:effectRef>
+          <a:fontRef idx="minor">
+            <a:schemeClr val="tx1"/>
+          </a:fontRef>
+        </p:style>
+      </p:cxnSp>
+      <p:cxnSp>
+        <p:nvCxnSpPr>
+          <p:cNvPr id="12" name="Прямая со стрелкой 11">
+            <a:extLst>
+              <a:ext uri="{FF2B5EF4-FFF2-40B4-BE49-F238E27FC236}">
+                <a16:creationId xmlns:a16="http://schemas.microsoft.com/office/drawing/2014/main" id="{26489CCE-02CD-45D7-B802-88C499C8A5A6}"/>
+              </a:ext>
+            </a:extLst>
+          </p:cNvPr>
+          <p:cNvCxnSpPr>
+            <a:cxnSpLocks/>
+          </p:cNvCxnSpPr>
+          <p:nvPr/>
+        </p:nvCxnSpPr>
+        <p:spPr>
+          <a:xfrm>
+            <a:off x="2091446" y="1011677"/>
+            <a:ext cx="4173167" cy="308680"/>
+          </a:xfrm>
+          <a:prstGeom prst="straightConnector1">
+            <a:avLst/>
+          </a:prstGeom>
+          <a:ln>
+            <a:tailEnd type="triangle"/>
+          </a:ln>
+        </p:spPr>
+        <p:style>
+          <a:lnRef idx="1">
+            <a:schemeClr val="accent1"/>
+          </a:lnRef>
+          <a:fillRef idx="0">
+            <a:schemeClr val="accent1"/>
+          </a:fillRef>
+          <a:effectRef idx="0">
+            <a:schemeClr val="accent1"/>
+          </a:effectRef>
+          <a:fontRef idx="minor">
+            <a:schemeClr val="tx1"/>
+          </a:fontRef>
+        </p:style>
+      </p:cxnSp>
+      <p:cxnSp>
+        <p:nvCxnSpPr>
+          <p:cNvPr id="19" name="Прямая со стрелкой 18">
+            <a:extLst>
+              <a:ext uri="{FF2B5EF4-FFF2-40B4-BE49-F238E27FC236}">
+                <a16:creationId xmlns:a16="http://schemas.microsoft.com/office/drawing/2014/main" id="{D7BC7F26-3CD4-4E72-A1DE-8AF953408188}"/>
+              </a:ext>
+            </a:extLst>
+          </p:cNvPr>
+          <p:cNvCxnSpPr/>
+          <p:nvPr/>
+        </p:nvCxnSpPr>
+        <p:spPr>
+          <a:xfrm>
+            <a:off x="2091446" y="1011677"/>
+            <a:ext cx="8171235" cy="308680"/>
+          </a:xfrm>
+          <a:prstGeom prst="straightConnector1">
+            <a:avLst/>
+          </a:prstGeom>
+          <a:ln>
+            <a:tailEnd type="triangle"/>
+          </a:ln>
+        </p:spPr>
+        <p:style>
+          <a:lnRef idx="1">
+            <a:schemeClr val="accent1"/>
+          </a:lnRef>
+          <a:fillRef idx="0">
+            <a:schemeClr val="accent1"/>
+          </a:fillRef>
+          <a:effectRef idx="0">
+            <a:schemeClr val="accent1"/>
+          </a:effectRef>
+          <a:fontRef idx="minor">
+            <a:schemeClr val="tx1"/>
+          </a:fontRef>
+        </p:style>
+      </p:cxnSp>
+      <p:pic>
+        <p:nvPicPr>
+          <p:cNvPr id="21" name="Рисунок 20">
+            <a:extLst>
+              <a:ext uri="{FF2B5EF4-FFF2-40B4-BE49-F238E27FC236}">
+                <a16:creationId xmlns:a16="http://schemas.microsoft.com/office/drawing/2014/main" id="{B050CCA3-D855-459E-940E-A536F2FF67E0}"/>
+              </a:ext>
+            </a:extLst>
+          </p:cNvPr>
+          <p:cNvPicPr>
+            <a:picLocks noChangeAspect="1"/>
+          </p:cNvPicPr>
+          <p:nvPr/>
+        </p:nvPicPr>
+        <p:blipFill>
+          <a:blip r:embed="rId3">
+            <a:extLst>
+              <a:ext uri="{28A0092B-C50C-407E-A947-70E740481C1C}">
+                <a14:useLocalDpi xmlns:a14="http://schemas.microsoft.com/office/drawing/2010/main" val="0"/>
+              </a:ext>
+            </a:extLst>
+          </a:blip>
+          <a:stretch>
+            <a:fillRect/>
+          </a:stretch>
+        </p:blipFill>
+        <p:spPr>
+          <a:xfrm>
+            <a:off x="1828130" y="3599955"/>
+            <a:ext cx="8434551" cy="3077871"/>
+          </a:xfrm>
+          <a:prstGeom prst="rect">
+            <a:avLst/>
+          </a:prstGeom>
+        </p:spPr>
+      </p:pic>
+      <p:pic>
+        <p:nvPicPr>
+          <p:cNvPr id="23" name="Рисунок 22">
+            <a:extLst>
+              <a:ext uri="{FF2B5EF4-FFF2-40B4-BE49-F238E27FC236}">
+                <a16:creationId xmlns:a16="http://schemas.microsoft.com/office/drawing/2014/main" id="{18E912CE-F41C-4628-8ADD-3385B30F4B01}"/>
+              </a:ext>
+            </a:extLst>
+          </p:cNvPr>
+          <p:cNvPicPr>
+            <a:picLocks noChangeAspect="1"/>
+          </p:cNvPicPr>
+          <p:nvPr/>
+        </p:nvPicPr>
+        <p:blipFill>
+          <a:blip r:embed="rId4">
+            <a:extLst>
+              <a:ext uri="{28A0092B-C50C-407E-A947-70E740481C1C}">
+                <a14:useLocalDpi xmlns:a14="http://schemas.microsoft.com/office/drawing/2010/main" val="0"/>
+              </a:ext>
+            </a:extLst>
+          </a:blip>
+          <a:stretch>
+            <a:fillRect/>
+          </a:stretch>
+        </p:blipFill>
+        <p:spPr>
+          <a:xfrm>
+            <a:off x="5173997" y="2430034"/>
+            <a:ext cx="2181231" cy="617330"/>
+          </a:xfrm>
+          <a:prstGeom prst="rect">
+            <a:avLst/>
+          </a:prstGeom>
+        </p:spPr>
+      </p:pic>
     </p:spTree>
     <p:extLst>
       <p:ext uri="{BB962C8B-B14F-4D97-AF65-F5344CB8AC3E}">
@@ -4109,6 +7713,291 @@
   <p:clrMapOvr>
     <a:masterClrMapping/>
   </p:clrMapOvr>
+  <mc:AlternateContent xmlns:mc="http://schemas.openxmlformats.org/markup-compatibility/2006">
+    <mc:Choice xmlns:p14="http://schemas.microsoft.com/office/powerpoint/2010/main" Requires="p14">
+      <p:transition spd="slow" p14:dur="1500">
+        <p:split orient="vert"/>
+      </p:transition>
+    </mc:Choice>
+    <mc:Fallback>
+      <p:transition spd="slow">
+        <p:split orient="vert"/>
+      </p:transition>
+    </mc:Fallback>
+  </mc:AlternateContent>
+  <p:timing>
+    <p:tnLst>
+      <p:par>
+        <p:cTn id="1" dur="indefinite" restart="never" nodeType="tmRoot">
+          <p:childTnLst>
+            <p:seq concurrent="1" nextAc="seek">
+              <p:cTn id="2" dur="indefinite" nodeType="mainSeq">
+                <p:childTnLst>
+                  <p:par>
+                    <p:cTn id="3" fill="hold">
+                      <p:stCondLst>
+                        <p:cond delay="indefinite"/>
+                      </p:stCondLst>
+                      <p:childTnLst>
+                        <p:par>
+                          <p:cTn id="4" fill="hold">
+                            <p:stCondLst>
+                              <p:cond delay="0"/>
+                            </p:stCondLst>
+                            <p:childTnLst>
+                              <p:par>
+                                <p:cTn id="5" presetID="6" presetClass="entr" presetSubtype="16" fill="hold" nodeType="clickEffect">
+                                  <p:stCondLst>
+                                    <p:cond delay="0"/>
+                                  </p:stCondLst>
+                                  <p:childTnLst>
+                                    <p:set>
+                                      <p:cBhvr>
+                                        <p:cTn id="6" dur="1" fill="hold">
+                                          <p:stCondLst>
+                                            <p:cond delay="0"/>
+                                          </p:stCondLst>
+                                        </p:cTn>
+                                        <p:tgtEl>
+                                          <p:spTgt spid="5"/>
+                                        </p:tgtEl>
+                                        <p:attrNameLst>
+                                          <p:attrName>style.visibility</p:attrName>
+                                        </p:attrNameLst>
+                                      </p:cBhvr>
+                                      <p:to>
+                                        <p:strVal val="visible"/>
+                                      </p:to>
+                                    </p:set>
+                                    <p:animEffect transition="in" filter="circle(in)">
+                                      <p:cBhvr>
+                                        <p:cTn id="7" dur="2000"/>
+                                        <p:tgtEl>
+                                          <p:spTgt spid="5"/>
+                                        </p:tgtEl>
+                                      </p:cBhvr>
+                                    </p:animEffect>
+                                  </p:childTnLst>
+                                </p:cTn>
+                              </p:par>
+                            </p:childTnLst>
+                          </p:cTn>
+                        </p:par>
+                      </p:childTnLst>
+                    </p:cTn>
+                  </p:par>
+                  <p:par>
+                    <p:cTn id="8" fill="hold">
+                      <p:stCondLst>
+                        <p:cond delay="indefinite"/>
+                      </p:stCondLst>
+                      <p:childTnLst>
+                        <p:par>
+                          <p:cTn id="9" fill="hold">
+                            <p:stCondLst>
+                              <p:cond delay="0"/>
+                            </p:stCondLst>
+                            <p:childTnLst>
+                              <p:par>
+                                <p:cTn id="10" presetID="2" presetClass="entr" presetSubtype="4" fill="hold" nodeType="clickEffect">
+                                  <p:stCondLst>
+                                    <p:cond delay="0"/>
+                                  </p:stCondLst>
+                                  <p:childTnLst>
+                                    <p:set>
+                                      <p:cBhvr>
+                                        <p:cTn id="11" dur="1" fill="hold">
+                                          <p:stCondLst>
+                                            <p:cond delay="0"/>
+                                          </p:stCondLst>
+                                        </p:cTn>
+                                        <p:tgtEl>
+                                          <p:spTgt spid="23"/>
+                                        </p:tgtEl>
+                                        <p:attrNameLst>
+                                          <p:attrName>style.visibility</p:attrName>
+                                        </p:attrNameLst>
+                                      </p:cBhvr>
+                                      <p:to>
+                                        <p:strVal val="visible"/>
+                                      </p:to>
+                                    </p:set>
+                                    <p:anim calcmode="lin" valueType="num">
+                                      <p:cBhvr additive="base">
+                                        <p:cTn id="12" dur="500" fill="hold"/>
+                                        <p:tgtEl>
+                                          <p:spTgt spid="23"/>
+                                        </p:tgtEl>
+                                        <p:attrNameLst>
+                                          <p:attrName>ppt_x</p:attrName>
+                                        </p:attrNameLst>
+                                      </p:cBhvr>
+                                      <p:tavLst>
+                                        <p:tav tm="0">
+                                          <p:val>
+                                            <p:strVal val="#ppt_x"/>
+                                          </p:val>
+                                        </p:tav>
+                                        <p:tav tm="100000">
+                                          <p:val>
+                                            <p:strVal val="#ppt_x"/>
+                                          </p:val>
+                                        </p:tav>
+                                      </p:tavLst>
+                                    </p:anim>
+                                    <p:anim calcmode="lin" valueType="num">
+                                      <p:cBhvr additive="base">
+                                        <p:cTn id="13" dur="500" fill="hold"/>
+                                        <p:tgtEl>
+                                          <p:spTgt spid="23"/>
+                                        </p:tgtEl>
+                                        <p:attrNameLst>
+                                          <p:attrName>ppt_y</p:attrName>
+                                        </p:attrNameLst>
+                                      </p:cBhvr>
+                                      <p:tavLst>
+                                        <p:tav tm="0">
+                                          <p:val>
+                                            <p:strVal val="1+#ppt_h/2"/>
+                                          </p:val>
+                                        </p:tav>
+                                        <p:tav tm="100000">
+                                          <p:val>
+                                            <p:strVal val="#ppt_y"/>
+                                          </p:val>
+                                        </p:tav>
+                                      </p:tavLst>
+                                    </p:anim>
+                                  </p:childTnLst>
+                                </p:cTn>
+                              </p:par>
+                            </p:childTnLst>
+                          </p:cTn>
+                        </p:par>
+                      </p:childTnLst>
+                    </p:cTn>
+                  </p:par>
+                  <p:par>
+                    <p:cTn id="14" fill="hold">
+                      <p:stCondLst>
+                        <p:cond delay="indefinite"/>
+                      </p:stCondLst>
+                      <p:childTnLst>
+                        <p:par>
+                          <p:cTn id="15" fill="hold">
+                            <p:stCondLst>
+                              <p:cond delay="0"/>
+                            </p:stCondLst>
+                            <p:childTnLst>
+                              <p:par>
+                                <p:cTn id="16" presetID="45" presetClass="entr" presetSubtype="0" fill="hold" nodeType="clickEffect">
+                                  <p:stCondLst>
+                                    <p:cond delay="0"/>
+                                  </p:stCondLst>
+                                  <p:childTnLst>
+                                    <p:set>
+                                      <p:cBhvr>
+                                        <p:cTn id="17" dur="1" fill="hold">
+                                          <p:stCondLst>
+                                            <p:cond delay="0"/>
+                                          </p:stCondLst>
+                                        </p:cTn>
+                                        <p:tgtEl>
+                                          <p:spTgt spid="21"/>
+                                        </p:tgtEl>
+                                        <p:attrNameLst>
+                                          <p:attrName>style.visibility</p:attrName>
+                                        </p:attrNameLst>
+                                      </p:cBhvr>
+                                      <p:to>
+                                        <p:strVal val="visible"/>
+                                      </p:to>
+                                    </p:set>
+                                    <p:animEffect transition="in" filter="fade">
+                                      <p:cBhvr>
+                                        <p:cTn id="18" dur="2000"/>
+                                        <p:tgtEl>
+                                          <p:spTgt spid="21"/>
+                                        </p:tgtEl>
+                                      </p:cBhvr>
+                                    </p:animEffect>
+                                    <p:anim calcmode="lin" valueType="num">
+                                      <p:cBhvr>
+                                        <p:cTn id="19" dur="2000" fill="hold"/>
+                                        <p:tgtEl>
+                                          <p:spTgt spid="21"/>
+                                        </p:tgtEl>
+                                        <p:attrNameLst>
+                                          <p:attrName>ppt_w</p:attrName>
+                                        </p:attrNameLst>
+                                      </p:cBhvr>
+                                      <p:tavLst>
+                                        <p:tav tm="0" fmla="#ppt_w*sin(2.5*pi*$)">
+                                          <p:val>
+                                            <p:fltVal val="0"/>
+                                          </p:val>
+                                        </p:tav>
+                                        <p:tav tm="100000">
+                                          <p:val>
+                                            <p:fltVal val="1"/>
+                                          </p:val>
+                                        </p:tav>
+                                      </p:tavLst>
+                                    </p:anim>
+                                    <p:anim calcmode="lin" valueType="num">
+                                      <p:cBhvr>
+                                        <p:cTn id="20" dur="2000" fill="hold"/>
+                                        <p:tgtEl>
+                                          <p:spTgt spid="21"/>
+                                        </p:tgtEl>
+                                        <p:attrNameLst>
+                                          <p:attrName>ppt_h</p:attrName>
+                                        </p:attrNameLst>
+                                      </p:cBhvr>
+                                      <p:tavLst>
+                                        <p:tav tm="0">
+                                          <p:val>
+                                            <p:strVal val="#ppt_h"/>
+                                          </p:val>
+                                        </p:tav>
+                                        <p:tav tm="100000">
+                                          <p:val>
+                                            <p:strVal val="#ppt_h"/>
+                                          </p:val>
+                                        </p:tav>
+                                      </p:tavLst>
+                                    </p:anim>
+                                  </p:childTnLst>
+                                </p:cTn>
+                              </p:par>
+                            </p:childTnLst>
+                          </p:cTn>
+                        </p:par>
+                      </p:childTnLst>
+                    </p:cTn>
+                  </p:par>
+                </p:childTnLst>
+              </p:cTn>
+              <p:prevCondLst>
+                <p:cond evt="onPrev" delay="0">
+                  <p:tgtEl>
+                    <p:sldTgt/>
+                  </p:tgtEl>
+                </p:cond>
+              </p:prevCondLst>
+              <p:nextCondLst>
+                <p:cond evt="onNext" delay="0">
+                  <p:tgtEl>
+                    <p:sldTgt/>
+                  </p:tgtEl>
+                </p:cond>
+              </p:nextCondLst>
+            </p:seq>
+          </p:childTnLst>
+        </p:cTn>
+      </p:par>
+    </p:tnLst>
+  </p:timing>
 </p:sld>
 </file>
 
@@ -4189,6 +8078,701 @@
   <p:clrMapOvr>
     <a:masterClrMapping/>
   </p:clrMapOvr>
+  <mc:AlternateContent xmlns:mc="http://schemas.openxmlformats.org/markup-compatibility/2006">
+    <mc:Choice xmlns:p14="http://schemas.microsoft.com/office/powerpoint/2010/main" Requires="p14">
+      <p:transition spd="slow" p14:dur="1500">
+        <p:split orient="vert"/>
+      </p:transition>
+    </mc:Choice>
+    <mc:Fallback>
+      <p:transition spd="slow">
+        <p:split orient="vert"/>
+      </p:transition>
+    </mc:Fallback>
+  </mc:AlternateContent>
+</p:sld>
+</file>
+
+<file path=ppt/slides/slide6.xml><?xml version="1.0" encoding="utf-8"?>
+<p:sld xmlns:a="http://schemas.openxmlformats.org/drawingml/2006/main" xmlns:r="http://schemas.openxmlformats.org/officeDocument/2006/relationships" xmlns:p="http://schemas.openxmlformats.org/presentationml/2006/main">
+  <p:cSld>
+    <p:spTree>
+      <p:nvGrpSpPr>
+        <p:cNvPr id="1" name=""/>
+        <p:cNvGrpSpPr/>
+        <p:nvPr/>
+      </p:nvGrpSpPr>
+      <p:grpSpPr>
+        <a:xfrm>
+          <a:off x="0" y="0"/>
+          <a:ext cx="0" cy="0"/>
+          <a:chOff x="0" y="0"/>
+          <a:chExt cx="0" cy="0"/>
+        </a:xfrm>
+      </p:grpSpPr>
+      <p:sp>
+        <p:nvSpPr>
+          <p:cNvPr id="2" name="Заголовок 1">
+            <a:extLst>
+              <a:ext uri="{FF2B5EF4-FFF2-40B4-BE49-F238E27FC236}">
+                <a16:creationId xmlns:a16="http://schemas.microsoft.com/office/drawing/2014/main" id="{FB5C35BA-B6E5-48B1-81F5-FB47D54CDD8F}"/>
+              </a:ext>
+            </a:extLst>
+          </p:cNvPr>
+          <p:cNvSpPr>
+            <a:spLocks noGrp="1"/>
+          </p:cNvSpPr>
+          <p:nvPr>
+            <p:ph type="title"/>
+          </p:nvPr>
+        </p:nvSpPr>
+        <p:spPr/>
+        <p:txBody>
+          <a:bodyPr/>
+          <a:lstStyle/>
+          <a:p>
+            <a:endParaRPr lang="ru-RU"/>
+          </a:p>
+        </p:txBody>
+      </p:sp>
+      <p:sp>
+        <p:nvSpPr>
+          <p:cNvPr id="3" name="Объект 2">
+            <a:extLst>
+              <a:ext uri="{FF2B5EF4-FFF2-40B4-BE49-F238E27FC236}">
+                <a16:creationId xmlns:a16="http://schemas.microsoft.com/office/drawing/2014/main" id="{AC427FEE-3053-4E5D-8D4B-1E62FA959F54}"/>
+              </a:ext>
+            </a:extLst>
+          </p:cNvPr>
+          <p:cNvSpPr>
+            <a:spLocks noGrp="1"/>
+          </p:cNvSpPr>
+          <p:nvPr>
+            <p:ph idx="1"/>
+          </p:nvPr>
+        </p:nvSpPr>
+        <p:spPr/>
+        <p:txBody>
+          <a:bodyPr/>
+          <a:lstStyle/>
+          <a:p>
+            <a:endParaRPr lang="ru-RU"/>
+          </a:p>
+        </p:txBody>
+      </p:sp>
+    </p:spTree>
+    <p:extLst>
+      <p:ext uri="{BB962C8B-B14F-4D97-AF65-F5344CB8AC3E}">
+        <p14:creationId xmlns:p14="http://schemas.microsoft.com/office/powerpoint/2010/main" val="530594896"/>
+      </p:ext>
+    </p:extLst>
+  </p:cSld>
+  <p:clrMapOvr>
+    <a:masterClrMapping/>
+  </p:clrMapOvr>
+  <mc:AlternateContent xmlns:mc="http://schemas.openxmlformats.org/markup-compatibility/2006">
+    <mc:Choice xmlns:p14="http://schemas.microsoft.com/office/powerpoint/2010/main" Requires="p14">
+      <p:transition spd="slow" p14:dur="1500">
+        <p:split orient="vert"/>
+      </p:transition>
+    </mc:Choice>
+    <mc:Fallback>
+      <p:transition spd="slow">
+        <p:split orient="vert"/>
+      </p:transition>
+    </mc:Fallback>
+  </mc:AlternateContent>
+</p:sld>
+</file>
+
+<file path=ppt/slides/slide7.xml><?xml version="1.0" encoding="utf-8"?>
+<p:sld xmlns:a="http://schemas.openxmlformats.org/drawingml/2006/main" xmlns:r="http://schemas.openxmlformats.org/officeDocument/2006/relationships" xmlns:p="http://schemas.openxmlformats.org/presentationml/2006/main">
+  <p:cSld>
+    <p:spTree>
+      <p:nvGrpSpPr>
+        <p:cNvPr id="1" name=""/>
+        <p:cNvGrpSpPr/>
+        <p:nvPr/>
+      </p:nvGrpSpPr>
+      <p:grpSpPr>
+        <a:xfrm>
+          <a:off x="0" y="0"/>
+          <a:ext cx="0" cy="0"/>
+          <a:chOff x="0" y="0"/>
+          <a:chExt cx="0" cy="0"/>
+        </a:xfrm>
+      </p:grpSpPr>
+      <p:sp>
+        <p:nvSpPr>
+          <p:cNvPr id="2" name="Заголовок 1">
+            <a:extLst>
+              <a:ext uri="{FF2B5EF4-FFF2-40B4-BE49-F238E27FC236}">
+                <a16:creationId xmlns:a16="http://schemas.microsoft.com/office/drawing/2014/main" id="{4D894D1B-B7C8-4EE1-B184-B3117624CEB0}"/>
+              </a:ext>
+            </a:extLst>
+          </p:cNvPr>
+          <p:cNvSpPr>
+            <a:spLocks noGrp="1"/>
+          </p:cNvSpPr>
+          <p:nvPr>
+            <p:ph type="title"/>
+          </p:nvPr>
+        </p:nvSpPr>
+        <p:spPr/>
+        <p:txBody>
+          <a:bodyPr/>
+          <a:lstStyle/>
+          <a:p>
+            <a:endParaRPr lang="ru-RU"/>
+          </a:p>
+        </p:txBody>
+      </p:sp>
+      <p:sp>
+        <p:nvSpPr>
+          <p:cNvPr id="3" name="Объект 2">
+            <a:extLst>
+              <a:ext uri="{FF2B5EF4-FFF2-40B4-BE49-F238E27FC236}">
+                <a16:creationId xmlns:a16="http://schemas.microsoft.com/office/drawing/2014/main" id="{A37DA9C1-8E7B-4881-A594-85241849BFE7}"/>
+              </a:ext>
+            </a:extLst>
+          </p:cNvPr>
+          <p:cNvSpPr>
+            <a:spLocks noGrp="1"/>
+          </p:cNvSpPr>
+          <p:nvPr>
+            <p:ph idx="1"/>
+          </p:nvPr>
+        </p:nvSpPr>
+        <p:spPr/>
+        <p:txBody>
+          <a:bodyPr/>
+          <a:lstStyle/>
+          <a:p>
+            <a:endParaRPr lang="ru-RU"/>
+          </a:p>
+        </p:txBody>
+      </p:sp>
+    </p:spTree>
+    <p:extLst>
+      <p:ext uri="{BB962C8B-B14F-4D97-AF65-F5344CB8AC3E}">
+        <p14:creationId xmlns:p14="http://schemas.microsoft.com/office/powerpoint/2010/main" val="1722529446"/>
+      </p:ext>
+    </p:extLst>
+  </p:cSld>
+  <p:clrMapOvr>
+    <a:masterClrMapping/>
+  </p:clrMapOvr>
+  <mc:AlternateContent xmlns:mc="http://schemas.openxmlformats.org/markup-compatibility/2006">
+    <mc:Choice xmlns:p14="http://schemas.microsoft.com/office/powerpoint/2010/main" Requires="p14">
+      <p:transition spd="slow" p14:dur="1500">
+        <p:split orient="vert"/>
+      </p:transition>
+    </mc:Choice>
+    <mc:Fallback>
+      <p:transition spd="slow">
+        <p:split orient="vert"/>
+      </p:transition>
+    </mc:Fallback>
+  </mc:AlternateContent>
+</p:sld>
+</file>
+
+<file path=ppt/slides/slide8.xml><?xml version="1.0" encoding="utf-8"?>
+<p:sld xmlns:a="http://schemas.openxmlformats.org/drawingml/2006/main" xmlns:r="http://schemas.openxmlformats.org/officeDocument/2006/relationships" xmlns:p="http://schemas.openxmlformats.org/presentationml/2006/main">
+  <p:cSld>
+    <p:bg>
+      <p:bgPr>
+        <a:solidFill>
+          <a:schemeClr val="bg1"/>
+        </a:solidFill>
+        <a:effectLst/>
+      </p:bgPr>
+    </p:bg>
+    <p:spTree>
+      <p:nvGrpSpPr>
+        <p:cNvPr id="1" name=""/>
+        <p:cNvGrpSpPr/>
+        <p:nvPr/>
+      </p:nvGrpSpPr>
+      <p:grpSpPr>
+        <a:xfrm>
+          <a:off x="0" y="0"/>
+          <a:ext cx="0" cy="0"/>
+          <a:chOff x="0" y="0"/>
+          <a:chExt cx="0" cy="0"/>
+        </a:xfrm>
+      </p:grpSpPr>
+      <p:sp>
+        <p:nvSpPr>
+          <p:cNvPr id="7" name="Rectangle 6">
+            <a:extLst>
+              <a:ext uri="{FF2B5EF4-FFF2-40B4-BE49-F238E27FC236}">
+                <a16:creationId xmlns:a16="http://schemas.microsoft.com/office/drawing/2014/main" id="{0BABF38A-8A0D-492E-BD20-6CF4D46B50BD}"/>
+              </a:ext>
+              <a:ext uri="{C183D7F6-B498-43B3-948B-1728B52AA6E4}">
+                <adec:decorative xmlns:adec="http://schemas.microsoft.com/office/drawing/2017/decorative" val="1"/>
+              </a:ext>
+            </a:extLst>
+          </p:cNvPr>
+          <p:cNvSpPr>
+            <a:spLocks noGrp="1" noRot="1" noChangeAspect="1" noMove="1" noResize="1" noEditPoints="1" noAdjustHandles="1" noChangeArrowheads="1" noChangeShapeType="1" noTextEdit="1"/>
+          </p:cNvSpPr>
+          <p:nvPr>
+            <p:extLst>
+              <p:ext uri="{386F3935-93C4-4BCD-93E2-E3B085C9AB24}">
+                <p16:designElem xmlns:p16="http://schemas.microsoft.com/office/powerpoint/2015/main" val="1"/>
+              </p:ext>
+            </p:extLst>
+          </p:nvPr>
+        </p:nvSpPr>
+        <p:spPr>
+          <a:xfrm>
+            <a:off x="0" y="1"/>
+            <a:ext cx="12192000" cy="6858004"/>
+          </a:xfrm>
+          <a:prstGeom prst="rect">
+            <a:avLst/>
+          </a:prstGeom>
+          <a:solidFill>
+            <a:schemeClr val="tx2">
+              <a:lumMod val="90000"/>
+              <a:lumOff val="10000"/>
+            </a:schemeClr>
+          </a:solidFill>
+          <a:ln>
+            <a:noFill/>
+          </a:ln>
+        </p:spPr>
+        <p:style>
+          <a:lnRef idx="2">
+            <a:schemeClr val="accent1">
+              <a:shade val="50000"/>
+            </a:schemeClr>
+          </a:lnRef>
+          <a:fillRef idx="1">
+            <a:schemeClr val="accent1"/>
+          </a:fillRef>
+          <a:effectRef idx="0">
+            <a:schemeClr val="accent1"/>
+          </a:effectRef>
+          <a:fontRef idx="minor">
+            <a:schemeClr val="lt1"/>
+          </a:fontRef>
+        </p:style>
+        <p:txBody>
+          <a:bodyPr rtlCol="0" anchor="ctr"/>
+          <a:lstStyle/>
+          <a:p>
+            <a:pPr algn="ctr"/>
+            <a:endParaRPr lang="en-US" dirty="0">
+              <a:solidFill>
+                <a:schemeClr val="tx1">
+                  <a:lumMod val="65000"/>
+                  <a:lumOff val="35000"/>
+                </a:schemeClr>
+              </a:solidFill>
+              <a:latin typeface="AvenirNext LT Pro Medium" panose="020B0504020202020204" pitchFamily="34" charset="0"/>
+            </a:endParaRPr>
+          </a:p>
+        </p:txBody>
+      </p:sp>
+      <p:pic>
+        <p:nvPicPr>
+          <p:cNvPr id="9" name="Picture 8">
+            <a:extLst>
+              <a:ext uri="{FF2B5EF4-FFF2-40B4-BE49-F238E27FC236}">
+                <a16:creationId xmlns:a16="http://schemas.microsoft.com/office/drawing/2014/main" id="{1CB7E8AE-A3AC-4BB7-A5C6-F00EC697B265}"/>
+              </a:ext>
+              <a:ext uri="{C183D7F6-B498-43B3-948B-1728B52AA6E4}">
+                <adec:decorative xmlns:adec="http://schemas.microsoft.com/office/drawing/2017/decorative" val="1"/>
+              </a:ext>
+            </a:extLst>
+          </p:cNvPr>
+          <p:cNvPicPr>
+            <a:picLocks noGrp="1" noRot="1" noChangeAspect="1" noMove="1" noResize="1" noEditPoints="1" noAdjustHandles="1" noChangeArrowheads="1" noChangeShapeType="1" noCrop="1"/>
+          </p:cNvPicPr>
+          <p:nvPr>
+            <p:extLst>
+              <p:ext uri="{386F3935-93C4-4BCD-93E2-E3B085C9AB24}">
+                <p16:designElem xmlns:p16="http://schemas.microsoft.com/office/powerpoint/2015/main" val="1"/>
+              </p:ext>
+            </p:extLst>
+          </p:nvPr>
+        </p:nvPicPr>
+        <p:blipFill>
+          <a:blip r:embed="rId2">
+            <a:alphaModFix amt="35000"/>
+            <a:extLst>
+              <a:ext uri="{28A0092B-C50C-407E-A947-70E740481C1C}">
+                <a14:useLocalDpi xmlns:a14="http://schemas.microsoft.com/office/drawing/2010/main" val="0"/>
+              </a:ext>
+            </a:extLst>
+          </a:blip>
+          <a:stretch>
+            <a:fillRect/>
+          </a:stretch>
+        </p:blipFill>
+        <p:spPr>
+          <a:xfrm>
+            <a:off x="0" y="1"/>
+            <a:ext cx="12192000" cy="1392401"/>
+          </a:xfrm>
+          <a:prstGeom prst="rect">
+            <a:avLst/>
+          </a:prstGeom>
+        </p:spPr>
+      </p:pic>
+      <p:sp useBgFill="1">
+        <p:nvSpPr>
+          <p:cNvPr id="11" name="Rectangle 10">
+            <a:extLst>
+              <a:ext uri="{FF2B5EF4-FFF2-40B4-BE49-F238E27FC236}">
+                <a16:creationId xmlns:a16="http://schemas.microsoft.com/office/drawing/2014/main" id="{26B0FCFA-8A2E-4F10-87BD-34565BD7C39F}"/>
+              </a:ext>
+              <a:ext uri="{C183D7F6-B498-43B3-948B-1728B52AA6E4}">
+                <adec:decorative xmlns:adec="http://schemas.microsoft.com/office/drawing/2017/decorative" val="1"/>
+              </a:ext>
+            </a:extLst>
+          </p:cNvPr>
+          <p:cNvSpPr>
+            <a:spLocks noGrp="1" noRot="1" noChangeAspect="1" noMove="1" noResize="1" noEditPoints="1" noAdjustHandles="1" noChangeArrowheads="1" noChangeShapeType="1" noTextEdit="1"/>
+          </p:cNvSpPr>
+          <p:nvPr>
+            <p:extLst>
+              <p:ext uri="{386F3935-93C4-4BCD-93E2-E3B085C9AB24}">
+                <p16:designElem xmlns:p16="http://schemas.microsoft.com/office/powerpoint/2015/main" val="1"/>
+              </p:ext>
+            </p:extLst>
+          </p:nvPr>
+        </p:nvSpPr>
+        <p:spPr>
+          <a:xfrm>
+            <a:off x="0" y="0"/>
+            <a:ext cx="12188952" cy="6858000"/>
+          </a:xfrm>
+          <a:prstGeom prst="rect">
+            <a:avLst/>
+          </a:prstGeom>
+          <a:ln>
+            <a:noFill/>
+          </a:ln>
+        </p:spPr>
+        <p:style>
+          <a:lnRef idx="2">
+            <a:schemeClr val="accent1">
+              <a:shade val="50000"/>
+            </a:schemeClr>
+          </a:lnRef>
+          <a:fillRef idx="1">
+            <a:schemeClr val="accent1"/>
+          </a:fillRef>
+          <a:effectRef idx="0">
+            <a:schemeClr val="accent1"/>
+          </a:effectRef>
+          <a:fontRef idx="minor">
+            <a:schemeClr val="lt1"/>
+          </a:fontRef>
+        </p:style>
+        <p:txBody>
+          <a:bodyPr rtlCol="0" anchor="ctr"/>
+          <a:lstStyle/>
+          <a:p>
+            <a:pPr algn="ctr"/>
+            <a:endParaRPr lang="en-US" dirty="0">
+              <a:solidFill>
+                <a:schemeClr val="tx1">
+                  <a:lumMod val="65000"/>
+                  <a:lumOff val="35000"/>
+                </a:schemeClr>
+              </a:solidFill>
+              <a:latin typeface="AvenirNext LT Pro Medium" panose="020B0504020202020204" pitchFamily="34" charset="0"/>
+            </a:endParaRPr>
+          </a:p>
+        </p:txBody>
+      </p:sp>
+      <p:sp>
+        <p:nvSpPr>
+          <p:cNvPr id="13" name="Rectangle 12">
+            <a:extLst>
+              <a:ext uri="{FF2B5EF4-FFF2-40B4-BE49-F238E27FC236}">
+                <a16:creationId xmlns:a16="http://schemas.microsoft.com/office/drawing/2014/main" id="{83B65FFA-2EDB-4641-8B7D-8D5A5517783E}"/>
+              </a:ext>
+              <a:ext uri="{C183D7F6-B498-43B3-948B-1728B52AA6E4}">
+                <adec:decorative xmlns:adec="http://schemas.microsoft.com/office/drawing/2017/decorative" val="1"/>
+              </a:ext>
+            </a:extLst>
+          </p:cNvPr>
+          <p:cNvSpPr>
+            <a:spLocks noGrp="1" noRot="1" noChangeAspect="1" noMove="1" noResize="1" noEditPoints="1" noAdjustHandles="1" noChangeArrowheads="1" noChangeShapeType="1" noTextEdit="1"/>
+          </p:cNvSpPr>
+          <p:nvPr>
+            <p:extLst>
+              <p:ext uri="{386F3935-93C4-4BCD-93E2-E3B085C9AB24}">
+                <p16:designElem xmlns:p16="http://schemas.microsoft.com/office/powerpoint/2015/main" val="1"/>
+              </p:ext>
+            </p:extLst>
+          </p:nvPr>
+        </p:nvSpPr>
+        <p:spPr>
+          <a:xfrm>
+            <a:off x="3048" y="0"/>
+            <a:ext cx="12188952" cy="6858000"/>
+          </a:xfrm>
+          <a:prstGeom prst="rect">
+            <a:avLst/>
+          </a:prstGeom>
+          <a:solidFill>
+            <a:schemeClr val="bg2">
+              <a:alpha val="70000"/>
+            </a:schemeClr>
+          </a:solidFill>
+          <a:ln>
+            <a:noFill/>
+          </a:ln>
+        </p:spPr>
+        <p:style>
+          <a:lnRef idx="2">
+            <a:schemeClr val="accent1">
+              <a:shade val="50000"/>
+            </a:schemeClr>
+          </a:lnRef>
+          <a:fillRef idx="1">
+            <a:schemeClr val="accent1"/>
+          </a:fillRef>
+          <a:effectRef idx="0">
+            <a:schemeClr val="accent1"/>
+          </a:effectRef>
+          <a:fontRef idx="minor">
+            <a:schemeClr val="lt1"/>
+          </a:fontRef>
+        </p:style>
+        <p:txBody>
+          <a:bodyPr rtlCol="0" anchor="ctr"/>
+          <a:lstStyle/>
+          <a:p>
+            <a:pPr algn="ctr"/>
+            <a:endParaRPr lang="en-US">
+              <a:solidFill>
+                <a:schemeClr val="tx1">
+                  <a:lumMod val="65000"/>
+                  <a:lumOff val="35000"/>
+                </a:schemeClr>
+              </a:solidFill>
+              <a:latin typeface="AvenirNext LT Pro Medium" panose="020B0504020202020204" pitchFamily="34" charset="0"/>
+            </a:endParaRPr>
+          </a:p>
+        </p:txBody>
+      </p:sp>
+      <p:sp>
+        <p:nvSpPr>
+          <p:cNvPr id="2" name="Заголовок 1">
+            <a:extLst>
+              <a:ext uri="{FF2B5EF4-FFF2-40B4-BE49-F238E27FC236}">
+                <a16:creationId xmlns:a16="http://schemas.microsoft.com/office/drawing/2014/main" id="{41697AE2-2CDA-4EE7-8690-218D5D816F22}"/>
+              </a:ext>
+            </a:extLst>
+          </p:cNvPr>
+          <p:cNvSpPr>
+            <a:spLocks noGrp="1"/>
+          </p:cNvSpPr>
+          <p:nvPr>
+            <p:ph type="title"/>
+          </p:nvPr>
+        </p:nvSpPr>
+        <p:spPr>
+          <a:xfrm>
+            <a:off x="1147362" y="1300179"/>
+            <a:ext cx="9900325" cy="2172600"/>
+          </a:xfrm>
+        </p:spPr>
+        <p:txBody>
+          <a:bodyPr vert="horz" lIns="91440" tIns="45720" rIns="91440" bIns="45720" rtlCol="0" anchor="b">
+            <a:normAutofit/>
+          </a:bodyPr>
+          <a:lstStyle/>
+          <a:p>
+            <a:pPr algn="ctr"/>
+            <a:r>
+              <a:rPr lang="en-US" sz="6600" dirty="0">
+                <a:solidFill>
+                  <a:schemeClr val="tx2"/>
+                </a:solidFill>
+              </a:rPr>
+              <a:t>СПАСИБО ЗА ВНИМАНИЕ!</a:t>
+            </a:r>
+          </a:p>
+        </p:txBody>
+      </p:sp>
+      <p:sp>
+        <p:nvSpPr>
+          <p:cNvPr id="15" name="Rectangle 14">
+            <a:extLst>
+              <a:ext uri="{FF2B5EF4-FFF2-40B4-BE49-F238E27FC236}">
+                <a16:creationId xmlns:a16="http://schemas.microsoft.com/office/drawing/2014/main" id="{2B145B6B-0C0D-455A-986C-C210A43E0F8D}"/>
+              </a:ext>
+              <a:ext uri="{C183D7F6-B498-43B3-948B-1728B52AA6E4}">
+                <adec:decorative xmlns:adec="http://schemas.microsoft.com/office/drawing/2017/decorative" val="1"/>
+              </a:ext>
+            </a:extLst>
+          </p:cNvPr>
+          <p:cNvSpPr>
+            <a:spLocks noGrp="1" noRot="1" noChangeAspect="1" noMove="1" noResize="1" noEditPoints="1" noAdjustHandles="1" noChangeArrowheads="1" noChangeShapeType="1" noTextEdit="1"/>
+          </p:cNvSpPr>
+          <p:nvPr>
+            <p:extLst>
+              <p:ext uri="{386F3935-93C4-4BCD-93E2-E3B085C9AB24}">
+                <p16:designElem xmlns:p16="http://schemas.microsoft.com/office/powerpoint/2015/main" val="1"/>
+              </p:ext>
+            </p:extLst>
+          </p:nvPr>
+        </p:nvSpPr>
+        <p:spPr>
+          <a:xfrm>
+            <a:off x="0" y="4114798"/>
+            <a:ext cx="12192000" cy="2743201"/>
+          </a:xfrm>
+          <a:prstGeom prst="rect">
+            <a:avLst/>
+          </a:prstGeom>
+          <a:solidFill>
+            <a:schemeClr val="tx2">
+              <a:lumMod val="90000"/>
+              <a:lumOff val="10000"/>
+            </a:schemeClr>
+          </a:solidFill>
+          <a:ln>
+            <a:noFill/>
+          </a:ln>
+        </p:spPr>
+        <p:style>
+          <a:lnRef idx="2">
+            <a:schemeClr val="accent1">
+              <a:shade val="50000"/>
+            </a:schemeClr>
+          </a:lnRef>
+          <a:fillRef idx="1">
+            <a:schemeClr val="accent1"/>
+          </a:fillRef>
+          <a:effectRef idx="0">
+            <a:schemeClr val="accent1"/>
+          </a:effectRef>
+          <a:fontRef idx="minor">
+            <a:schemeClr val="lt1"/>
+          </a:fontRef>
+        </p:style>
+        <p:txBody>
+          <a:bodyPr rtlCol="0" anchor="ctr"/>
+          <a:lstStyle/>
+          <a:p>
+            <a:pPr algn="ctr"/>
+            <a:endParaRPr lang="en-US" dirty="0">
+              <a:solidFill>
+                <a:schemeClr val="tx1">
+                  <a:lumMod val="65000"/>
+                  <a:lumOff val="35000"/>
+                </a:schemeClr>
+              </a:solidFill>
+              <a:latin typeface="AvenirNext LT Pro Medium" panose="020B0504020202020204" pitchFamily="34" charset="0"/>
+            </a:endParaRPr>
+          </a:p>
+        </p:txBody>
+      </p:sp>
+      <p:sp>
+        <p:nvSpPr>
+          <p:cNvPr id="17" name="Rectangle 16">
+            <a:extLst>
+              <a:ext uri="{FF2B5EF4-FFF2-40B4-BE49-F238E27FC236}">
+                <a16:creationId xmlns:a16="http://schemas.microsoft.com/office/drawing/2014/main" id="{C74813CB-BAA2-4F0F-8B4D-D5F6F0653D15}"/>
+              </a:ext>
+              <a:ext uri="{C183D7F6-B498-43B3-948B-1728B52AA6E4}">
+                <adec:decorative xmlns:adec="http://schemas.microsoft.com/office/drawing/2017/decorative" val="1"/>
+              </a:ext>
+            </a:extLst>
+          </p:cNvPr>
+          <p:cNvSpPr>
+            <a:spLocks noGrp="1" noRot="1" noChangeAspect="1" noMove="1" noResize="1" noEditPoints="1" noAdjustHandles="1" noChangeArrowheads="1" noChangeShapeType="1" noTextEdit="1"/>
+          </p:cNvSpPr>
+          <p:nvPr>
+            <p:extLst>
+              <p:ext uri="{386F3935-93C4-4BCD-93E2-E3B085C9AB24}">
+                <p16:designElem xmlns:p16="http://schemas.microsoft.com/office/powerpoint/2015/main" val="1"/>
+              </p:ext>
+            </p:extLst>
+          </p:nvPr>
+        </p:nvSpPr>
+        <p:spPr>
+          <a:xfrm rot="10800000">
+            <a:off x="0" y="4114797"/>
+            <a:ext cx="12188944" cy="2753797"/>
+          </a:xfrm>
+          <a:prstGeom prst="rect">
+            <a:avLst/>
+          </a:prstGeom>
+          <a:blipFill dpi="0" rotWithShape="1">
+            <a:blip r:embed="rId3">
+              <a:alphaModFix amt="24000"/>
+              <a:duotone>
+                <a:schemeClr val="accent1">
+                  <a:shade val="45000"/>
+                  <a:satMod val="135000"/>
+                </a:schemeClr>
+                <a:prstClr val="white"/>
+              </a:duotone>
+            </a:blip>
+            <a:srcRect/>
+            <a:tile tx="889000" ty="0" sx="100000" sy="100000" flip="none" algn="tl"/>
+          </a:blipFill>
+          <a:ln>
+            <a:noFill/>
+          </a:ln>
+        </p:spPr>
+        <p:style>
+          <a:lnRef idx="2">
+            <a:schemeClr val="accent1">
+              <a:shade val="50000"/>
+            </a:schemeClr>
+          </a:lnRef>
+          <a:fillRef idx="1">
+            <a:schemeClr val="accent1"/>
+          </a:fillRef>
+          <a:effectRef idx="0">
+            <a:schemeClr val="accent1"/>
+          </a:effectRef>
+          <a:fontRef idx="minor">
+            <a:schemeClr val="lt1"/>
+          </a:fontRef>
+        </p:style>
+        <p:txBody>
+          <a:bodyPr rtlCol="0" anchor="ctr"/>
+          <a:lstStyle/>
+          <a:p>
+            <a:pPr algn="ctr"/>
+            <a:endParaRPr lang="en-US" dirty="0"/>
+          </a:p>
+        </p:txBody>
+      </p:sp>
+    </p:spTree>
+    <p:extLst>
+      <p:ext uri="{BB962C8B-B14F-4D97-AF65-F5344CB8AC3E}">
+        <p14:creationId xmlns:p14="http://schemas.microsoft.com/office/powerpoint/2010/main" val="345939609"/>
+      </p:ext>
+    </p:extLst>
+  </p:cSld>
+  <p:clrMapOvr>
+    <a:masterClrMapping/>
+  </p:clrMapOvr>
+  <mc:AlternateContent xmlns:mc="http://schemas.openxmlformats.org/markup-compatibility/2006">
+    <mc:Choice xmlns:p14="http://schemas.microsoft.com/office/powerpoint/2010/main" Requires="p14">
+      <p:transition spd="slow" p14:dur="1500">
+        <p:split orient="vert"/>
+      </p:transition>
+    </mc:Choice>
+    <mc:Fallback>
+      <p:transition spd="slow">
+        <p:split orient="vert"/>
+      </p:transition>
+    </mc:Fallback>
+  </mc:AlternateContent>
 </p:sld>
 </file>
 
